--- a/Lessons/K_Text_Mining_2/B_wordClouds_revisited.pptx
+++ b/Lessons/K_Text_Mining_2/B_wordClouds_revisited.pptx
@@ -5,7 +5,7 @@
     <p:sldMasterId id="2147483660" r:id="rId1"/>
   </p:sldMasterIdLst>
   <p:notesMasterIdLst>
-    <p:notesMasterId r:id="rId30"/>
+    <p:notesMasterId r:id="rId26"/>
   </p:notesMasterIdLst>
   <p:sldIdLst>
     <p:sldId id="778" r:id="rId2"/>
@@ -20,22 +20,18 @@
     <p:sldId id="783" r:id="rId11"/>
     <p:sldId id="784" r:id="rId12"/>
     <p:sldId id="786" r:id="rId13"/>
-    <p:sldId id="811" r:id="rId14"/>
-    <p:sldId id="814" r:id="rId15"/>
-    <p:sldId id="788" r:id="rId16"/>
-    <p:sldId id="813" r:id="rId17"/>
-    <p:sldId id="789" r:id="rId18"/>
-    <p:sldId id="790" r:id="rId19"/>
-    <p:sldId id="528" r:id="rId20"/>
-    <p:sldId id="792" r:id="rId21"/>
-    <p:sldId id="793" r:id="rId22"/>
-    <p:sldId id="794" r:id="rId23"/>
-    <p:sldId id="797" r:id="rId24"/>
-    <p:sldId id="796" r:id="rId25"/>
-    <p:sldId id="795" r:id="rId26"/>
-    <p:sldId id="798" r:id="rId27"/>
-    <p:sldId id="791" r:id="rId28"/>
-    <p:sldId id="815" r:id="rId29"/>
+    <p:sldId id="788" r:id="rId14"/>
+    <p:sldId id="789" r:id="rId15"/>
+    <p:sldId id="790" r:id="rId16"/>
+    <p:sldId id="528" r:id="rId17"/>
+    <p:sldId id="792" r:id="rId18"/>
+    <p:sldId id="793" r:id="rId19"/>
+    <p:sldId id="794" r:id="rId20"/>
+    <p:sldId id="797" r:id="rId21"/>
+    <p:sldId id="796" r:id="rId22"/>
+    <p:sldId id="795" r:id="rId23"/>
+    <p:sldId id="798" r:id="rId24"/>
+    <p:sldId id="791" r:id="rId25"/>
   </p:sldIdLst>
   <p:sldSz cx="9144000" cy="6858000" type="screen4x3"/>
   <p:notesSz cx="7010400" cy="9296400"/>
@@ -235,7 +231,7 @@
           <a:p>
             <a:fld id="{B0C0A60C-850A-4EA4-9C14-A8FE98B94505}" type="datetimeFigureOut">
               <a:rPr lang="en-US" smtClean="0"/>
-              <a:t>4/18/22</a:t>
+              <a:t>11/25/24</a:t>
             </a:fld>
             <a:endParaRPr lang="en-US"/>
           </a:p>
@@ -579,7 +575,7 @@
           <a:p>
             <a:fld id="{24E9AA13-E3FC-4BB6-B68D-5F0F5803D716}" type="slidenum">
               <a:rPr lang="en-US" smtClean="0"/>
-              <a:t>22</a:t>
+              <a:t>19</a:t>
             </a:fld>
             <a:endParaRPr lang="en-US"/>
           </a:p>
@@ -730,7 +726,7 @@
           <a:p>
             <a:fld id="{5738B90E-0779-4C36-915C-6F05FCD89456}" type="datetime1">
               <a:rPr lang="en-US" smtClean="0"/>
-              <a:t>4/18/22</a:t>
+              <a:t>11/25/24</a:t>
             </a:fld>
             <a:endParaRPr lang="en-US"/>
           </a:p>
@@ -948,7 +944,7 @@
           <a:p>
             <a:fld id="{7B9EA29D-D431-42FE-B7B6-AAE4454C77D3}" type="datetime1">
               <a:rPr lang="en-US" smtClean="0"/>
-              <a:t>4/18/22</a:t>
+              <a:t>11/25/24</a:t>
             </a:fld>
             <a:endParaRPr lang="en-US"/>
           </a:p>
@@ -1208,7 +1204,7 @@
           <a:p>
             <a:fld id="{690D8A1E-EA8F-46C1-B891-AE0C00D9C314}" type="datetime1">
               <a:rPr lang="en-US" smtClean="0"/>
-              <a:t>4/18/22</a:t>
+              <a:t>11/25/24</a:t>
             </a:fld>
             <a:endParaRPr lang="en-US"/>
           </a:p>
@@ -1502,7 +1498,7 @@
           <a:p>
             <a:fld id="{D753EFC8-4232-4598-94F6-94C0EBAFC469}" type="datetime1">
               <a:rPr lang="en-US" smtClean="0"/>
-              <a:t>4/18/22</a:t>
+              <a:t>11/25/24</a:t>
             </a:fld>
             <a:endParaRPr lang="en-US"/>
           </a:p>
@@ -1817,7 +1813,7 @@
           <a:p>
             <a:fld id="{F3161074-1C18-4AE7-957D-F18524378C85}" type="datetime1">
               <a:rPr lang="en-US" smtClean="0"/>
-              <a:t>4/18/22</a:t>
+              <a:t>11/25/24</a:t>
             </a:fld>
             <a:endParaRPr lang="en-US"/>
           </a:p>
@@ -2091,7 +2087,7 @@
           <a:p>
             <a:fld id="{69BE256C-8D9A-4404-B47D-41A1AE514425}" type="datetime1">
               <a:rPr lang="en-US" smtClean="0"/>
-              <a:t>4/18/22</a:t>
+              <a:t>11/25/24</a:t>
             </a:fld>
             <a:endParaRPr lang="en-US"/>
           </a:p>
@@ -2525,7 +2521,7 @@
           <a:p>
             <a:fld id="{66CB2154-9035-4012-8189-BAAB61C5A5EE}" type="datetime1">
               <a:rPr lang="en-US" smtClean="0"/>
-              <a:t>4/18/22</a:t>
+              <a:t>11/25/24</a:t>
             </a:fld>
             <a:endParaRPr lang="en-US"/>
           </a:p>
@@ -2699,7 +2695,7 @@
           <a:p>
             <a:fld id="{6700A58B-DD98-43D0-B791-721480A02982}" type="datetime1">
               <a:rPr lang="en-US" smtClean="0"/>
-              <a:t>4/18/22</a:t>
+              <a:t>11/25/24</a:t>
             </a:fld>
             <a:endParaRPr lang="en-US"/>
           </a:p>
@@ -2891,7 +2887,7 @@
           <a:p>
             <a:fld id="{7DB6E382-4F61-4E24-BE1A-377EC83D0E3A}" type="datetime1">
               <a:rPr lang="en-US" smtClean="0"/>
-              <a:t>4/18/22</a:t>
+              <a:t>11/25/24</a:t>
             </a:fld>
             <a:endParaRPr lang="en-US"/>
           </a:p>
@@ -3202,7 +3198,7 @@
           <a:p>
             <a:fld id="{4142EED6-FC16-45B9-B8C4-2BC5DBA88325}" type="datetime1">
               <a:rPr lang="en-US" smtClean="0"/>
-              <a:t>4/18/22</a:t>
+              <a:t>11/25/24</a:t>
             </a:fld>
             <a:endParaRPr lang="en-US"/>
           </a:p>
@@ -3520,7 +3516,7 @@
           <a:p>
             <a:fld id="{DF59512B-4F1D-43D7-8819-2F53FEF69650}" type="datetime1">
               <a:rPr lang="en-US" smtClean="0"/>
-              <a:t>4/18/22</a:t>
+              <a:t>11/25/24</a:t>
             </a:fld>
             <a:endParaRPr lang="en-US"/>
           </a:p>
@@ -3796,7 +3792,7 @@
           <a:p>
             <a:fld id="{08437B94-E2BF-44DC-ADC5-B05FC9934E9D}" type="datetime1">
               <a:rPr lang="en-US" smtClean="0"/>
-              <a:t>4/18/22</a:t>
+              <a:t>11/25/24</a:t>
             </a:fld>
             <a:endParaRPr lang="en-US"/>
           </a:p>
@@ -4258,7 +4254,7 @@
             <a:fld id="{6700A58B-DD98-43D0-B791-721480A02982}" type="datetime1">
               <a:rPr lang="en-US" smtClean="0"/>
               <a:pPr/>
-              <a:t>4/18/22</a:t>
+              <a:t>11/25/24</a:t>
             </a:fld>
             <a:endParaRPr lang="en-US"/>
           </a:p>
@@ -4667,7 +4663,7 @@
             <a:fld id="{6700A58B-DD98-43D0-B791-721480A02982}" type="datetime1">
               <a:rPr lang="en-US" smtClean="0"/>
               <a:pPr/>
-              <a:t>4/18/22</a:t>
+              <a:t>11/25/24</a:t>
             </a:fld>
             <a:endParaRPr lang="en-US"/>
           </a:p>
@@ -5210,7 +5206,7 @@
             <a:fld id="{6700A58B-DD98-43D0-B791-721480A02982}" type="datetime1">
               <a:rPr lang="en-US" smtClean="0"/>
               <a:pPr/>
-              <a:t>4/18/22</a:t>
+              <a:t>11/25/24</a:t>
             </a:fld>
             <a:endParaRPr lang="en-US"/>
           </a:p>
@@ -6097,7 +6093,7 @@
             <a:fld id="{6700A58B-DD98-43D0-B791-721480A02982}" type="datetime1">
               <a:rPr lang="en-US" smtClean="0"/>
               <a:pPr/>
-              <a:t>4/18/22</a:t>
+              <a:t>11/25/24</a:t>
             </a:fld>
             <a:endParaRPr lang="en-US"/>
           </a:p>
@@ -6393,7 +6389,23 @@
                   <a:schemeClr val="bg1"/>
                 </a:solidFill>
               </a:rPr>
-              <a:t>Option 1 </a:t>
+              <a:t>There are many options including custom functions </a:t>
+            </a:r>
+            <a:r>
+              <a:rPr lang="en-US" sz="1200" b="1" dirty="0" err="1">
+                <a:solidFill>
+                  <a:schemeClr val="bg1"/>
+                </a:solidFill>
+              </a:rPr>
+              <a:t>lapply</a:t>
+            </a:r>
+            <a:r>
+              <a:rPr lang="en-US" sz="1200" b="1" dirty="0">
+                <a:solidFill>
+                  <a:schemeClr val="bg1"/>
+                </a:solidFill>
+              </a:rPr>
+              <a:t> and here is a loop so we can learn step by step.</a:t>
             </a:r>
           </a:p>
         </p:txBody>
@@ -6413,7 +6425,7 @@
         <p:spPr>
           <a:xfrm>
             <a:off x="254029" y="1703732"/>
-            <a:ext cx="8633011" cy="1754326"/>
+            <a:ext cx="8633011" cy="3046988"/>
           </a:xfrm>
           <a:prstGeom prst="rect">
             <a:avLst/>
@@ -6432,7 +6444,7 @@
           <a:p>
             <a:pPr defTabSz="457200"/>
             <a:r>
-              <a:rPr lang="en-US" dirty="0">
+              <a:rPr lang="en-US" sz="1600" dirty="0">
                 <a:solidFill>
                   <a:prstClr val="black"/>
                 </a:solidFill>
@@ -6440,13 +6452,71 @@
                 <a:ea typeface="Arial Unicode MS" panose="020B0604020202020204" pitchFamily="34" charset="-128"/>
                 <a:cs typeface="Consolas" panose="020B0609020204030204" pitchFamily="49" charset="0"/>
               </a:rPr>
-              <a:t># Read in multiple files as individuals</a:t>
+              <a:t>chardonnay &lt;- '</a:t>
+            </a:r>
+            <a:r>
+              <a:rPr lang="en-US" sz="1600" dirty="0" err="1">
+                <a:solidFill>
+                  <a:prstClr val="black"/>
+                </a:solidFill>
+                <a:latin typeface="Consolas" panose="020B0609020204030204" pitchFamily="49" charset="0"/>
+                <a:ea typeface="Arial Unicode MS" panose="020B0604020202020204" pitchFamily="34" charset="-128"/>
+                <a:cs typeface="Consolas" panose="020B0609020204030204" pitchFamily="49" charset="0"/>
+              </a:rPr>
+              <a:t>chardonnay.csv</a:t>
+            </a:r>
+            <a:r>
+              <a:rPr lang="en-US" sz="1600" dirty="0">
+                <a:solidFill>
+                  <a:prstClr val="black"/>
+                </a:solidFill>
+                <a:latin typeface="Consolas" panose="020B0609020204030204" pitchFamily="49" charset="0"/>
+                <a:ea typeface="Arial Unicode MS" panose="020B0604020202020204" pitchFamily="34" charset="-128"/>
+                <a:cs typeface="Consolas" panose="020B0609020204030204" pitchFamily="49" charset="0"/>
+              </a:rPr>
+              <a:t>'</a:t>
             </a:r>
           </a:p>
           <a:p>
             <a:pPr defTabSz="457200"/>
             <a:r>
-              <a:rPr lang="en-US" dirty="0" err="1">
+              <a:rPr lang="en-US" sz="1600" dirty="0">
+                <a:solidFill>
+                  <a:prstClr val="black"/>
+                </a:solidFill>
+                <a:latin typeface="Consolas" panose="020B0609020204030204" pitchFamily="49" charset="0"/>
+                <a:ea typeface="Arial Unicode MS" panose="020B0604020202020204" pitchFamily="34" charset="-128"/>
+                <a:cs typeface="Consolas" panose="020B0609020204030204" pitchFamily="49" charset="0"/>
+              </a:rPr>
+              <a:t>coffee     &lt;- '</a:t>
+            </a:r>
+            <a:r>
+              <a:rPr lang="en-US" sz="1600" dirty="0" err="1">
+                <a:solidFill>
+                  <a:prstClr val="black"/>
+                </a:solidFill>
+                <a:latin typeface="Consolas" panose="020B0609020204030204" pitchFamily="49" charset="0"/>
+                <a:ea typeface="Arial Unicode MS" panose="020B0604020202020204" pitchFamily="34" charset="-128"/>
+                <a:cs typeface="Consolas" panose="020B0609020204030204" pitchFamily="49" charset="0"/>
+              </a:rPr>
+              <a:t>coffee.csv</a:t>
+            </a:r>
+            <a:r>
+              <a:rPr lang="en-US" sz="1600" dirty="0">
+                <a:solidFill>
+                  <a:prstClr val="black"/>
+                </a:solidFill>
+                <a:latin typeface="Consolas" panose="020B0609020204030204" pitchFamily="49" charset="0"/>
+                <a:ea typeface="Arial Unicode MS" panose="020B0604020202020204" pitchFamily="34" charset="-128"/>
+                <a:cs typeface="Consolas" panose="020B0609020204030204" pitchFamily="49" charset="0"/>
+              </a:rPr>
+              <a:t>'</a:t>
+            </a:r>
+          </a:p>
+          <a:p>
+            <a:pPr defTabSz="457200"/>
+            <a:r>
+              <a:rPr lang="en-US" sz="1600" dirty="0" err="1">
                 <a:solidFill>
                   <a:prstClr val="black"/>
                 </a:solidFill>
@@ -6457,7 +6527,7 @@
               <a:t>txtFiles</a:t>
             </a:r>
             <a:r>
-              <a:rPr lang="en-US" dirty="0">
+              <a:rPr lang="en-US" sz="1600" dirty="0">
                 <a:solidFill>
                   <a:prstClr val="black"/>
                 </a:solidFill>
@@ -6465,78 +6535,12 @@
                 <a:ea typeface="Arial Unicode MS" panose="020B0604020202020204" pitchFamily="34" charset="-128"/>
                 <a:cs typeface="Consolas" panose="020B0609020204030204" pitchFamily="49" charset="0"/>
               </a:rPr>
-              <a:t> &lt;- </a:t>
-            </a:r>
-            <a:r>
-              <a:rPr lang="en-US" dirty="0" err="1">
-                <a:solidFill>
-                  <a:prstClr val="black"/>
-                </a:solidFill>
-                <a:latin typeface="Consolas" panose="020B0609020204030204" pitchFamily="49" charset="0"/>
-                <a:ea typeface="Arial Unicode MS" panose="020B0604020202020204" pitchFamily="34" charset="-128"/>
-                <a:cs typeface="Consolas" panose="020B0609020204030204" pitchFamily="49" charset="0"/>
-              </a:rPr>
-              <a:t>list.files</a:t>
-            </a:r>
-            <a:r>
-              <a:rPr lang="en-US" dirty="0">
-                <a:solidFill>
-                  <a:prstClr val="black"/>
-                </a:solidFill>
-                <a:latin typeface="Consolas" panose="020B0609020204030204" pitchFamily="49" charset="0"/>
-                <a:ea typeface="Arial Unicode MS" panose="020B0604020202020204" pitchFamily="34" charset="-128"/>
-                <a:cs typeface="Consolas" panose="020B0609020204030204" pitchFamily="49" charset="0"/>
-              </a:rPr>
-              <a:t>(pattern = '</a:t>
-            </a:r>
-            <a:r>
-              <a:rPr lang="en-US" dirty="0" err="1">
-                <a:solidFill>
-                  <a:prstClr val="black"/>
-                </a:solidFill>
-                <a:latin typeface="Consolas" panose="020B0609020204030204" pitchFamily="49" charset="0"/>
-                <a:ea typeface="Arial Unicode MS" panose="020B0604020202020204" pitchFamily="34" charset="-128"/>
-                <a:cs typeface="Consolas" panose="020B0609020204030204" pitchFamily="49" charset="0"/>
-              </a:rPr>
-              <a:t>chardonnay|coffee</a:t>
-            </a:r>
-            <a:r>
-              <a:rPr lang="en-US" dirty="0">
-                <a:solidFill>
-                  <a:prstClr val="black"/>
-                </a:solidFill>
-                <a:latin typeface="Consolas" panose="020B0609020204030204" pitchFamily="49" charset="0"/>
-                <a:ea typeface="Arial Unicode MS" panose="020B0604020202020204" pitchFamily="34" charset="-128"/>
-                <a:cs typeface="Consolas" panose="020B0609020204030204" pitchFamily="49" charset="0"/>
-              </a:rPr>
-              <a:t>', </a:t>
-            </a:r>
-            <a:r>
-              <a:rPr lang="en-US" dirty="0" err="1">
-                <a:solidFill>
-                  <a:prstClr val="black"/>
-                </a:solidFill>
-                <a:latin typeface="Consolas" panose="020B0609020204030204" pitchFamily="49" charset="0"/>
-                <a:ea typeface="Arial Unicode MS" panose="020B0604020202020204" pitchFamily="34" charset="-128"/>
-                <a:cs typeface="Consolas" panose="020B0609020204030204" pitchFamily="49" charset="0"/>
-              </a:rPr>
-              <a:t>full.names</a:t>
-            </a:r>
-            <a:r>
-              <a:rPr lang="en-US" dirty="0">
-                <a:solidFill>
-                  <a:prstClr val="black"/>
-                </a:solidFill>
-                <a:latin typeface="Consolas" panose="020B0609020204030204" pitchFamily="49" charset="0"/>
-                <a:ea typeface="Arial Unicode MS" panose="020B0604020202020204" pitchFamily="34" charset="-128"/>
-                <a:cs typeface="Consolas" panose="020B0609020204030204" pitchFamily="49" charset="0"/>
-              </a:rPr>
-              <a:t> = T)</a:t>
+              <a:t> &lt;- c(chardonnay, coffee)</a:t>
             </a:r>
           </a:p>
           <a:p>
             <a:pPr defTabSz="457200"/>
-            <a:endParaRPr lang="en-US" dirty="0">
+            <a:endParaRPr lang="en-US" sz="1600" dirty="0">
               <a:solidFill>
                 <a:prstClr val="black"/>
               </a:solidFill>
@@ -6548,7 +6552,7 @@
           <a:p>
             <a:pPr defTabSz="457200"/>
             <a:r>
-              <a:rPr lang="en-US" dirty="0">
+              <a:rPr lang="en-US" sz="1600" dirty="0">
                 <a:solidFill>
                   <a:prstClr val="black"/>
                 </a:solidFill>
@@ -6556,13 +6560,13 @@
                 <a:ea typeface="Arial Unicode MS" panose="020B0604020202020204" pitchFamily="34" charset="-128"/>
                 <a:cs typeface="Consolas" panose="020B0609020204030204" pitchFamily="49" charset="0"/>
               </a:rPr>
-              <a:t># Make a list of DFs</a:t>
+              <a:t># Topic names</a:t>
             </a:r>
           </a:p>
           <a:p>
             <a:pPr defTabSz="457200"/>
             <a:r>
-              <a:rPr lang="en-US" dirty="0" err="1">
+              <a:rPr lang="en-US" sz="1600" dirty="0" err="1">
                 <a:solidFill>
                   <a:prstClr val="black"/>
                 </a:solidFill>
@@ -6570,10 +6574,10 @@
                 <a:ea typeface="Arial Unicode MS" panose="020B0604020202020204" pitchFamily="34" charset="-128"/>
                 <a:cs typeface="Consolas" panose="020B0609020204030204" pitchFamily="49" charset="0"/>
               </a:rPr>
-              <a:t>txtLst</a:t>
-            </a:r>
-            <a:r>
-              <a:rPr lang="en-US" dirty="0">
+              <a:t>topicNames</a:t>
+            </a:r>
+            <a:r>
+              <a:rPr lang="en-US" sz="1600" dirty="0">
                 <a:solidFill>
                   <a:prstClr val="black"/>
                 </a:solidFill>
@@ -6581,10 +6585,10 @@
                 <a:ea typeface="Arial Unicode MS" panose="020B0604020202020204" pitchFamily="34" charset="-128"/>
                 <a:cs typeface="Consolas" panose="020B0609020204030204" pitchFamily="49" charset="0"/>
               </a:rPr>
-              <a:t> &lt;- </a:t>
-            </a:r>
-            <a:r>
-              <a:rPr lang="en-US" dirty="0" err="1">
+              <a:t> &lt;- c('</a:t>
+            </a:r>
+            <a:r>
+              <a:rPr lang="en-US" sz="1600" dirty="0" err="1">
                 <a:solidFill>
                   <a:prstClr val="black"/>
                 </a:solidFill>
@@ -6592,10 +6596,173 @@
                 <a:ea typeface="Arial Unicode MS" panose="020B0604020202020204" pitchFamily="34" charset="-128"/>
                 <a:cs typeface="Consolas" panose="020B0609020204030204" pitchFamily="49" charset="0"/>
               </a:rPr>
-              <a:t>lapply</a:t>
-            </a:r>
-            <a:r>
-              <a:rPr lang="en-US" dirty="0">
+              <a:t>chardonnay','coffee</a:t>
+            </a:r>
+            <a:r>
+              <a:rPr lang="en-US" sz="1600" dirty="0">
+                <a:solidFill>
+                  <a:prstClr val="black"/>
+                </a:solidFill>
+                <a:latin typeface="Consolas" panose="020B0609020204030204" pitchFamily="49" charset="0"/>
+                <a:ea typeface="Arial Unicode MS" panose="020B0604020202020204" pitchFamily="34" charset="-128"/>
+                <a:cs typeface="Consolas" panose="020B0609020204030204" pitchFamily="49" charset="0"/>
+              </a:rPr>
+              <a:t>’)</a:t>
+            </a:r>
+          </a:p>
+          <a:p>
+            <a:pPr defTabSz="457200"/>
+            <a:endParaRPr lang="en-US" sz="1600" dirty="0">
+              <a:solidFill>
+                <a:prstClr val="black"/>
+              </a:solidFill>
+              <a:latin typeface="Consolas" panose="020B0609020204030204" pitchFamily="49" charset="0"/>
+              <a:ea typeface="Arial Unicode MS" panose="020B0604020202020204" pitchFamily="34" charset="-128"/>
+              <a:cs typeface="Consolas" panose="020B0609020204030204" pitchFamily="49" charset="0"/>
+            </a:endParaRPr>
+          </a:p>
+          <a:p>
+            <a:pPr defTabSz="457200"/>
+            <a:r>
+              <a:rPr lang="en-US" sz="1600" dirty="0">
+                <a:solidFill>
+                  <a:prstClr val="black"/>
+                </a:solidFill>
+                <a:latin typeface="Consolas" panose="020B0609020204030204" pitchFamily="49" charset="0"/>
+                <a:ea typeface="Arial Unicode MS" panose="020B0604020202020204" pitchFamily="34" charset="-128"/>
+                <a:cs typeface="Consolas" panose="020B0609020204030204" pitchFamily="49" charset="0"/>
+              </a:rPr>
+              <a:t># Read in the files</a:t>
+            </a:r>
+          </a:p>
+          <a:p>
+            <a:pPr defTabSz="457200"/>
+            <a:r>
+              <a:rPr lang="en-US" sz="1600" dirty="0">
+                <a:solidFill>
+                  <a:prstClr val="black"/>
+                </a:solidFill>
+                <a:latin typeface="Consolas" panose="020B0609020204030204" pitchFamily="49" charset="0"/>
+                <a:ea typeface="Arial Unicode MS" panose="020B0604020202020204" pitchFamily="34" charset="-128"/>
+                <a:cs typeface="Consolas" panose="020B0609020204030204" pitchFamily="49" charset="0"/>
+              </a:rPr>
+              <a:t>for (</a:t>
+            </a:r>
+            <a:r>
+              <a:rPr lang="en-US" sz="1600" dirty="0" err="1">
+                <a:solidFill>
+                  <a:prstClr val="black"/>
+                </a:solidFill>
+                <a:latin typeface="Consolas" panose="020B0609020204030204" pitchFamily="49" charset="0"/>
+                <a:ea typeface="Arial Unicode MS" panose="020B0604020202020204" pitchFamily="34" charset="-128"/>
+                <a:cs typeface="Consolas" panose="020B0609020204030204" pitchFamily="49" charset="0"/>
+              </a:rPr>
+              <a:t>i</a:t>
+            </a:r>
+            <a:r>
+              <a:rPr lang="en-US" sz="1600" dirty="0">
+                <a:solidFill>
+                  <a:prstClr val="black"/>
+                </a:solidFill>
+                <a:latin typeface="Consolas" panose="020B0609020204030204" pitchFamily="49" charset="0"/>
+                <a:ea typeface="Arial Unicode MS" panose="020B0604020202020204" pitchFamily="34" charset="-128"/>
+                <a:cs typeface="Consolas" panose="020B0609020204030204" pitchFamily="49" charset="0"/>
+              </a:rPr>
+              <a:t> in 1:length(</a:t>
+            </a:r>
+            <a:r>
+              <a:rPr lang="en-US" sz="1600" dirty="0" err="1">
+                <a:solidFill>
+                  <a:prstClr val="black"/>
+                </a:solidFill>
+                <a:latin typeface="Consolas" panose="020B0609020204030204" pitchFamily="49" charset="0"/>
+                <a:ea typeface="Arial Unicode MS" panose="020B0604020202020204" pitchFamily="34" charset="-128"/>
+                <a:cs typeface="Consolas" panose="020B0609020204030204" pitchFamily="49" charset="0"/>
+              </a:rPr>
+              <a:t>txtFiles</a:t>
+            </a:r>
+            <a:r>
+              <a:rPr lang="en-US" sz="1600" dirty="0">
+                <a:solidFill>
+                  <a:prstClr val="black"/>
+                </a:solidFill>
+                <a:latin typeface="Consolas" panose="020B0609020204030204" pitchFamily="49" charset="0"/>
+                <a:ea typeface="Arial Unicode MS" panose="020B0604020202020204" pitchFamily="34" charset="-128"/>
+                <a:cs typeface="Consolas" panose="020B0609020204030204" pitchFamily="49" charset="0"/>
+              </a:rPr>
+              <a:t>)){</a:t>
+            </a:r>
+          </a:p>
+          <a:p>
+            <a:pPr defTabSz="457200"/>
+            <a:r>
+              <a:rPr lang="en-US" sz="1600" dirty="0">
+                <a:solidFill>
+                  <a:prstClr val="black"/>
+                </a:solidFill>
+                <a:latin typeface="Consolas" panose="020B0609020204030204" pitchFamily="49" charset="0"/>
+                <a:ea typeface="Arial Unicode MS" panose="020B0604020202020204" pitchFamily="34" charset="-128"/>
+                <a:cs typeface="Consolas" panose="020B0609020204030204" pitchFamily="49" charset="0"/>
+              </a:rPr>
+              <a:t>  assign(</a:t>
+            </a:r>
+            <a:r>
+              <a:rPr lang="en-US" sz="1600" dirty="0" err="1">
+                <a:solidFill>
+                  <a:prstClr val="black"/>
+                </a:solidFill>
+                <a:latin typeface="Consolas" panose="020B0609020204030204" pitchFamily="49" charset="0"/>
+                <a:ea typeface="Arial Unicode MS" panose="020B0604020202020204" pitchFamily="34" charset="-128"/>
+                <a:cs typeface="Consolas" panose="020B0609020204030204" pitchFamily="49" charset="0"/>
+              </a:rPr>
+              <a:t>topicNames</a:t>
+            </a:r>
+            <a:r>
+              <a:rPr lang="en-US" sz="1600" dirty="0">
+                <a:solidFill>
+                  <a:prstClr val="black"/>
+                </a:solidFill>
+                <a:latin typeface="Consolas" panose="020B0609020204030204" pitchFamily="49" charset="0"/>
+                <a:ea typeface="Arial Unicode MS" panose="020B0604020202020204" pitchFamily="34" charset="-128"/>
+                <a:cs typeface="Consolas" panose="020B0609020204030204" pitchFamily="49" charset="0"/>
+              </a:rPr>
+              <a:t>[</a:t>
+            </a:r>
+            <a:r>
+              <a:rPr lang="en-US" sz="1600" dirty="0" err="1">
+                <a:solidFill>
+                  <a:prstClr val="black"/>
+                </a:solidFill>
+                <a:latin typeface="Consolas" panose="020B0609020204030204" pitchFamily="49" charset="0"/>
+                <a:ea typeface="Arial Unicode MS" panose="020B0604020202020204" pitchFamily="34" charset="-128"/>
+                <a:cs typeface="Consolas" panose="020B0609020204030204" pitchFamily="49" charset="0"/>
+              </a:rPr>
+              <a:t>i</a:t>
+            </a:r>
+            <a:r>
+              <a:rPr lang="en-US" sz="1600" dirty="0">
+                <a:solidFill>
+                  <a:prstClr val="black"/>
+                </a:solidFill>
+                <a:latin typeface="Consolas" panose="020B0609020204030204" pitchFamily="49" charset="0"/>
+                <a:ea typeface="Arial Unicode MS" panose="020B0604020202020204" pitchFamily="34" charset="-128"/>
+                <a:cs typeface="Consolas" panose="020B0609020204030204" pitchFamily="49" charset="0"/>
+              </a:rPr>
+              <a:t>], </a:t>
+            </a:r>
+            <a:r>
+              <a:rPr lang="en-US" sz="1600" dirty="0" err="1">
+                <a:solidFill>
+                  <a:prstClr val="black"/>
+                </a:solidFill>
+                <a:latin typeface="Consolas" panose="020B0609020204030204" pitchFamily="49" charset="0"/>
+                <a:ea typeface="Arial Unicode MS" panose="020B0604020202020204" pitchFamily="34" charset="-128"/>
+                <a:cs typeface="Consolas" panose="020B0609020204030204" pitchFamily="49" charset="0"/>
+              </a:rPr>
+              <a:t>read.csv</a:t>
+            </a:r>
+            <a:r>
+              <a:rPr lang="en-US" sz="1600" dirty="0">
                 <a:solidFill>
                   <a:prstClr val="black"/>
                 </a:solidFill>
@@ -6606,7 +6773,7 @@
               <a:t>(</a:t>
             </a:r>
             <a:r>
-              <a:rPr lang="en-US" dirty="0" err="1">
+              <a:rPr lang="en-US" sz="1600" dirty="0" err="1">
                 <a:solidFill>
                   <a:prstClr val="black"/>
                 </a:solidFill>
@@ -6617,7 +6784,7 @@
               <a:t>txtFiles</a:t>
             </a:r>
             <a:r>
-              <a:rPr lang="en-US" dirty="0">
+              <a:rPr lang="en-US" sz="1600" dirty="0">
                 <a:solidFill>
                   <a:prstClr val="black"/>
                 </a:solidFill>
@@ -6625,10 +6792,10 @@
                 <a:ea typeface="Arial Unicode MS" panose="020B0604020202020204" pitchFamily="34" charset="-128"/>
                 <a:cs typeface="Consolas" panose="020B0609020204030204" pitchFamily="49" charset="0"/>
               </a:rPr>
-              <a:t>, </a:t>
-            </a:r>
-            <a:r>
-              <a:rPr lang="en-US" dirty="0" err="1">
+              <a:t>[</a:t>
+            </a:r>
+            <a:r>
+              <a:rPr lang="en-US" sz="1600" dirty="0" err="1">
                 <a:solidFill>
                   <a:prstClr val="black"/>
                 </a:solidFill>
@@ -6636,10 +6803,10 @@
                 <a:ea typeface="Arial Unicode MS" panose="020B0604020202020204" pitchFamily="34" charset="-128"/>
                 <a:cs typeface="Consolas" panose="020B0609020204030204" pitchFamily="49" charset="0"/>
               </a:rPr>
-              <a:t>read.csv</a:t>
-            </a:r>
-            <a:r>
-              <a:rPr lang="en-US" dirty="0">
+              <a:t>i</a:t>
+            </a:r>
+            <a:r>
+              <a:rPr lang="en-US" sz="1600" dirty="0">
                 <a:solidFill>
                   <a:prstClr val="black"/>
                 </a:solidFill>
@@ -6647,7 +6814,79 @@
                 <a:ea typeface="Arial Unicode MS" panose="020B0604020202020204" pitchFamily="34" charset="-128"/>
                 <a:cs typeface="Consolas" panose="020B0609020204030204" pitchFamily="49" charset="0"/>
               </a:rPr>
-              <a:t>)</a:t>
+              <a:t>]))</a:t>
+            </a:r>
+          </a:p>
+          <a:p>
+            <a:pPr defTabSz="457200"/>
+            <a:r>
+              <a:rPr lang="en-US" sz="1600" dirty="0">
+                <a:solidFill>
+                  <a:prstClr val="black"/>
+                </a:solidFill>
+                <a:latin typeface="Consolas" panose="020B0609020204030204" pitchFamily="49" charset="0"/>
+                <a:ea typeface="Arial Unicode MS" panose="020B0604020202020204" pitchFamily="34" charset="-128"/>
+                <a:cs typeface="Consolas" panose="020B0609020204030204" pitchFamily="49" charset="0"/>
+              </a:rPr>
+              <a:t>  cat(paste('read completed:',</a:t>
+            </a:r>
+            <a:r>
+              <a:rPr lang="en-US" sz="1600" dirty="0" err="1">
+                <a:solidFill>
+                  <a:prstClr val="black"/>
+                </a:solidFill>
+                <a:latin typeface="Consolas" panose="020B0609020204030204" pitchFamily="49" charset="0"/>
+                <a:ea typeface="Arial Unicode MS" panose="020B0604020202020204" pitchFamily="34" charset="-128"/>
+                <a:cs typeface="Consolas" panose="020B0609020204030204" pitchFamily="49" charset="0"/>
+              </a:rPr>
+              <a:t>txtFiles</a:t>
+            </a:r>
+            <a:r>
+              <a:rPr lang="en-US" sz="1600" dirty="0">
+                <a:solidFill>
+                  <a:prstClr val="black"/>
+                </a:solidFill>
+                <a:latin typeface="Consolas" panose="020B0609020204030204" pitchFamily="49" charset="0"/>
+                <a:ea typeface="Arial Unicode MS" panose="020B0604020202020204" pitchFamily="34" charset="-128"/>
+                <a:cs typeface="Consolas" panose="020B0609020204030204" pitchFamily="49" charset="0"/>
+              </a:rPr>
+              <a:t>[</a:t>
+            </a:r>
+            <a:r>
+              <a:rPr lang="en-US" sz="1600" dirty="0" err="1">
+                <a:solidFill>
+                  <a:prstClr val="black"/>
+                </a:solidFill>
+                <a:latin typeface="Consolas" panose="020B0609020204030204" pitchFamily="49" charset="0"/>
+                <a:ea typeface="Arial Unicode MS" panose="020B0604020202020204" pitchFamily="34" charset="-128"/>
+                <a:cs typeface="Consolas" panose="020B0609020204030204" pitchFamily="49" charset="0"/>
+              </a:rPr>
+              <a:t>i</a:t>
+            </a:r>
+            <a:r>
+              <a:rPr lang="en-US" sz="1600" dirty="0">
+                <a:solidFill>
+                  <a:prstClr val="black"/>
+                </a:solidFill>
+                <a:latin typeface="Consolas" panose="020B0609020204030204" pitchFamily="49" charset="0"/>
+                <a:ea typeface="Arial Unicode MS" panose="020B0604020202020204" pitchFamily="34" charset="-128"/>
+                <a:cs typeface="Consolas" panose="020B0609020204030204" pitchFamily="49" charset="0"/>
+              </a:rPr>
+              <a:t>],'\n'))</a:t>
+            </a:r>
+          </a:p>
+          <a:p>
+            <a:pPr defTabSz="457200"/>
+            <a:r>
+              <a:rPr lang="en-US" sz="1600" dirty="0">
+                <a:solidFill>
+                  <a:prstClr val="black"/>
+                </a:solidFill>
+                <a:latin typeface="Consolas" panose="020B0609020204030204" pitchFamily="49" charset="0"/>
+                <a:ea typeface="Arial Unicode MS" panose="020B0604020202020204" pitchFamily="34" charset="-128"/>
+                <a:cs typeface="Consolas" panose="020B0609020204030204" pitchFamily="49" charset="0"/>
+              </a:rPr>
+              <a:t>}</a:t>
             </a:r>
           </a:p>
         </p:txBody>
@@ -6666,7 +6905,7 @@
         </p:nvSpPr>
         <p:spPr>
           <a:xfrm>
-            <a:off x="157656" y="3833534"/>
+            <a:off x="157656" y="5876940"/>
             <a:ext cx="8828688" cy="340806"/>
           </a:xfrm>
           <a:prstGeom prst="rect">
@@ -6695,7 +6934,29 @@
                 <a:ea typeface="Arial Unicode MS" panose="020B0604020202020204" pitchFamily="34" charset="-128"/>
                 <a:cs typeface="Arial Unicode MS" panose="020B0604020202020204" pitchFamily="34" charset="-128"/>
               </a:rPr>
-              <a:t>Using a loop each file is an individual object.</a:t>
+              <a:t>Using a loop each file is an individual object while </a:t>
+            </a:r>
+            <a:r>
+              <a:rPr lang="en-US" sz="1600" dirty="0" err="1">
+                <a:solidFill>
+                  <a:prstClr val="white"/>
+                </a:solidFill>
+                <a:latin typeface="+mj-lt"/>
+                <a:ea typeface="Arial Unicode MS" panose="020B0604020202020204" pitchFamily="34" charset="-128"/>
+                <a:cs typeface="Arial Unicode MS" panose="020B0604020202020204" pitchFamily="34" charset="-128"/>
+              </a:rPr>
+              <a:t>lapply</a:t>
+            </a:r>
+            <a:r>
+              <a:rPr lang="en-US" sz="1600" dirty="0">
+                <a:solidFill>
+                  <a:prstClr val="white"/>
+                </a:solidFill>
+                <a:latin typeface="+mj-lt"/>
+                <a:ea typeface="Arial Unicode MS" panose="020B0604020202020204" pitchFamily="34" charset="-128"/>
+                <a:cs typeface="Arial Unicode MS" panose="020B0604020202020204" pitchFamily="34" charset="-128"/>
+              </a:rPr>
+              <a:t> would return a list with two elements.</a:t>
             </a:r>
             <a:endParaRPr lang="en-US" sz="1600" kern="1200" dirty="0">
               <a:solidFill>
@@ -6794,259 +7055,6 @@
           </a:fontRef>
         </p:style>
       </p:cxnSp>
-      <p:sp>
-        <p:nvSpPr>
-          <p:cNvPr id="13" name="Rectangle 12">
-            <a:extLst>
-              <a:ext uri="{FF2B5EF4-FFF2-40B4-BE49-F238E27FC236}">
-                <a16:creationId xmlns:a16="http://schemas.microsoft.com/office/drawing/2014/main" id="{1D2FE100-56D1-0340-BBB9-5C0B0293528A}"/>
-              </a:ext>
-            </a:extLst>
-          </p:cNvPr>
-          <p:cNvSpPr/>
-          <p:nvPr/>
-        </p:nvSpPr>
-        <p:spPr>
-          <a:xfrm>
-            <a:off x="1657350" y="4481324"/>
-            <a:ext cx="1301387" cy="457200"/>
-          </a:xfrm>
-          <a:prstGeom prst="rect">
-            <a:avLst/>
-          </a:prstGeom>
-        </p:spPr>
-        <p:style>
-          <a:lnRef idx="2">
-            <a:schemeClr val="accent1">
-              <a:shade val="50000"/>
-            </a:schemeClr>
-          </a:lnRef>
-          <a:fillRef idx="1">
-            <a:schemeClr val="accent1"/>
-          </a:fillRef>
-          <a:effectRef idx="0">
-            <a:schemeClr val="accent1"/>
-          </a:effectRef>
-          <a:fontRef idx="minor">
-            <a:schemeClr val="lt1"/>
-          </a:fontRef>
-        </p:style>
-        <p:txBody>
-          <a:bodyPr rtlCol="0" anchor="ctr"/>
-          <a:lstStyle/>
-          <a:p>
-            <a:pPr algn="ctr"/>
-            <a:r>
-              <a:rPr lang="en-US" dirty="0" err="1">
-                <a:latin typeface="Consolas" panose="020B0609020204030204" pitchFamily="49" charset="0"/>
-                <a:cs typeface="Consolas" panose="020B0609020204030204" pitchFamily="49" charset="0"/>
-              </a:rPr>
-              <a:t>txtLst</a:t>
-            </a:r>
-            <a:endParaRPr lang="en-US" dirty="0">
-              <a:latin typeface="Consolas" panose="020B0609020204030204" pitchFamily="49" charset="0"/>
-              <a:cs typeface="Consolas" panose="020B0609020204030204" pitchFamily="49" charset="0"/>
-            </a:endParaRPr>
-          </a:p>
-        </p:txBody>
-      </p:sp>
-      <p:sp>
-        <p:nvSpPr>
-          <p:cNvPr id="14" name="Rectangle 13">
-            <a:extLst>
-              <a:ext uri="{FF2B5EF4-FFF2-40B4-BE49-F238E27FC236}">
-                <a16:creationId xmlns:a16="http://schemas.microsoft.com/office/drawing/2014/main" id="{4A97F3CD-8ABE-EF46-A342-7F16559A273E}"/>
-              </a:ext>
-            </a:extLst>
-          </p:cNvPr>
-          <p:cNvSpPr/>
-          <p:nvPr/>
-        </p:nvSpPr>
-        <p:spPr>
-          <a:xfrm>
-            <a:off x="2958737" y="5346155"/>
-            <a:ext cx="2266406" cy="457200"/>
-          </a:xfrm>
-          <a:prstGeom prst="rect">
-            <a:avLst/>
-          </a:prstGeom>
-        </p:spPr>
-        <p:style>
-          <a:lnRef idx="2">
-            <a:schemeClr val="accent1">
-              <a:shade val="50000"/>
-            </a:schemeClr>
-          </a:lnRef>
-          <a:fillRef idx="1">
-            <a:schemeClr val="accent1"/>
-          </a:fillRef>
-          <a:effectRef idx="0">
-            <a:schemeClr val="accent1"/>
-          </a:effectRef>
-          <a:fontRef idx="minor">
-            <a:schemeClr val="lt1"/>
-          </a:fontRef>
-        </p:style>
-        <p:txBody>
-          <a:bodyPr rtlCol="0" anchor="ctr"/>
-          <a:lstStyle/>
-          <a:p>
-            <a:pPr algn="ctr"/>
-            <a:r>
-              <a:rPr lang="en-US" dirty="0" err="1">
-                <a:latin typeface="Consolas" panose="020B0609020204030204" pitchFamily="49" charset="0"/>
-                <a:cs typeface="Consolas" panose="020B0609020204030204" pitchFamily="49" charset="0"/>
-              </a:rPr>
-              <a:t>chardonnay.csv</a:t>
-            </a:r>
-            <a:endParaRPr lang="en-US" dirty="0">
-              <a:latin typeface="Consolas" panose="020B0609020204030204" pitchFamily="49" charset="0"/>
-              <a:cs typeface="Consolas" panose="020B0609020204030204" pitchFamily="49" charset="0"/>
-            </a:endParaRPr>
-          </a:p>
-        </p:txBody>
-      </p:sp>
-      <p:sp>
-        <p:nvSpPr>
-          <p:cNvPr id="15" name="Rectangle 14">
-            <a:extLst>
-              <a:ext uri="{FF2B5EF4-FFF2-40B4-BE49-F238E27FC236}">
-                <a16:creationId xmlns:a16="http://schemas.microsoft.com/office/drawing/2014/main" id="{38CC9A19-7F81-3249-B9AA-1C11F8180CB0}"/>
-              </a:ext>
-            </a:extLst>
-          </p:cNvPr>
-          <p:cNvSpPr/>
-          <p:nvPr/>
-        </p:nvSpPr>
-        <p:spPr>
-          <a:xfrm>
-            <a:off x="2958736" y="6040605"/>
-            <a:ext cx="2266406" cy="457200"/>
-          </a:xfrm>
-          <a:prstGeom prst="rect">
-            <a:avLst/>
-          </a:prstGeom>
-        </p:spPr>
-        <p:style>
-          <a:lnRef idx="2">
-            <a:schemeClr val="accent1">
-              <a:shade val="50000"/>
-            </a:schemeClr>
-          </a:lnRef>
-          <a:fillRef idx="1">
-            <a:schemeClr val="accent1"/>
-          </a:fillRef>
-          <a:effectRef idx="0">
-            <a:schemeClr val="accent1"/>
-          </a:effectRef>
-          <a:fontRef idx="minor">
-            <a:schemeClr val="lt1"/>
-          </a:fontRef>
-        </p:style>
-        <p:txBody>
-          <a:bodyPr rtlCol="0" anchor="ctr"/>
-          <a:lstStyle/>
-          <a:p>
-            <a:pPr algn="ctr"/>
-            <a:r>
-              <a:rPr lang="en-US" dirty="0" err="1">
-                <a:latin typeface="Consolas" panose="020B0609020204030204" pitchFamily="49" charset="0"/>
-                <a:cs typeface="Consolas" panose="020B0609020204030204" pitchFamily="49" charset="0"/>
-              </a:rPr>
-              <a:t>coffee.csv</a:t>
-            </a:r>
-            <a:endParaRPr lang="en-US" dirty="0">
-              <a:latin typeface="Consolas" panose="020B0609020204030204" pitchFamily="49" charset="0"/>
-              <a:cs typeface="Consolas" panose="020B0609020204030204" pitchFamily="49" charset="0"/>
-            </a:endParaRPr>
-          </a:p>
-        </p:txBody>
-      </p:sp>
-      <p:cxnSp>
-        <p:nvCxnSpPr>
-          <p:cNvPr id="16" name="Elbow Connector 15">
-            <a:extLst>
-              <a:ext uri="{FF2B5EF4-FFF2-40B4-BE49-F238E27FC236}">
-                <a16:creationId xmlns:a16="http://schemas.microsoft.com/office/drawing/2014/main" id="{2B177ECD-D9B1-6940-8C23-FAD0EBEEFAEB}"/>
-              </a:ext>
-            </a:extLst>
-          </p:cNvPr>
-          <p:cNvCxnSpPr>
-            <a:stCxn id="13" idx="2"/>
-            <a:endCxn id="14" idx="1"/>
-          </p:cNvCxnSpPr>
-          <p:nvPr/>
-        </p:nvCxnSpPr>
-        <p:spPr>
-          <a:xfrm rot="16200000" flipH="1">
-            <a:off x="2315275" y="4931292"/>
-            <a:ext cx="636231" cy="650693"/>
-          </a:xfrm>
-          <a:prstGeom prst="bentConnector2">
-            <a:avLst/>
-          </a:prstGeom>
-          <a:ln>
-            <a:tailEnd type="triangle"/>
-          </a:ln>
-        </p:spPr>
-        <p:style>
-          <a:lnRef idx="1">
-            <a:schemeClr val="accent1"/>
-          </a:lnRef>
-          <a:fillRef idx="0">
-            <a:schemeClr val="accent1"/>
-          </a:fillRef>
-          <a:effectRef idx="0">
-            <a:schemeClr val="accent1"/>
-          </a:effectRef>
-          <a:fontRef idx="minor">
-            <a:schemeClr val="tx1"/>
-          </a:fontRef>
-        </p:style>
-      </p:cxnSp>
-      <p:cxnSp>
-        <p:nvCxnSpPr>
-          <p:cNvPr id="17" name="Elbow Connector 16">
-            <a:extLst>
-              <a:ext uri="{FF2B5EF4-FFF2-40B4-BE49-F238E27FC236}">
-                <a16:creationId xmlns:a16="http://schemas.microsoft.com/office/drawing/2014/main" id="{EBA3794A-82A5-8C4D-88AC-6C3D17A45274}"/>
-              </a:ext>
-            </a:extLst>
-          </p:cNvPr>
-          <p:cNvCxnSpPr>
-            <a:cxnSpLocks/>
-            <a:stCxn id="13" idx="2"/>
-            <a:endCxn id="15" idx="1"/>
-          </p:cNvCxnSpPr>
-          <p:nvPr/>
-        </p:nvCxnSpPr>
-        <p:spPr>
-          <a:xfrm rot="16200000" flipH="1">
-            <a:off x="1968050" y="5278518"/>
-            <a:ext cx="1330681" cy="650692"/>
-          </a:xfrm>
-          <a:prstGeom prst="bentConnector2">
-            <a:avLst/>
-          </a:prstGeom>
-          <a:ln>
-            <a:tailEnd type="triangle"/>
-          </a:ln>
-        </p:spPr>
-        <p:style>
-          <a:lnRef idx="1">
-            <a:schemeClr val="accent1"/>
-          </a:lnRef>
-          <a:fillRef idx="0">
-            <a:schemeClr val="accent1"/>
-          </a:fillRef>
-          <a:effectRef idx="0">
-            <a:schemeClr val="accent1"/>
-          </a:effectRef>
-          <a:fontRef idx="minor">
-            <a:schemeClr val="tx1"/>
-          </a:fontRef>
-        </p:style>
-      </p:cxnSp>
     </p:spTree>
     <p:extLst>
       <p:ext uri="{BB962C8B-B14F-4D97-AF65-F5344CB8AC3E}">
@@ -7079,2512 +7087,6 @@
       </p:grpSpPr>
       <p:sp>
         <p:nvSpPr>
-          <p:cNvPr id="2" name="Date Placeholder 1">
-            <a:extLst>
-              <a:ext uri="{FF2B5EF4-FFF2-40B4-BE49-F238E27FC236}">
-                <a16:creationId xmlns:a16="http://schemas.microsoft.com/office/drawing/2014/main" id="{51E1C17F-350C-F84E-8042-EC7EE0C015F8}"/>
-              </a:ext>
-            </a:extLst>
-          </p:cNvPr>
-          <p:cNvSpPr>
-            <a:spLocks noGrp="1"/>
-          </p:cNvSpPr>
-          <p:nvPr>
-            <p:ph type="dt" sz="half" idx="10"/>
-          </p:nvPr>
-        </p:nvSpPr>
-        <p:spPr/>
-        <p:txBody>
-          <a:bodyPr/>
-          <a:lstStyle/>
-          <a:p>
-            <a:fld id="{6700A58B-DD98-43D0-B791-721480A02982}" type="datetime1">
-              <a:rPr lang="en-US" smtClean="0"/>
-              <a:t>4/18/22</a:t>
-            </a:fld>
-            <a:endParaRPr lang="en-US"/>
-          </a:p>
-        </p:txBody>
-      </p:sp>
-      <p:sp>
-        <p:nvSpPr>
-          <p:cNvPr id="3" name="Title 2">
-            <a:extLst>
-              <a:ext uri="{FF2B5EF4-FFF2-40B4-BE49-F238E27FC236}">
-                <a16:creationId xmlns:a16="http://schemas.microsoft.com/office/drawing/2014/main" id="{67B23D8A-24A2-7F41-8009-A3EE670C787D}"/>
-              </a:ext>
-            </a:extLst>
-          </p:cNvPr>
-          <p:cNvSpPr>
-            <a:spLocks noGrp="1"/>
-          </p:cNvSpPr>
-          <p:nvPr>
-            <p:ph type="title"/>
-          </p:nvPr>
-        </p:nvSpPr>
-        <p:spPr/>
-        <p:txBody>
-          <a:bodyPr/>
-          <a:lstStyle/>
-          <a:p>
-            <a:r>
-              <a:rPr lang="en-US" dirty="0"/>
-              <a:t>Each list element is still a </a:t>
-            </a:r>
-            <a:r>
-              <a:rPr lang="en-US" dirty="0" err="1"/>
-              <a:t>dataframe</a:t>
-            </a:r>
-            <a:endParaRPr lang="en-US" dirty="0"/>
-          </a:p>
-        </p:txBody>
-      </p:sp>
-      <p:sp>
-        <p:nvSpPr>
-          <p:cNvPr id="4" name="Footer Placeholder 3">
-            <a:extLst>
-              <a:ext uri="{FF2B5EF4-FFF2-40B4-BE49-F238E27FC236}">
-                <a16:creationId xmlns:a16="http://schemas.microsoft.com/office/drawing/2014/main" id="{AF654C98-0717-D044-8CFC-1D1A72380139}"/>
-              </a:ext>
-            </a:extLst>
-          </p:cNvPr>
-          <p:cNvSpPr>
-            <a:spLocks noGrp="1"/>
-          </p:cNvSpPr>
-          <p:nvPr>
-            <p:ph type="ftr" sz="quarter" idx="3"/>
-          </p:nvPr>
-        </p:nvSpPr>
-        <p:spPr/>
-        <p:txBody>
-          <a:bodyPr/>
-          <a:lstStyle/>
-          <a:p>
-            <a:r>
-              <a:rPr lang="en-US"/>
-              <a:t>Kwartler</a:t>
-            </a:r>
-            <a:endParaRPr lang="en-US" dirty="0"/>
-          </a:p>
-        </p:txBody>
-      </p:sp>
-      <p:sp>
-        <p:nvSpPr>
-          <p:cNvPr id="5" name="Slide Number Placeholder 4">
-            <a:extLst>
-              <a:ext uri="{FF2B5EF4-FFF2-40B4-BE49-F238E27FC236}">
-                <a16:creationId xmlns:a16="http://schemas.microsoft.com/office/drawing/2014/main" id="{B84750F5-283F-DB46-A09D-30BA6F173324}"/>
-              </a:ext>
-            </a:extLst>
-          </p:cNvPr>
-          <p:cNvSpPr>
-            <a:spLocks noGrp="1"/>
-          </p:cNvSpPr>
-          <p:nvPr>
-            <p:ph type="sldNum" sz="quarter" idx="4"/>
-          </p:nvPr>
-        </p:nvSpPr>
-        <p:spPr>
-          <a:xfrm>
-            <a:off x="7245743" y="6356351"/>
-            <a:ext cx="857250" cy="365125"/>
-          </a:xfrm>
-          <a:prstGeom prst="rect">
-            <a:avLst/>
-          </a:prstGeom>
-        </p:spPr>
-        <p:txBody>
-          <a:bodyPr/>
-          <a:lstStyle>
-            <a:defPPr>
-              <a:defRPr lang="en-US"/>
-            </a:defPPr>
-            <a:lvl1pPr marL="0" algn="l" defTabSz="914400" rtl="0" eaLnBrk="1" latinLnBrk="0" hangingPunct="1">
-              <a:lnSpc>
-                <a:spcPct val="200000"/>
-              </a:lnSpc>
-              <a:defRPr lang="en-US" sz="900" kern="1200" smtClean="0">
-                <a:solidFill>
-                  <a:schemeClr val="tx1">
-                    <a:tint val="75000"/>
-                  </a:schemeClr>
-                </a:solidFill>
-                <a:latin typeface="+mn-lt"/>
-                <a:ea typeface="+mn-ea"/>
-                <a:cs typeface="+mn-cs"/>
-              </a:defRPr>
-            </a:lvl1pPr>
-            <a:lvl2pPr marL="457200" algn="l" defTabSz="914400" rtl="0" eaLnBrk="1" latinLnBrk="0" hangingPunct="1">
-              <a:defRPr sz="1800" kern="1200">
-                <a:solidFill>
-                  <a:schemeClr val="tx1"/>
-                </a:solidFill>
-                <a:latin typeface="+mn-lt"/>
-                <a:ea typeface="+mn-ea"/>
-                <a:cs typeface="+mn-cs"/>
-              </a:defRPr>
-            </a:lvl2pPr>
-            <a:lvl3pPr marL="914400" algn="l" defTabSz="914400" rtl="0" eaLnBrk="1" latinLnBrk="0" hangingPunct="1">
-              <a:defRPr sz="1800" kern="1200">
-                <a:solidFill>
-                  <a:schemeClr val="tx1"/>
-                </a:solidFill>
-                <a:latin typeface="+mn-lt"/>
-                <a:ea typeface="+mn-ea"/>
-                <a:cs typeface="+mn-cs"/>
-              </a:defRPr>
-            </a:lvl3pPr>
-            <a:lvl4pPr marL="1371600" algn="l" defTabSz="914400" rtl="0" eaLnBrk="1" latinLnBrk="0" hangingPunct="1">
-              <a:defRPr sz="1800" kern="1200">
-                <a:solidFill>
-                  <a:schemeClr val="tx1"/>
-                </a:solidFill>
-                <a:latin typeface="+mn-lt"/>
-                <a:ea typeface="+mn-ea"/>
-                <a:cs typeface="+mn-cs"/>
-              </a:defRPr>
-            </a:lvl4pPr>
-            <a:lvl5pPr marL="1828800" algn="l" defTabSz="914400" rtl="0" eaLnBrk="1" latinLnBrk="0" hangingPunct="1">
-              <a:defRPr sz="1800" kern="1200">
-                <a:solidFill>
-                  <a:schemeClr val="tx1"/>
-                </a:solidFill>
-                <a:latin typeface="+mn-lt"/>
-                <a:ea typeface="+mn-ea"/>
-                <a:cs typeface="+mn-cs"/>
-              </a:defRPr>
-            </a:lvl5pPr>
-            <a:lvl6pPr marL="2286000" algn="l" defTabSz="914400" rtl="0" eaLnBrk="1" latinLnBrk="0" hangingPunct="1">
-              <a:defRPr sz="1800" kern="1200">
-                <a:solidFill>
-                  <a:schemeClr val="tx1"/>
-                </a:solidFill>
-                <a:latin typeface="+mn-lt"/>
-                <a:ea typeface="+mn-ea"/>
-                <a:cs typeface="+mn-cs"/>
-              </a:defRPr>
-            </a:lvl6pPr>
-            <a:lvl7pPr marL="2743200" algn="l" defTabSz="914400" rtl="0" eaLnBrk="1" latinLnBrk="0" hangingPunct="1">
-              <a:defRPr sz="1800" kern="1200">
-                <a:solidFill>
-                  <a:schemeClr val="tx1"/>
-                </a:solidFill>
-                <a:latin typeface="+mn-lt"/>
-                <a:ea typeface="+mn-ea"/>
-                <a:cs typeface="+mn-cs"/>
-              </a:defRPr>
-            </a:lvl7pPr>
-            <a:lvl8pPr marL="3200400" algn="l" defTabSz="914400" rtl="0" eaLnBrk="1" latinLnBrk="0" hangingPunct="1">
-              <a:defRPr sz="1800" kern="1200">
-                <a:solidFill>
-                  <a:schemeClr val="tx1"/>
-                </a:solidFill>
-                <a:latin typeface="+mn-lt"/>
-                <a:ea typeface="+mn-ea"/>
-                <a:cs typeface="+mn-cs"/>
-              </a:defRPr>
-            </a:lvl8pPr>
-            <a:lvl9pPr marL="3657600" algn="l" defTabSz="914400" rtl="0" eaLnBrk="1" latinLnBrk="0" hangingPunct="1">
-              <a:defRPr sz="1800" kern="1200">
-                <a:solidFill>
-                  <a:schemeClr val="tx1"/>
-                </a:solidFill>
-                <a:latin typeface="+mn-lt"/>
-                <a:ea typeface="+mn-ea"/>
-                <a:cs typeface="+mn-cs"/>
-              </a:defRPr>
-            </a:lvl9pPr>
-          </a:lstStyle>
-          <a:p>
-            <a:fld id="{37290FF7-652B-4475-AEAB-8B1A5D23AE09}" type="slidenum">
-              <a:rPr lang="en-US" smtClean="0"/>
-              <a:pPr/>
-              <a:t>13</a:t>
-            </a:fld>
-            <a:endParaRPr lang="en-US" dirty="0"/>
-          </a:p>
-        </p:txBody>
-      </p:sp>
-      <p:sp>
-        <p:nvSpPr>
-          <p:cNvPr id="8" name="Rectangle 7">
-            <a:extLst>
-              <a:ext uri="{FF2B5EF4-FFF2-40B4-BE49-F238E27FC236}">
-                <a16:creationId xmlns:a16="http://schemas.microsoft.com/office/drawing/2014/main" id="{1E8CE02C-9EF2-7A41-91F6-ECB96C932A69}"/>
-              </a:ext>
-            </a:extLst>
-          </p:cNvPr>
-          <p:cNvSpPr/>
-          <p:nvPr/>
-        </p:nvSpPr>
-        <p:spPr>
-          <a:xfrm>
-            <a:off x="61640" y="2168434"/>
-            <a:ext cx="1301387" cy="457200"/>
-          </a:xfrm>
-          <a:prstGeom prst="rect">
-            <a:avLst/>
-          </a:prstGeom>
-        </p:spPr>
-        <p:style>
-          <a:lnRef idx="2">
-            <a:schemeClr val="accent1">
-              <a:shade val="50000"/>
-            </a:schemeClr>
-          </a:lnRef>
-          <a:fillRef idx="1">
-            <a:schemeClr val="accent1"/>
-          </a:fillRef>
-          <a:effectRef idx="0">
-            <a:schemeClr val="accent1"/>
-          </a:effectRef>
-          <a:fontRef idx="minor">
-            <a:schemeClr val="lt1"/>
-          </a:fontRef>
-        </p:style>
-        <p:txBody>
-          <a:bodyPr rtlCol="0" anchor="ctr"/>
-          <a:lstStyle/>
-          <a:p>
-            <a:pPr algn="ctr"/>
-            <a:r>
-              <a:rPr lang="en-US" dirty="0" err="1">
-                <a:latin typeface="Consolas" panose="020B0609020204030204" pitchFamily="49" charset="0"/>
-                <a:cs typeface="Consolas" panose="020B0609020204030204" pitchFamily="49" charset="0"/>
-              </a:rPr>
-              <a:t>txtLst</a:t>
-            </a:r>
-            <a:endParaRPr lang="en-US" dirty="0">
-              <a:latin typeface="Consolas" panose="020B0609020204030204" pitchFamily="49" charset="0"/>
-              <a:cs typeface="Consolas" panose="020B0609020204030204" pitchFamily="49" charset="0"/>
-            </a:endParaRPr>
-          </a:p>
-        </p:txBody>
-      </p:sp>
-      <p:sp>
-        <p:nvSpPr>
-          <p:cNvPr id="9" name="Rectangle 8">
-            <a:extLst>
-              <a:ext uri="{FF2B5EF4-FFF2-40B4-BE49-F238E27FC236}">
-                <a16:creationId xmlns:a16="http://schemas.microsoft.com/office/drawing/2014/main" id="{CCF91108-5F35-6149-B199-41DDFFCF47B5}"/>
-              </a:ext>
-            </a:extLst>
-          </p:cNvPr>
-          <p:cNvSpPr/>
-          <p:nvPr/>
-        </p:nvSpPr>
-        <p:spPr>
-          <a:xfrm>
-            <a:off x="1363027" y="3015336"/>
-            <a:ext cx="2266406" cy="457200"/>
-          </a:xfrm>
-          <a:prstGeom prst="rect">
-            <a:avLst/>
-          </a:prstGeom>
-        </p:spPr>
-        <p:style>
-          <a:lnRef idx="2">
-            <a:schemeClr val="accent1">
-              <a:shade val="50000"/>
-            </a:schemeClr>
-          </a:lnRef>
-          <a:fillRef idx="1">
-            <a:schemeClr val="accent1"/>
-          </a:fillRef>
-          <a:effectRef idx="0">
-            <a:schemeClr val="accent1"/>
-          </a:effectRef>
-          <a:fontRef idx="minor">
-            <a:schemeClr val="lt1"/>
-          </a:fontRef>
-        </p:style>
-        <p:txBody>
-          <a:bodyPr rtlCol="0" anchor="ctr"/>
-          <a:lstStyle/>
-          <a:p>
-            <a:pPr algn="ctr"/>
-            <a:r>
-              <a:rPr lang="en-US" dirty="0" err="1">
-                <a:latin typeface="Consolas" panose="020B0609020204030204" pitchFamily="49" charset="0"/>
-                <a:cs typeface="Consolas" panose="020B0609020204030204" pitchFamily="49" charset="0"/>
-              </a:rPr>
-              <a:t>chardonnay.csv</a:t>
-            </a:r>
-            <a:endParaRPr lang="en-US" dirty="0">
-              <a:latin typeface="Consolas" panose="020B0609020204030204" pitchFamily="49" charset="0"/>
-              <a:cs typeface="Consolas" panose="020B0609020204030204" pitchFamily="49" charset="0"/>
-            </a:endParaRPr>
-          </a:p>
-        </p:txBody>
-      </p:sp>
-      <p:sp>
-        <p:nvSpPr>
-          <p:cNvPr id="10" name="Rectangle 9">
-            <a:extLst>
-              <a:ext uri="{FF2B5EF4-FFF2-40B4-BE49-F238E27FC236}">
-                <a16:creationId xmlns:a16="http://schemas.microsoft.com/office/drawing/2014/main" id="{338F636B-5BD3-CE41-BEB4-F10FC5907974}"/>
-              </a:ext>
-            </a:extLst>
-          </p:cNvPr>
-          <p:cNvSpPr/>
-          <p:nvPr/>
-        </p:nvSpPr>
-        <p:spPr>
-          <a:xfrm>
-            <a:off x="1363026" y="4177485"/>
-            <a:ext cx="2266406" cy="457200"/>
-          </a:xfrm>
-          <a:prstGeom prst="rect">
-            <a:avLst/>
-          </a:prstGeom>
-        </p:spPr>
-        <p:style>
-          <a:lnRef idx="2">
-            <a:schemeClr val="accent1">
-              <a:shade val="50000"/>
-            </a:schemeClr>
-          </a:lnRef>
-          <a:fillRef idx="1">
-            <a:schemeClr val="accent1"/>
-          </a:fillRef>
-          <a:effectRef idx="0">
-            <a:schemeClr val="accent1"/>
-          </a:effectRef>
-          <a:fontRef idx="minor">
-            <a:schemeClr val="lt1"/>
-          </a:fontRef>
-        </p:style>
-        <p:txBody>
-          <a:bodyPr rtlCol="0" anchor="ctr"/>
-          <a:lstStyle/>
-          <a:p>
-            <a:pPr algn="ctr"/>
-            <a:r>
-              <a:rPr lang="en-US" dirty="0" err="1">
-                <a:latin typeface="Consolas" panose="020B0609020204030204" pitchFamily="49" charset="0"/>
-                <a:cs typeface="Consolas" panose="020B0609020204030204" pitchFamily="49" charset="0"/>
-              </a:rPr>
-              <a:t>coffee.csv</a:t>
-            </a:r>
-            <a:endParaRPr lang="en-US" dirty="0">
-              <a:latin typeface="Consolas" panose="020B0609020204030204" pitchFamily="49" charset="0"/>
-              <a:cs typeface="Consolas" panose="020B0609020204030204" pitchFamily="49" charset="0"/>
-            </a:endParaRPr>
-          </a:p>
-        </p:txBody>
-      </p:sp>
-      <p:cxnSp>
-        <p:nvCxnSpPr>
-          <p:cNvPr id="13" name="Elbow Connector 12">
-            <a:extLst>
-              <a:ext uri="{FF2B5EF4-FFF2-40B4-BE49-F238E27FC236}">
-                <a16:creationId xmlns:a16="http://schemas.microsoft.com/office/drawing/2014/main" id="{1F63A65B-ED2E-8F4E-AC5D-852FF21F2EF4}"/>
-              </a:ext>
-            </a:extLst>
-          </p:cNvPr>
-          <p:cNvCxnSpPr>
-            <a:stCxn id="8" idx="2"/>
-            <a:endCxn id="9" idx="1"/>
-          </p:cNvCxnSpPr>
-          <p:nvPr/>
-        </p:nvCxnSpPr>
-        <p:spPr>
-          <a:xfrm rot="16200000" flipH="1">
-            <a:off x="728529" y="2609438"/>
-            <a:ext cx="618302" cy="650693"/>
-          </a:xfrm>
-          <a:prstGeom prst="bentConnector2">
-            <a:avLst/>
-          </a:prstGeom>
-          <a:ln>
-            <a:tailEnd type="triangle"/>
-          </a:ln>
-        </p:spPr>
-        <p:style>
-          <a:lnRef idx="1">
-            <a:schemeClr val="accent1"/>
-          </a:lnRef>
-          <a:fillRef idx="0">
-            <a:schemeClr val="accent1"/>
-          </a:fillRef>
-          <a:effectRef idx="0">
-            <a:schemeClr val="accent1"/>
-          </a:effectRef>
-          <a:fontRef idx="minor">
-            <a:schemeClr val="tx1"/>
-          </a:fontRef>
-        </p:style>
-      </p:cxnSp>
-      <p:cxnSp>
-        <p:nvCxnSpPr>
-          <p:cNvPr id="14" name="Elbow Connector 13">
-            <a:extLst>
-              <a:ext uri="{FF2B5EF4-FFF2-40B4-BE49-F238E27FC236}">
-                <a16:creationId xmlns:a16="http://schemas.microsoft.com/office/drawing/2014/main" id="{F1344C7D-C6C9-5248-9745-631A6B23598C}"/>
-              </a:ext>
-            </a:extLst>
-          </p:cNvPr>
-          <p:cNvCxnSpPr>
-            <a:cxnSpLocks/>
-            <a:stCxn id="8" idx="2"/>
-            <a:endCxn id="10" idx="1"/>
-          </p:cNvCxnSpPr>
-          <p:nvPr/>
-        </p:nvCxnSpPr>
-        <p:spPr>
-          <a:xfrm rot="16200000" flipH="1">
-            <a:off x="147455" y="3190513"/>
-            <a:ext cx="1780451" cy="650692"/>
-          </a:xfrm>
-          <a:prstGeom prst="bentConnector2">
-            <a:avLst/>
-          </a:prstGeom>
-          <a:ln>
-            <a:tailEnd type="triangle"/>
-          </a:ln>
-        </p:spPr>
-        <p:style>
-          <a:lnRef idx="1">
-            <a:schemeClr val="accent1"/>
-          </a:lnRef>
-          <a:fillRef idx="0">
-            <a:schemeClr val="accent1"/>
-          </a:fillRef>
-          <a:effectRef idx="0">
-            <a:schemeClr val="accent1"/>
-          </a:effectRef>
-          <a:fontRef idx="minor">
-            <a:schemeClr val="tx1"/>
-          </a:fontRef>
-        </p:style>
-      </p:cxnSp>
-      <p:sp>
-        <p:nvSpPr>
-          <p:cNvPr id="15" name="TextBox 14">
-            <a:extLst>
-              <a:ext uri="{FF2B5EF4-FFF2-40B4-BE49-F238E27FC236}">
-                <a16:creationId xmlns:a16="http://schemas.microsoft.com/office/drawing/2014/main" id="{6A054168-26D1-1D47-94B2-C083C3C33064}"/>
-              </a:ext>
-            </a:extLst>
-          </p:cNvPr>
-          <p:cNvSpPr txBox="1"/>
-          <p:nvPr/>
-        </p:nvSpPr>
-        <p:spPr>
-          <a:xfrm>
-            <a:off x="3777452" y="2486203"/>
-            <a:ext cx="2706062" cy="369332"/>
-          </a:xfrm>
-          <a:prstGeom prst="rect">
-            <a:avLst/>
-          </a:prstGeom>
-          <a:noFill/>
-        </p:spPr>
-        <p:txBody>
-          <a:bodyPr wrap="none" rtlCol="0">
-            <a:spAutoFit/>
-          </a:bodyPr>
-          <a:lstStyle/>
-          <a:p>
-            <a:r>
-              <a:rPr lang="en-US" b="1" u="sng" dirty="0"/>
-              <a:t>chardonnay – 1000 Tweets</a:t>
-            </a:r>
-          </a:p>
-        </p:txBody>
-      </p:sp>
-      <p:grpSp>
-        <p:nvGrpSpPr>
-          <p:cNvPr id="16" name="Group 15">
-            <a:extLst>
-              <a:ext uri="{FF2B5EF4-FFF2-40B4-BE49-F238E27FC236}">
-                <a16:creationId xmlns:a16="http://schemas.microsoft.com/office/drawing/2014/main" id="{90DAD77A-350E-F447-AC88-394E50B36B0B}"/>
-              </a:ext>
-            </a:extLst>
-          </p:cNvPr>
-          <p:cNvGrpSpPr/>
-          <p:nvPr/>
-        </p:nvGrpSpPr>
-        <p:grpSpPr>
-          <a:xfrm>
-            <a:off x="3629432" y="2831148"/>
-            <a:ext cx="3008243" cy="825575"/>
-            <a:chOff x="2393494" y="2948152"/>
-            <a:chExt cx="3008243" cy="825575"/>
-          </a:xfrm>
-        </p:grpSpPr>
-        <p:grpSp>
-          <p:nvGrpSpPr>
-            <p:cNvPr id="18" name="Group 17">
-              <a:extLst>
-                <a:ext uri="{FF2B5EF4-FFF2-40B4-BE49-F238E27FC236}">
-                  <a16:creationId xmlns:a16="http://schemas.microsoft.com/office/drawing/2014/main" id="{C30DA93D-77C1-D849-9C78-61C49AC67538}"/>
-                </a:ext>
-              </a:extLst>
-            </p:cNvPr>
-            <p:cNvGrpSpPr/>
-            <p:nvPr/>
-          </p:nvGrpSpPr>
-          <p:grpSpPr>
-            <a:xfrm>
-              <a:off x="2511573" y="3074532"/>
-              <a:ext cx="2736003" cy="572814"/>
-              <a:chOff x="2538396" y="3039060"/>
-              <a:chExt cx="2736003" cy="572814"/>
-            </a:xfrm>
-          </p:grpSpPr>
-          <p:pic>
-            <p:nvPicPr>
-              <p:cNvPr id="20" name="Picture 2" descr="Image result for document icon">
-                <a:extLst>
-                  <a:ext uri="{FF2B5EF4-FFF2-40B4-BE49-F238E27FC236}">
-                    <a16:creationId xmlns:a16="http://schemas.microsoft.com/office/drawing/2014/main" id="{390FF516-191D-644B-A723-588E27802EF7}"/>
-                  </a:ext>
-                </a:extLst>
-              </p:cNvPr>
-              <p:cNvPicPr>
-                <a:picLocks noChangeAspect="1" noChangeArrowheads="1"/>
-              </p:cNvPicPr>
-              <p:nvPr/>
-            </p:nvPicPr>
-            <p:blipFill>
-              <a:blip r:embed="rId2" cstate="print">
-                <a:extLst>
-                  <a:ext uri="{28A0092B-C50C-407E-A947-70E740481C1C}">
-                    <a14:useLocalDpi xmlns:a14="http://schemas.microsoft.com/office/drawing/2010/main" val="0"/>
-                  </a:ext>
-                </a:extLst>
-              </a:blip>
-              <a:srcRect/>
-              <a:stretch>
-                <a:fillRect/>
-              </a:stretch>
-            </p:blipFill>
-            <p:spPr bwMode="auto">
-              <a:xfrm>
-                <a:off x="3066941" y="3039060"/>
-                <a:ext cx="572814" cy="572814"/>
-              </a:xfrm>
-              <a:prstGeom prst="rect">
-                <a:avLst/>
-              </a:prstGeom>
-              <a:noFill/>
-              <a:extLst>
-                <a:ext uri="{909E8E84-426E-40DD-AFC4-6F175D3DCCD1}">
-                  <a14:hiddenFill xmlns:a14="http://schemas.microsoft.com/office/drawing/2010/main">
-                    <a:solidFill>
-                      <a:srgbClr val="FFFFFF"/>
-                    </a:solidFill>
-                  </a14:hiddenFill>
-                </a:ext>
-              </a:extLst>
-            </p:spPr>
-          </p:pic>
-          <p:pic>
-            <p:nvPicPr>
-              <p:cNvPr id="21" name="Picture 2" descr="Image result for document icon">
-                <a:extLst>
-                  <a:ext uri="{FF2B5EF4-FFF2-40B4-BE49-F238E27FC236}">
-                    <a16:creationId xmlns:a16="http://schemas.microsoft.com/office/drawing/2014/main" id="{A3E92EDD-6C0C-974C-B011-F57BE4B1069C}"/>
-                  </a:ext>
-                </a:extLst>
-              </p:cNvPr>
-              <p:cNvPicPr>
-                <a:picLocks noChangeAspect="1" noChangeArrowheads="1"/>
-              </p:cNvPicPr>
-              <p:nvPr/>
-            </p:nvPicPr>
-            <p:blipFill>
-              <a:blip r:embed="rId2" cstate="print">
-                <a:extLst>
-                  <a:ext uri="{28A0092B-C50C-407E-A947-70E740481C1C}">
-                    <a14:useLocalDpi xmlns:a14="http://schemas.microsoft.com/office/drawing/2010/main" val="0"/>
-                  </a:ext>
-                </a:extLst>
-              </a:blip>
-              <a:srcRect/>
-              <a:stretch>
-                <a:fillRect/>
-              </a:stretch>
-            </p:blipFill>
-            <p:spPr bwMode="auto">
-              <a:xfrm>
-                <a:off x="2538396" y="3039060"/>
-                <a:ext cx="572814" cy="572814"/>
-              </a:xfrm>
-              <a:prstGeom prst="rect">
-                <a:avLst/>
-              </a:prstGeom>
-              <a:noFill/>
-              <a:extLst>
-                <a:ext uri="{909E8E84-426E-40DD-AFC4-6F175D3DCCD1}">
-                  <a14:hiddenFill xmlns:a14="http://schemas.microsoft.com/office/drawing/2010/main">
-                    <a:solidFill>
-                      <a:srgbClr val="FFFFFF"/>
-                    </a:solidFill>
-                  </a14:hiddenFill>
-                </a:ext>
-              </a:extLst>
-            </p:spPr>
-          </p:pic>
-          <p:pic>
-            <p:nvPicPr>
-              <p:cNvPr id="22" name="Picture 2" descr="Image result for document icon">
-                <a:extLst>
-                  <a:ext uri="{FF2B5EF4-FFF2-40B4-BE49-F238E27FC236}">
-                    <a16:creationId xmlns:a16="http://schemas.microsoft.com/office/drawing/2014/main" id="{9E088E3C-9EBE-F04A-8476-F4AD7CBBCF20}"/>
-                  </a:ext>
-                </a:extLst>
-              </p:cNvPr>
-              <p:cNvPicPr>
-                <a:picLocks noChangeAspect="1" noChangeArrowheads="1"/>
-              </p:cNvPicPr>
-              <p:nvPr/>
-            </p:nvPicPr>
-            <p:blipFill>
-              <a:blip r:embed="rId2" cstate="print">
-                <a:extLst>
-                  <a:ext uri="{28A0092B-C50C-407E-A947-70E740481C1C}">
-                    <a14:useLocalDpi xmlns:a14="http://schemas.microsoft.com/office/drawing/2010/main" val="0"/>
-                  </a:ext>
-                </a:extLst>
-              </a:blip>
-              <a:srcRect/>
-              <a:stretch>
-                <a:fillRect/>
-              </a:stretch>
-            </p:blipFill>
-            <p:spPr bwMode="auto">
-              <a:xfrm>
-                <a:off x="4701585" y="3039060"/>
-                <a:ext cx="572814" cy="572814"/>
-              </a:xfrm>
-              <a:prstGeom prst="rect">
-                <a:avLst/>
-              </a:prstGeom>
-              <a:noFill/>
-              <a:extLst>
-                <a:ext uri="{909E8E84-426E-40DD-AFC4-6F175D3DCCD1}">
-                  <a14:hiddenFill xmlns:a14="http://schemas.microsoft.com/office/drawing/2010/main">
-                    <a:solidFill>
-                      <a:srgbClr val="FFFFFF"/>
-                    </a:solidFill>
-                  </a14:hiddenFill>
-                </a:ext>
-              </a:extLst>
-            </p:spPr>
-          </p:pic>
-          <p:pic>
-            <p:nvPicPr>
-              <p:cNvPr id="23" name="Picture 2" descr="Image result for document icon">
-                <a:extLst>
-                  <a:ext uri="{FF2B5EF4-FFF2-40B4-BE49-F238E27FC236}">
-                    <a16:creationId xmlns:a16="http://schemas.microsoft.com/office/drawing/2014/main" id="{44CBF513-C318-EC44-BEF6-BC98C86992C8}"/>
-                  </a:ext>
-                </a:extLst>
-              </p:cNvPr>
-              <p:cNvPicPr>
-                <a:picLocks noChangeAspect="1" noChangeArrowheads="1"/>
-              </p:cNvPicPr>
-              <p:nvPr/>
-            </p:nvPicPr>
-            <p:blipFill>
-              <a:blip r:embed="rId2" cstate="print">
-                <a:extLst>
-                  <a:ext uri="{28A0092B-C50C-407E-A947-70E740481C1C}">
-                    <a14:useLocalDpi xmlns:a14="http://schemas.microsoft.com/office/drawing/2010/main" val="0"/>
-                  </a:ext>
-                </a:extLst>
-              </a:blip>
-              <a:srcRect/>
-              <a:stretch>
-                <a:fillRect/>
-              </a:stretch>
-            </p:blipFill>
-            <p:spPr bwMode="auto">
-              <a:xfrm>
-                <a:off x="4186293" y="3039060"/>
-                <a:ext cx="572814" cy="572814"/>
-              </a:xfrm>
-              <a:prstGeom prst="rect">
-                <a:avLst/>
-              </a:prstGeom>
-              <a:noFill/>
-              <a:extLst>
-                <a:ext uri="{909E8E84-426E-40DD-AFC4-6F175D3DCCD1}">
-                  <a14:hiddenFill xmlns:a14="http://schemas.microsoft.com/office/drawing/2010/main">
-                    <a:solidFill>
-                      <a:srgbClr val="FFFFFF"/>
-                    </a:solidFill>
-                  </a14:hiddenFill>
-                </a:ext>
-              </a:extLst>
-            </p:spPr>
-          </p:pic>
-          <p:pic>
-            <p:nvPicPr>
-              <p:cNvPr id="24" name="Picture 2" descr="Image result for document icon">
-                <a:extLst>
-                  <a:ext uri="{FF2B5EF4-FFF2-40B4-BE49-F238E27FC236}">
-                    <a16:creationId xmlns:a16="http://schemas.microsoft.com/office/drawing/2014/main" id="{9D01F02B-625B-2443-99EA-3AD3D7D280EB}"/>
-                  </a:ext>
-                </a:extLst>
-              </p:cNvPr>
-              <p:cNvPicPr>
-                <a:picLocks noChangeAspect="1" noChangeArrowheads="1"/>
-              </p:cNvPicPr>
-              <p:nvPr/>
-            </p:nvPicPr>
-            <p:blipFill>
-              <a:blip r:embed="rId2" cstate="print">
-                <a:extLst>
-                  <a:ext uri="{28A0092B-C50C-407E-A947-70E740481C1C}">
-                    <a14:useLocalDpi xmlns:a14="http://schemas.microsoft.com/office/drawing/2010/main" val="0"/>
-                  </a:ext>
-                </a:extLst>
-              </a:blip>
-              <a:srcRect/>
-              <a:stretch>
-                <a:fillRect/>
-              </a:stretch>
-            </p:blipFill>
-            <p:spPr bwMode="auto">
-              <a:xfrm>
-                <a:off x="3626617" y="3039060"/>
-                <a:ext cx="572814" cy="572814"/>
-              </a:xfrm>
-              <a:prstGeom prst="rect">
-                <a:avLst/>
-              </a:prstGeom>
-              <a:noFill/>
-              <a:extLst>
-                <a:ext uri="{909E8E84-426E-40DD-AFC4-6F175D3DCCD1}">
-                  <a14:hiddenFill xmlns:a14="http://schemas.microsoft.com/office/drawing/2010/main">
-                    <a:solidFill>
-                      <a:srgbClr val="FFFFFF"/>
-                    </a:solidFill>
-                  </a14:hiddenFill>
-                </a:ext>
-              </a:extLst>
-            </p:spPr>
-          </p:pic>
-        </p:grpSp>
-        <p:sp>
-          <p:nvSpPr>
-            <p:cNvPr id="19" name="Rounded Rectangle 18">
-              <a:extLst>
-                <a:ext uri="{FF2B5EF4-FFF2-40B4-BE49-F238E27FC236}">
-                  <a16:creationId xmlns:a16="http://schemas.microsoft.com/office/drawing/2014/main" id="{E96CCD15-D977-6A42-8942-92354391F1B4}"/>
-                </a:ext>
-              </a:extLst>
-            </p:cNvPr>
-            <p:cNvSpPr/>
-            <p:nvPr/>
-          </p:nvSpPr>
-          <p:spPr>
-            <a:xfrm>
-              <a:off x="2393494" y="2948152"/>
-              <a:ext cx="3008243" cy="825575"/>
-            </a:xfrm>
-            <a:prstGeom prst="roundRect">
-              <a:avLst/>
-            </a:prstGeom>
-            <a:noFill/>
-            <a:ln>
-              <a:solidFill>
-                <a:srgbClr val="FFC000"/>
-              </a:solidFill>
-            </a:ln>
-          </p:spPr>
-          <p:style>
-            <a:lnRef idx="2">
-              <a:schemeClr val="accent1">
-                <a:shade val="50000"/>
-              </a:schemeClr>
-            </a:lnRef>
-            <a:fillRef idx="1">
-              <a:schemeClr val="accent1"/>
-            </a:fillRef>
-            <a:effectRef idx="0">
-              <a:schemeClr val="accent1"/>
-            </a:effectRef>
-            <a:fontRef idx="minor">
-              <a:schemeClr val="lt1"/>
-            </a:fontRef>
-          </p:style>
-          <p:txBody>
-            <a:bodyPr rtlCol="0" anchor="ctr"/>
-            <a:lstStyle/>
-            <a:p>
-              <a:pPr algn="ctr"/>
-              <a:endParaRPr lang="en-US"/>
-            </a:p>
-          </p:txBody>
-        </p:sp>
-      </p:grpSp>
-      <p:sp>
-        <p:nvSpPr>
-          <p:cNvPr id="25" name="TextBox 24">
-            <a:extLst>
-              <a:ext uri="{FF2B5EF4-FFF2-40B4-BE49-F238E27FC236}">
-                <a16:creationId xmlns:a16="http://schemas.microsoft.com/office/drawing/2014/main" id="{9118C446-5E79-ED40-B1D5-EFF6D424917F}"/>
-              </a:ext>
-            </a:extLst>
-          </p:cNvPr>
-          <p:cNvSpPr txBox="1"/>
-          <p:nvPr/>
-        </p:nvSpPr>
-        <p:spPr>
-          <a:xfrm>
-            <a:off x="3777452" y="3760334"/>
-            <a:ext cx="2197140" cy="369332"/>
-          </a:xfrm>
-          <a:prstGeom prst="rect">
-            <a:avLst/>
-          </a:prstGeom>
-          <a:noFill/>
-        </p:spPr>
-        <p:txBody>
-          <a:bodyPr wrap="none" rtlCol="0">
-            <a:spAutoFit/>
-          </a:bodyPr>
-          <a:lstStyle/>
-          <a:p>
-            <a:r>
-              <a:rPr lang="en-US" b="1" u="sng" dirty="0"/>
-              <a:t>coffee – 1000 Tweets</a:t>
-            </a:r>
-          </a:p>
-        </p:txBody>
-      </p:sp>
-      <p:grpSp>
-        <p:nvGrpSpPr>
-          <p:cNvPr id="26" name="Group 25">
-            <a:extLst>
-              <a:ext uri="{FF2B5EF4-FFF2-40B4-BE49-F238E27FC236}">
-                <a16:creationId xmlns:a16="http://schemas.microsoft.com/office/drawing/2014/main" id="{23121D31-6800-CB47-BDA8-C574D14E0A7A}"/>
-              </a:ext>
-            </a:extLst>
-          </p:cNvPr>
-          <p:cNvGrpSpPr/>
-          <p:nvPr/>
-        </p:nvGrpSpPr>
-        <p:grpSpPr>
-          <a:xfrm>
-            <a:off x="3629432" y="4105279"/>
-            <a:ext cx="3008243" cy="825575"/>
-            <a:chOff x="2393494" y="2948152"/>
-            <a:chExt cx="3008243" cy="825575"/>
-          </a:xfrm>
-        </p:grpSpPr>
-        <p:grpSp>
-          <p:nvGrpSpPr>
-            <p:cNvPr id="27" name="Group 26">
-              <a:extLst>
-                <a:ext uri="{FF2B5EF4-FFF2-40B4-BE49-F238E27FC236}">
-                  <a16:creationId xmlns:a16="http://schemas.microsoft.com/office/drawing/2014/main" id="{C1D7A597-15A4-EC4F-842E-A69F7F039E45}"/>
-                </a:ext>
-              </a:extLst>
-            </p:cNvPr>
-            <p:cNvGrpSpPr/>
-            <p:nvPr/>
-          </p:nvGrpSpPr>
-          <p:grpSpPr>
-            <a:xfrm>
-              <a:off x="2511573" y="3074532"/>
-              <a:ext cx="2736003" cy="572814"/>
-              <a:chOff x="2538396" y="3039060"/>
-              <a:chExt cx="2736003" cy="572814"/>
-            </a:xfrm>
-          </p:grpSpPr>
-          <p:pic>
-            <p:nvPicPr>
-              <p:cNvPr id="29" name="Picture 2" descr="Image result for document icon">
-                <a:extLst>
-                  <a:ext uri="{FF2B5EF4-FFF2-40B4-BE49-F238E27FC236}">
-                    <a16:creationId xmlns:a16="http://schemas.microsoft.com/office/drawing/2014/main" id="{34DCC1C9-56AC-EB41-985D-EAB5B213A614}"/>
-                  </a:ext>
-                </a:extLst>
-              </p:cNvPr>
-              <p:cNvPicPr>
-                <a:picLocks noChangeAspect="1" noChangeArrowheads="1"/>
-              </p:cNvPicPr>
-              <p:nvPr/>
-            </p:nvPicPr>
-            <p:blipFill>
-              <a:blip r:embed="rId2" cstate="print">
-                <a:extLst>
-                  <a:ext uri="{28A0092B-C50C-407E-A947-70E740481C1C}">
-                    <a14:useLocalDpi xmlns:a14="http://schemas.microsoft.com/office/drawing/2010/main" val="0"/>
-                  </a:ext>
-                </a:extLst>
-              </a:blip>
-              <a:srcRect/>
-              <a:stretch>
-                <a:fillRect/>
-              </a:stretch>
-            </p:blipFill>
-            <p:spPr bwMode="auto">
-              <a:xfrm>
-                <a:off x="3066941" y="3039060"/>
-                <a:ext cx="572814" cy="572814"/>
-              </a:xfrm>
-              <a:prstGeom prst="rect">
-                <a:avLst/>
-              </a:prstGeom>
-              <a:noFill/>
-              <a:extLst>
-                <a:ext uri="{909E8E84-426E-40DD-AFC4-6F175D3DCCD1}">
-                  <a14:hiddenFill xmlns:a14="http://schemas.microsoft.com/office/drawing/2010/main">
-                    <a:solidFill>
-                      <a:srgbClr val="FFFFFF"/>
-                    </a:solidFill>
-                  </a14:hiddenFill>
-                </a:ext>
-              </a:extLst>
-            </p:spPr>
-          </p:pic>
-          <p:pic>
-            <p:nvPicPr>
-              <p:cNvPr id="30" name="Picture 2" descr="Image result for document icon">
-                <a:extLst>
-                  <a:ext uri="{FF2B5EF4-FFF2-40B4-BE49-F238E27FC236}">
-                    <a16:creationId xmlns:a16="http://schemas.microsoft.com/office/drawing/2014/main" id="{EEC1E4E9-2559-494A-BEAC-48C6AA411547}"/>
-                  </a:ext>
-                </a:extLst>
-              </p:cNvPr>
-              <p:cNvPicPr>
-                <a:picLocks noChangeAspect="1" noChangeArrowheads="1"/>
-              </p:cNvPicPr>
-              <p:nvPr/>
-            </p:nvPicPr>
-            <p:blipFill>
-              <a:blip r:embed="rId2" cstate="print">
-                <a:extLst>
-                  <a:ext uri="{28A0092B-C50C-407E-A947-70E740481C1C}">
-                    <a14:useLocalDpi xmlns:a14="http://schemas.microsoft.com/office/drawing/2010/main" val="0"/>
-                  </a:ext>
-                </a:extLst>
-              </a:blip>
-              <a:srcRect/>
-              <a:stretch>
-                <a:fillRect/>
-              </a:stretch>
-            </p:blipFill>
-            <p:spPr bwMode="auto">
-              <a:xfrm>
-                <a:off x="2538396" y="3039060"/>
-                <a:ext cx="572814" cy="572814"/>
-              </a:xfrm>
-              <a:prstGeom prst="rect">
-                <a:avLst/>
-              </a:prstGeom>
-              <a:noFill/>
-              <a:extLst>
-                <a:ext uri="{909E8E84-426E-40DD-AFC4-6F175D3DCCD1}">
-                  <a14:hiddenFill xmlns:a14="http://schemas.microsoft.com/office/drawing/2010/main">
-                    <a:solidFill>
-                      <a:srgbClr val="FFFFFF"/>
-                    </a:solidFill>
-                  </a14:hiddenFill>
-                </a:ext>
-              </a:extLst>
-            </p:spPr>
-          </p:pic>
-          <p:pic>
-            <p:nvPicPr>
-              <p:cNvPr id="31" name="Picture 2" descr="Image result for document icon">
-                <a:extLst>
-                  <a:ext uri="{FF2B5EF4-FFF2-40B4-BE49-F238E27FC236}">
-                    <a16:creationId xmlns:a16="http://schemas.microsoft.com/office/drawing/2014/main" id="{694535F2-502C-594D-9020-61FF4A57DB40}"/>
-                  </a:ext>
-                </a:extLst>
-              </p:cNvPr>
-              <p:cNvPicPr>
-                <a:picLocks noChangeAspect="1" noChangeArrowheads="1"/>
-              </p:cNvPicPr>
-              <p:nvPr/>
-            </p:nvPicPr>
-            <p:blipFill>
-              <a:blip r:embed="rId2" cstate="print">
-                <a:extLst>
-                  <a:ext uri="{28A0092B-C50C-407E-A947-70E740481C1C}">
-                    <a14:useLocalDpi xmlns:a14="http://schemas.microsoft.com/office/drawing/2010/main" val="0"/>
-                  </a:ext>
-                </a:extLst>
-              </a:blip>
-              <a:srcRect/>
-              <a:stretch>
-                <a:fillRect/>
-              </a:stretch>
-            </p:blipFill>
-            <p:spPr bwMode="auto">
-              <a:xfrm>
-                <a:off x="4701585" y="3039060"/>
-                <a:ext cx="572814" cy="572814"/>
-              </a:xfrm>
-              <a:prstGeom prst="rect">
-                <a:avLst/>
-              </a:prstGeom>
-              <a:noFill/>
-              <a:extLst>
-                <a:ext uri="{909E8E84-426E-40DD-AFC4-6F175D3DCCD1}">
-                  <a14:hiddenFill xmlns:a14="http://schemas.microsoft.com/office/drawing/2010/main">
-                    <a:solidFill>
-                      <a:srgbClr val="FFFFFF"/>
-                    </a:solidFill>
-                  </a14:hiddenFill>
-                </a:ext>
-              </a:extLst>
-            </p:spPr>
-          </p:pic>
-          <p:pic>
-            <p:nvPicPr>
-              <p:cNvPr id="32" name="Picture 2" descr="Image result for document icon">
-                <a:extLst>
-                  <a:ext uri="{FF2B5EF4-FFF2-40B4-BE49-F238E27FC236}">
-                    <a16:creationId xmlns:a16="http://schemas.microsoft.com/office/drawing/2014/main" id="{EA5BE3C3-951E-824D-9328-FE1462F982EE}"/>
-                  </a:ext>
-                </a:extLst>
-              </p:cNvPr>
-              <p:cNvPicPr>
-                <a:picLocks noChangeAspect="1" noChangeArrowheads="1"/>
-              </p:cNvPicPr>
-              <p:nvPr/>
-            </p:nvPicPr>
-            <p:blipFill>
-              <a:blip r:embed="rId2" cstate="print">
-                <a:extLst>
-                  <a:ext uri="{28A0092B-C50C-407E-A947-70E740481C1C}">
-                    <a14:useLocalDpi xmlns:a14="http://schemas.microsoft.com/office/drawing/2010/main" val="0"/>
-                  </a:ext>
-                </a:extLst>
-              </a:blip>
-              <a:srcRect/>
-              <a:stretch>
-                <a:fillRect/>
-              </a:stretch>
-            </p:blipFill>
-            <p:spPr bwMode="auto">
-              <a:xfrm>
-                <a:off x="4186293" y="3039060"/>
-                <a:ext cx="572814" cy="572814"/>
-              </a:xfrm>
-              <a:prstGeom prst="rect">
-                <a:avLst/>
-              </a:prstGeom>
-              <a:noFill/>
-              <a:extLst>
-                <a:ext uri="{909E8E84-426E-40DD-AFC4-6F175D3DCCD1}">
-                  <a14:hiddenFill xmlns:a14="http://schemas.microsoft.com/office/drawing/2010/main">
-                    <a:solidFill>
-                      <a:srgbClr val="FFFFFF"/>
-                    </a:solidFill>
-                  </a14:hiddenFill>
-                </a:ext>
-              </a:extLst>
-            </p:spPr>
-          </p:pic>
-          <p:pic>
-            <p:nvPicPr>
-              <p:cNvPr id="33" name="Picture 2" descr="Image result for document icon">
-                <a:extLst>
-                  <a:ext uri="{FF2B5EF4-FFF2-40B4-BE49-F238E27FC236}">
-                    <a16:creationId xmlns:a16="http://schemas.microsoft.com/office/drawing/2014/main" id="{C0D32674-29D9-E745-95B3-8DDBBAA5A230}"/>
-                  </a:ext>
-                </a:extLst>
-              </p:cNvPr>
-              <p:cNvPicPr>
-                <a:picLocks noChangeAspect="1" noChangeArrowheads="1"/>
-              </p:cNvPicPr>
-              <p:nvPr/>
-            </p:nvPicPr>
-            <p:blipFill>
-              <a:blip r:embed="rId2" cstate="print">
-                <a:extLst>
-                  <a:ext uri="{28A0092B-C50C-407E-A947-70E740481C1C}">
-                    <a14:useLocalDpi xmlns:a14="http://schemas.microsoft.com/office/drawing/2010/main" val="0"/>
-                  </a:ext>
-                </a:extLst>
-              </a:blip>
-              <a:srcRect/>
-              <a:stretch>
-                <a:fillRect/>
-              </a:stretch>
-            </p:blipFill>
-            <p:spPr bwMode="auto">
-              <a:xfrm>
-                <a:off x="3626617" y="3039060"/>
-                <a:ext cx="572814" cy="572814"/>
-              </a:xfrm>
-              <a:prstGeom prst="rect">
-                <a:avLst/>
-              </a:prstGeom>
-              <a:noFill/>
-              <a:extLst>
-                <a:ext uri="{909E8E84-426E-40DD-AFC4-6F175D3DCCD1}">
-                  <a14:hiddenFill xmlns:a14="http://schemas.microsoft.com/office/drawing/2010/main">
-                    <a:solidFill>
-                      <a:srgbClr val="FFFFFF"/>
-                    </a:solidFill>
-                  </a14:hiddenFill>
-                </a:ext>
-              </a:extLst>
-            </p:spPr>
-          </p:pic>
-        </p:grpSp>
-        <p:sp>
-          <p:nvSpPr>
-            <p:cNvPr id="28" name="Rounded Rectangle 27">
-              <a:extLst>
-                <a:ext uri="{FF2B5EF4-FFF2-40B4-BE49-F238E27FC236}">
-                  <a16:creationId xmlns:a16="http://schemas.microsoft.com/office/drawing/2014/main" id="{A30D9FE8-16C2-2F44-AAD3-0AF784AE2386}"/>
-                </a:ext>
-              </a:extLst>
-            </p:cNvPr>
-            <p:cNvSpPr/>
-            <p:nvPr/>
-          </p:nvSpPr>
-          <p:spPr>
-            <a:xfrm>
-              <a:off x="2393494" y="2948152"/>
-              <a:ext cx="3008243" cy="825575"/>
-            </a:xfrm>
-            <a:prstGeom prst="roundRect">
-              <a:avLst/>
-            </a:prstGeom>
-            <a:noFill/>
-            <a:ln>
-              <a:solidFill>
-                <a:srgbClr val="FFC000"/>
-              </a:solidFill>
-            </a:ln>
-          </p:spPr>
-          <p:style>
-            <a:lnRef idx="2">
-              <a:schemeClr val="accent1">
-                <a:shade val="50000"/>
-              </a:schemeClr>
-            </a:lnRef>
-            <a:fillRef idx="1">
-              <a:schemeClr val="accent1"/>
-            </a:fillRef>
-            <a:effectRef idx="0">
-              <a:schemeClr val="accent1"/>
-            </a:effectRef>
-            <a:fontRef idx="minor">
-              <a:schemeClr val="lt1"/>
-            </a:fontRef>
-          </p:style>
-          <p:txBody>
-            <a:bodyPr rtlCol="0" anchor="ctr"/>
-            <a:lstStyle/>
-            <a:p>
-              <a:pPr algn="ctr"/>
-              <a:endParaRPr lang="en-US"/>
-            </a:p>
-          </p:txBody>
-        </p:sp>
-      </p:grpSp>
-      <p:sp>
-        <p:nvSpPr>
-          <p:cNvPr id="43" name="TextBox 42">
-            <a:extLst>
-              <a:ext uri="{FF2B5EF4-FFF2-40B4-BE49-F238E27FC236}">
-                <a16:creationId xmlns:a16="http://schemas.microsoft.com/office/drawing/2014/main" id="{9792CF07-944B-3A4B-A5FB-19BD583BF3FB}"/>
-              </a:ext>
-            </a:extLst>
-          </p:cNvPr>
-          <p:cNvSpPr txBox="1"/>
-          <p:nvPr/>
-        </p:nvSpPr>
-        <p:spPr>
-          <a:xfrm>
-            <a:off x="6662450" y="2605692"/>
-            <a:ext cx="1774845" cy="307777"/>
-          </a:xfrm>
-          <a:prstGeom prst="rect">
-            <a:avLst/>
-          </a:prstGeom>
-          <a:noFill/>
-        </p:spPr>
-        <p:txBody>
-          <a:bodyPr wrap="none" rtlCol="0">
-            <a:spAutoFit/>
-          </a:bodyPr>
-          <a:lstStyle/>
-          <a:p>
-            <a:r>
-              <a:rPr lang="en-US" sz="1400" dirty="0" err="1">
-                <a:latin typeface="Consolas" panose="020B0609020204030204" pitchFamily="49" charset="0"/>
-                <a:cs typeface="Consolas" panose="020B0609020204030204" pitchFamily="49" charset="0"/>
-              </a:rPr>
-              <a:t>txtLst</a:t>
-            </a:r>
-            <a:r>
-              <a:rPr lang="en-US" sz="1400" dirty="0">
-                <a:latin typeface="Consolas" panose="020B0609020204030204" pitchFamily="49" charset="0"/>
-                <a:cs typeface="Consolas" panose="020B0609020204030204" pitchFamily="49" charset="0"/>
-              </a:rPr>
-              <a:t>[[1]]$text</a:t>
-            </a:r>
-          </a:p>
-        </p:txBody>
-      </p:sp>
-      <p:sp>
-        <p:nvSpPr>
-          <p:cNvPr id="44" name="TextBox 43">
-            <a:extLst>
-              <a:ext uri="{FF2B5EF4-FFF2-40B4-BE49-F238E27FC236}">
-                <a16:creationId xmlns:a16="http://schemas.microsoft.com/office/drawing/2014/main" id="{F958E9A4-A84B-D04D-A838-D05E4D600D2F}"/>
-              </a:ext>
-            </a:extLst>
-          </p:cNvPr>
-          <p:cNvSpPr txBox="1"/>
-          <p:nvPr/>
-        </p:nvSpPr>
-        <p:spPr>
-          <a:xfrm>
-            <a:off x="6662450" y="2937542"/>
-            <a:ext cx="1973617" cy="307777"/>
-          </a:xfrm>
-          <a:prstGeom prst="rect">
-            <a:avLst/>
-          </a:prstGeom>
-          <a:noFill/>
-        </p:spPr>
-        <p:txBody>
-          <a:bodyPr wrap="none" rtlCol="0">
-            <a:spAutoFit/>
-          </a:bodyPr>
-          <a:lstStyle/>
-          <a:p>
-            <a:r>
-              <a:rPr lang="en-US" sz="1400" dirty="0" err="1">
-                <a:latin typeface="Consolas" panose="020B0609020204030204" pitchFamily="49" charset="0"/>
-                <a:cs typeface="Consolas" panose="020B0609020204030204" pitchFamily="49" charset="0"/>
-              </a:rPr>
-              <a:t>txtLst</a:t>
-            </a:r>
-            <a:r>
-              <a:rPr lang="en-US" sz="1400" dirty="0">
-                <a:latin typeface="Consolas" panose="020B0609020204030204" pitchFamily="49" charset="0"/>
-                <a:cs typeface="Consolas" panose="020B0609020204030204" pitchFamily="49" charset="0"/>
-              </a:rPr>
-              <a:t>[[1]]$</a:t>
-            </a:r>
-            <a:r>
-              <a:rPr lang="en-US" sz="1400" dirty="0" err="1">
-                <a:latin typeface="Consolas" panose="020B0609020204030204" pitchFamily="49" charset="0"/>
-                <a:cs typeface="Consolas" panose="020B0609020204030204" pitchFamily="49" charset="0"/>
-              </a:rPr>
-              <a:t>doc_id</a:t>
-            </a:r>
-            <a:endParaRPr lang="en-US" sz="1400" dirty="0">
-              <a:latin typeface="Consolas" panose="020B0609020204030204" pitchFamily="49" charset="0"/>
-              <a:cs typeface="Consolas" panose="020B0609020204030204" pitchFamily="49" charset="0"/>
-            </a:endParaRPr>
-          </a:p>
-        </p:txBody>
-      </p:sp>
-      <p:sp>
-        <p:nvSpPr>
-          <p:cNvPr id="45" name="TextBox 44">
-            <a:extLst>
-              <a:ext uri="{FF2B5EF4-FFF2-40B4-BE49-F238E27FC236}">
-                <a16:creationId xmlns:a16="http://schemas.microsoft.com/office/drawing/2014/main" id="{246CE4D7-D013-8B4A-A2F9-F2AC82C2639B}"/>
-              </a:ext>
-            </a:extLst>
-          </p:cNvPr>
-          <p:cNvSpPr txBox="1"/>
-          <p:nvPr/>
-        </p:nvSpPr>
-        <p:spPr>
-          <a:xfrm>
-            <a:off x="6662450" y="3308515"/>
-            <a:ext cx="1675459" cy="307777"/>
-          </a:xfrm>
-          <a:prstGeom prst="rect">
-            <a:avLst/>
-          </a:prstGeom>
-          <a:noFill/>
-        </p:spPr>
-        <p:txBody>
-          <a:bodyPr wrap="none" rtlCol="0">
-            <a:spAutoFit/>
-          </a:bodyPr>
-          <a:lstStyle/>
-          <a:p>
-            <a:r>
-              <a:rPr lang="en-US" sz="1400" dirty="0" err="1">
-                <a:latin typeface="Consolas" panose="020B0609020204030204" pitchFamily="49" charset="0"/>
-                <a:cs typeface="Consolas" panose="020B0609020204030204" pitchFamily="49" charset="0"/>
-              </a:rPr>
-              <a:t>txtLst</a:t>
-            </a:r>
-            <a:r>
-              <a:rPr lang="en-US" sz="1400" dirty="0">
-                <a:latin typeface="Consolas" panose="020B0609020204030204" pitchFamily="49" charset="0"/>
-                <a:cs typeface="Consolas" panose="020B0609020204030204" pitchFamily="49" charset="0"/>
-              </a:rPr>
-              <a:t>[[1]][,2]</a:t>
-            </a:r>
-          </a:p>
-        </p:txBody>
-      </p:sp>
-      <p:sp>
-        <p:nvSpPr>
-          <p:cNvPr id="46" name="TextBox 45">
-            <a:extLst>
-              <a:ext uri="{FF2B5EF4-FFF2-40B4-BE49-F238E27FC236}">
-                <a16:creationId xmlns:a16="http://schemas.microsoft.com/office/drawing/2014/main" id="{70FB6FDE-13D0-6148-AFE4-BF4937F50951}"/>
-              </a:ext>
-            </a:extLst>
-          </p:cNvPr>
-          <p:cNvSpPr txBox="1"/>
-          <p:nvPr/>
-        </p:nvSpPr>
-        <p:spPr>
-          <a:xfrm>
-            <a:off x="6750996" y="4101650"/>
-            <a:ext cx="1774845" cy="307777"/>
-          </a:xfrm>
-          <a:prstGeom prst="rect">
-            <a:avLst/>
-          </a:prstGeom>
-          <a:noFill/>
-        </p:spPr>
-        <p:txBody>
-          <a:bodyPr wrap="none" rtlCol="0">
-            <a:spAutoFit/>
-          </a:bodyPr>
-          <a:lstStyle/>
-          <a:p>
-            <a:r>
-              <a:rPr lang="en-US" sz="1400" dirty="0" err="1">
-                <a:latin typeface="Consolas" panose="020B0609020204030204" pitchFamily="49" charset="0"/>
-                <a:cs typeface="Consolas" panose="020B0609020204030204" pitchFamily="49" charset="0"/>
-              </a:rPr>
-              <a:t>txtLst</a:t>
-            </a:r>
-            <a:r>
-              <a:rPr lang="en-US" sz="1400" dirty="0">
-                <a:latin typeface="Consolas" panose="020B0609020204030204" pitchFamily="49" charset="0"/>
-                <a:cs typeface="Consolas" panose="020B0609020204030204" pitchFamily="49" charset="0"/>
-              </a:rPr>
-              <a:t>[[2]]$text</a:t>
-            </a:r>
-          </a:p>
-        </p:txBody>
-      </p:sp>
-      <p:sp>
-        <p:nvSpPr>
-          <p:cNvPr id="47" name="TextBox 46">
-            <a:extLst>
-              <a:ext uri="{FF2B5EF4-FFF2-40B4-BE49-F238E27FC236}">
-                <a16:creationId xmlns:a16="http://schemas.microsoft.com/office/drawing/2014/main" id="{DE7C1366-00EF-6C4C-8B6C-253469148300}"/>
-              </a:ext>
-            </a:extLst>
-          </p:cNvPr>
-          <p:cNvSpPr txBox="1"/>
-          <p:nvPr/>
-        </p:nvSpPr>
-        <p:spPr>
-          <a:xfrm>
-            <a:off x="6750996" y="4433500"/>
-            <a:ext cx="1973617" cy="307777"/>
-          </a:xfrm>
-          <a:prstGeom prst="rect">
-            <a:avLst/>
-          </a:prstGeom>
-          <a:noFill/>
-        </p:spPr>
-        <p:txBody>
-          <a:bodyPr wrap="none" rtlCol="0">
-            <a:spAutoFit/>
-          </a:bodyPr>
-          <a:lstStyle/>
-          <a:p>
-            <a:r>
-              <a:rPr lang="en-US" sz="1400" dirty="0" err="1">
-                <a:latin typeface="Consolas" panose="020B0609020204030204" pitchFamily="49" charset="0"/>
-                <a:cs typeface="Consolas" panose="020B0609020204030204" pitchFamily="49" charset="0"/>
-              </a:rPr>
-              <a:t>txtLst</a:t>
-            </a:r>
-            <a:r>
-              <a:rPr lang="en-US" sz="1400" dirty="0">
-                <a:latin typeface="Consolas" panose="020B0609020204030204" pitchFamily="49" charset="0"/>
-                <a:cs typeface="Consolas" panose="020B0609020204030204" pitchFamily="49" charset="0"/>
-              </a:rPr>
-              <a:t>[[2]]$</a:t>
-            </a:r>
-            <a:r>
-              <a:rPr lang="en-US" sz="1400" dirty="0" err="1">
-                <a:latin typeface="Consolas" panose="020B0609020204030204" pitchFamily="49" charset="0"/>
-                <a:cs typeface="Consolas" panose="020B0609020204030204" pitchFamily="49" charset="0"/>
-              </a:rPr>
-              <a:t>doc_id</a:t>
-            </a:r>
-            <a:endParaRPr lang="en-US" sz="1400" dirty="0">
-              <a:latin typeface="Consolas" panose="020B0609020204030204" pitchFamily="49" charset="0"/>
-              <a:cs typeface="Consolas" panose="020B0609020204030204" pitchFamily="49" charset="0"/>
-            </a:endParaRPr>
-          </a:p>
-        </p:txBody>
-      </p:sp>
-      <p:sp>
-        <p:nvSpPr>
-          <p:cNvPr id="48" name="TextBox 47">
-            <a:extLst>
-              <a:ext uri="{FF2B5EF4-FFF2-40B4-BE49-F238E27FC236}">
-                <a16:creationId xmlns:a16="http://schemas.microsoft.com/office/drawing/2014/main" id="{AB3315C0-8451-7E46-AD73-EED4AA50D0D8}"/>
-              </a:ext>
-            </a:extLst>
-          </p:cNvPr>
-          <p:cNvSpPr txBox="1"/>
-          <p:nvPr/>
-        </p:nvSpPr>
-        <p:spPr>
-          <a:xfrm>
-            <a:off x="6750996" y="4804473"/>
-            <a:ext cx="1675459" cy="307777"/>
-          </a:xfrm>
-          <a:prstGeom prst="rect">
-            <a:avLst/>
-          </a:prstGeom>
-          <a:noFill/>
-        </p:spPr>
-        <p:txBody>
-          <a:bodyPr wrap="none" rtlCol="0">
-            <a:spAutoFit/>
-          </a:bodyPr>
-          <a:lstStyle/>
-          <a:p>
-            <a:r>
-              <a:rPr lang="en-US" sz="1400" dirty="0" err="1">
-                <a:latin typeface="Consolas" panose="020B0609020204030204" pitchFamily="49" charset="0"/>
-                <a:cs typeface="Consolas" panose="020B0609020204030204" pitchFamily="49" charset="0"/>
-              </a:rPr>
-              <a:t>txtLst</a:t>
-            </a:r>
-            <a:r>
-              <a:rPr lang="en-US" sz="1400" dirty="0">
-                <a:latin typeface="Consolas" panose="020B0609020204030204" pitchFamily="49" charset="0"/>
-                <a:cs typeface="Consolas" panose="020B0609020204030204" pitchFamily="49" charset="0"/>
-              </a:rPr>
-              <a:t>[[2]][,2]</a:t>
-            </a:r>
-          </a:p>
-        </p:txBody>
-      </p:sp>
-    </p:spTree>
-    <p:extLst>
-      <p:ext uri="{BB962C8B-B14F-4D97-AF65-F5344CB8AC3E}">
-        <p14:creationId xmlns:p14="http://schemas.microsoft.com/office/powerpoint/2010/main" val="852066157"/>
-      </p:ext>
-    </p:extLst>
-  </p:cSld>
-  <p:clrMapOvr>
-    <a:masterClrMapping/>
-  </p:clrMapOvr>
-</p:sld>
-</file>
-
-<file path=ppt/slides/slide14.xml><?xml version="1.0" encoding="utf-8"?>
-<p:sld xmlns:a="http://schemas.openxmlformats.org/drawingml/2006/main" xmlns:r="http://schemas.openxmlformats.org/officeDocument/2006/relationships" xmlns:p="http://schemas.openxmlformats.org/presentationml/2006/main">
-  <p:cSld>
-    <p:spTree>
-      <p:nvGrpSpPr>
-        <p:cNvPr id="1" name=""/>
-        <p:cNvGrpSpPr/>
-        <p:nvPr/>
-      </p:nvGrpSpPr>
-      <p:grpSpPr>
-        <a:xfrm>
-          <a:off x="0" y="0"/>
-          <a:ext cx="0" cy="0"/>
-          <a:chOff x="0" y="0"/>
-          <a:chExt cx="0" cy="0"/>
-        </a:xfrm>
-      </p:grpSpPr>
-      <p:sp>
-        <p:nvSpPr>
-          <p:cNvPr id="2" name="Date Placeholder 1">
-            <a:extLst>
-              <a:ext uri="{FF2B5EF4-FFF2-40B4-BE49-F238E27FC236}">
-                <a16:creationId xmlns:a16="http://schemas.microsoft.com/office/drawing/2014/main" id="{51E1C17F-350C-F84E-8042-EC7EE0C015F8}"/>
-              </a:ext>
-            </a:extLst>
-          </p:cNvPr>
-          <p:cNvSpPr>
-            <a:spLocks noGrp="1"/>
-          </p:cNvSpPr>
-          <p:nvPr>
-            <p:ph type="dt" sz="half" idx="10"/>
-          </p:nvPr>
-        </p:nvSpPr>
-        <p:spPr/>
-        <p:txBody>
-          <a:bodyPr/>
-          <a:lstStyle/>
-          <a:p>
-            <a:fld id="{6700A58B-DD98-43D0-B791-721480A02982}" type="datetime1">
-              <a:rPr lang="en-US" smtClean="0"/>
-              <a:t>4/18/22</a:t>
-            </a:fld>
-            <a:endParaRPr lang="en-US"/>
-          </a:p>
-        </p:txBody>
-      </p:sp>
-      <p:sp>
-        <p:nvSpPr>
-          <p:cNvPr id="3" name="Title 2">
-            <a:extLst>
-              <a:ext uri="{FF2B5EF4-FFF2-40B4-BE49-F238E27FC236}">
-                <a16:creationId xmlns:a16="http://schemas.microsoft.com/office/drawing/2014/main" id="{67B23D8A-24A2-7F41-8009-A3EE670C787D}"/>
-              </a:ext>
-            </a:extLst>
-          </p:cNvPr>
-          <p:cNvSpPr>
-            <a:spLocks noGrp="1"/>
-          </p:cNvSpPr>
-          <p:nvPr>
-            <p:ph type="title"/>
-          </p:nvPr>
-        </p:nvSpPr>
-        <p:spPr>
-          <a:xfrm>
-            <a:off x="61640" y="365126"/>
-            <a:ext cx="9082360" cy="591477"/>
-          </a:xfrm>
-        </p:spPr>
-        <p:txBody>
-          <a:bodyPr/>
-          <a:lstStyle/>
-          <a:p>
-            <a:r>
-              <a:rPr lang="en-US" sz="2800" dirty="0"/>
-              <a:t>Loop through each element and apply the processing steps</a:t>
-            </a:r>
-          </a:p>
-        </p:txBody>
-      </p:sp>
-      <p:sp>
-        <p:nvSpPr>
-          <p:cNvPr id="4" name="Footer Placeholder 3">
-            <a:extLst>
-              <a:ext uri="{FF2B5EF4-FFF2-40B4-BE49-F238E27FC236}">
-                <a16:creationId xmlns:a16="http://schemas.microsoft.com/office/drawing/2014/main" id="{AF654C98-0717-D044-8CFC-1D1A72380139}"/>
-              </a:ext>
-            </a:extLst>
-          </p:cNvPr>
-          <p:cNvSpPr>
-            <a:spLocks noGrp="1"/>
-          </p:cNvSpPr>
-          <p:nvPr>
-            <p:ph type="ftr" sz="quarter" idx="3"/>
-          </p:nvPr>
-        </p:nvSpPr>
-        <p:spPr/>
-        <p:txBody>
-          <a:bodyPr/>
-          <a:lstStyle/>
-          <a:p>
-            <a:r>
-              <a:rPr lang="en-US"/>
-              <a:t>Kwartler</a:t>
-            </a:r>
-            <a:endParaRPr lang="en-US" dirty="0"/>
-          </a:p>
-        </p:txBody>
-      </p:sp>
-      <p:sp>
-        <p:nvSpPr>
-          <p:cNvPr id="5" name="Slide Number Placeholder 4">
-            <a:extLst>
-              <a:ext uri="{FF2B5EF4-FFF2-40B4-BE49-F238E27FC236}">
-                <a16:creationId xmlns:a16="http://schemas.microsoft.com/office/drawing/2014/main" id="{B84750F5-283F-DB46-A09D-30BA6F173324}"/>
-              </a:ext>
-            </a:extLst>
-          </p:cNvPr>
-          <p:cNvSpPr>
-            <a:spLocks noGrp="1"/>
-          </p:cNvSpPr>
-          <p:nvPr>
-            <p:ph type="sldNum" sz="quarter" idx="4"/>
-          </p:nvPr>
-        </p:nvSpPr>
-        <p:spPr>
-          <a:xfrm>
-            <a:off x="7245743" y="6356351"/>
-            <a:ext cx="857250" cy="365125"/>
-          </a:xfrm>
-          <a:prstGeom prst="rect">
-            <a:avLst/>
-          </a:prstGeom>
-        </p:spPr>
-        <p:txBody>
-          <a:bodyPr/>
-          <a:lstStyle>
-            <a:defPPr>
-              <a:defRPr lang="en-US"/>
-            </a:defPPr>
-            <a:lvl1pPr marL="0" algn="l" defTabSz="914400" rtl="0" eaLnBrk="1" latinLnBrk="0" hangingPunct="1">
-              <a:lnSpc>
-                <a:spcPct val="200000"/>
-              </a:lnSpc>
-              <a:defRPr lang="en-US" sz="900" kern="1200" smtClean="0">
-                <a:solidFill>
-                  <a:schemeClr val="tx1">
-                    <a:tint val="75000"/>
-                  </a:schemeClr>
-                </a:solidFill>
-                <a:latin typeface="+mn-lt"/>
-                <a:ea typeface="+mn-ea"/>
-                <a:cs typeface="+mn-cs"/>
-              </a:defRPr>
-            </a:lvl1pPr>
-            <a:lvl2pPr marL="457200" algn="l" defTabSz="914400" rtl="0" eaLnBrk="1" latinLnBrk="0" hangingPunct="1">
-              <a:defRPr sz="1800" kern="1200">
-                <a:solidFill>
-                  <a:schemeClr val="tx1"/>
-                </a:solidFill>
-                <a:latin typeface="+mn-lt"/>
-                <a:ea typeface="+mn-ea"/>
-                <a:cs typeface="+mn-cs"/>
-              </a:defRPr>
-            </a:lvl2pPr>
-            <a:lvl3pPr marL="914400" algn="l" defTabSz="914400" rtl="0" eaLnBrk="1" latinLnBrk="0" hangingPunct="1">
-              <a:defRPr sz="1800" kern="1200">
-                <a:solidFill>
-                  <a:schemeClr val="tx1"/>
-                </a:solidFill>
-                <a:latin typeface="+mn-lt"/>
-                <a:ea typeface="+mn-ea"/>
-                <a:cs typeface="+mn-cs"/>
-              </a:defRPr>
-            </a:lvl3pPr>
-            <a:lvl4pPr marL="1371600" algn="l" defTabSz="914400" rtl="0" eaLnBrk="1" latinLnBrk="0" hangingPunct="1">
-              <a:defRPr sz="1800" kern="1200">
-                <a:solidFill>
-                  <a:schemeClr val="tx1"/>
-                </a:solidFill>
-                <a:latin typeface="+mn-lt"/>
-                <a:ea typeface="+mn-ea"/>
-                <a:cs typeface="+mn-cs"/>
-              </a:defRPr>
-            </a:lvl4pPr>
-            <a:lvl5pPr marL="1828800" algn="l" defTabSz="914400" rtl="0" eaLnBrk="1" latinLnBrk="0" hangingPunct="1">
-              <a:defRPr sz="1800" kern="1200">
-                <a:solidFill>
-                  <a:schemeClr val="tx1"/>
-                </a:solidFill>
-                <a:latin typeface="+mn-lt"/>
-                <a:ea typeface="+mn-ea"/>
-                <a:cs typeface="+mn-cs"/>
-              </a:defRPr>
-            </a:lvl5pPr>
-            <a:lvl6pPr marL="2286000" algn="l" defTabSz="914400" rtl="0" eaLnBrk="1" latinLnBrk="0" hangingPunct="1">
-              <a:defRPr sz="1800" kern="1200">
-                <a:solidFill>
-                  <a:schemeClr val="tx1"/>
-                </a:solidFill>
-                <a:latin typeface="+mn-lt"/>
-                <a:ea typeface="+mn-ea"/>
-                <a:cs typeface="+mn-cs"/>
-              </a:defRPr>
-            </a:lvl6pPr>
-            <a:lvl7pPr marL="2743200" algn="l" defTabSz="914400" rtl="0" eaLnBrk="1" latinLnBrk="0" hangingPunct="1">
-              <a:defRPr sz="1800" kern="1200">
-                <a:solidFill>
-                  <a:schemeClr val="tx1"/>
-                </a:solidFill>
-                <a:latin typeface="+mn-lt"/>
-                <a:ea typeface="+mn-ea"/>
-                <a:cs typeface="+mn-cs"/>
-              </a:defRPr>
-            </a:lvl7pPr>
-            <a:lvl8pPr marL="3200400" algn="l" defTabSz="914400" rtl="0" eaLnBrk="1" latinLnBrk="0" hangingPunct="1">
-              <a:defRPr sz="1800" kern="1200">
-                <a:solidFill>
-                  <a:schemeClr val="tx1"/>
-                </a:solidFill>
-                <a:latin typeface="+mn-lt"/>
-                <a:ea typeface="+mn-ea"/>
-                <a:cs typeface="+mn-cs"/>
-              </a:defRPr>
-            </a:lvl8pPr>
-            <a:lvl9pPr marL="3657600" algn="l" defTabSz="914400" rtl="0" eaLnBrk="1" latinLnBrk="0" hangingPunct="1">
-              <a:defRPr sz="1800" kern="1200">
-                <a:solidFill>
-                  <a:schemeClr val="tx1"/>
-                </a:solidFill>
-                <a:latin typeface="+mn-lt"/>
-                <a:ea typeface="+mn-ea"/>
-                <a:cs typeface="+mn-cs"/>
-              </a:defRPr>
-            </a:lvl9pPr>
-          </a:lstStyle>
-          <a:p>
-            <a:fld id="{37290FF7-652B-4475-AEAB-8B1A5D23AE09}" type="slidenum">
-              <a:rPr lang="en-US" smtClean="0"/>
-              <a:pPr/>
-              <a:t>14</a:t>
-            </a:fld>
-            <a:endParaRPr lang="en-US" dirty="0"/>
-          </a:p>
-        </p:txBody>
-      </p:sp>
-      <p:sp>
-        <p:nvSpPr>
-          <p:cNvPr id="8" name="Rectangle 7">
-            <a:extLst>
-              <a:ext uri="{FF2B5EF4-FFF2-40B4-BE49-F238E27FC236}">
-                <a16:creationId xmlns:a16="http://schemas.microsoft.com/office/drawing/2014/main" id="{1E8CE02C-9EF2-7A41-91F6-ECB96C932A69}"/>
-              </a:ext>
-            </a:extLst>
-          </p:cNvPr>
-          <p:cNvSpPr/>
-          <p:nvPr/>
-        </p:nvSpPr>
-        <p:spPr>
-          <a:xfrm>
-            <a:off x="61640" y="2168434"/>
-            <a:ext cx="1301387" cy="457200"/>
-          </a:xfrm>
-          <a:prstGeom prst="rect">
-            <a:avLst/>
-          </a:prstGeom>
-        </p:spPr>
-        <p:style>
-          <a:lnRef idx="2">
-            <a:schemeClr val="accent1">
-              <a:shade val="50000"/>
-            </a:schemeClr>
-          </a:lnRef>
-          <a:fillRef idx="1">
-            <a:schemeClr val="accent1"/>
-          </a:fillRef>
-          <a:effectRef idx="0">
-            <a:schemeClr val="accent1"/>
-          </a:effectRef>
-          <a:fontRef idx="minor">
-            <a:schemeClr val="lt1"/>
-          </a:fontRef>
-        </p:style>
-        <p:txBody>
-          <a:bodyPr rtlCol="0" anchor="ctr"/>
-          <a:lstStyle/>
-          <a:p>
-            <a:pPr algn="ctr"/>
-            <a:r>
-              <a:rPr lang="en-US" dirty="0" err="1">
-                <a:latin typeface="Consolas" panose="020B0609020204030204" pitchFamily="49" charset="0"/>
-                <a:cs typeface="Consolas" panose="020B0609020204030204" pitchFamily="49" charset="0"/>
-              </a:rPr>
-              <a:t>txtLst</a:t>
-            </a:r>
-            <a:endParaRPr lang="en-US" dirty="0">
-              <a:latin typeface="Consolas" panose="020B0609020204030204" pitchFamily="49" charset="0"/>
-              <a:cs typeface="Consolas" panose="020B0609020204030204" pitchFamily="49" charset="0"/>
-            </a:endParaRPr>
-          </a:p>
-        </p:txBody>
-      </p:sp>
-      <p:sp>
-        <p:nvSpPr>
-          <p:cNvPr id="9" name="Rectangle 8">
-            <a:extLst>
-              <a:ext uri="{FF2B5EF4-FFF2-40B4-BE49-F238E27FC236}">
-                <a16:creationId xmlns:a16="http://schemas.microsoft.com/office/drawing/2014/main" id="{CCF91108-5F35-6149-B199-41DDFFCF47B5}"/>
-              </a:ext>
-            </a:extLst>
-          </p:cNvPr>
-          <p:cNvSpPr/>
-          <p:nvPr/>
-        </p:nvSpPr>
-        <p:spPr>
-          <a:xfrm>
-            <a:off x="1363027" y="3015336"/>
-            <a:ext cx="2266406" cy="457200"/>
-          </a:xfrm>
-          <a:prstGeom prst="rect">
-            <a:avLst/>
-          </a:prstGeom>
-        </p:spPr>
-        <p:style>
-          <a:lnRef idx="2">
-            <a:schemeClr val="accent1">
-              <a:shade val="50000"/>
-            </a:schemeClr>
-          </a:lnRef>
-          <a:fillRef idx="1">
-            <a:schemeClr val="accent1"/>
-          </a:fillRef>
-          <a:effectRef idx="0">
-            <a:schemeClr val="accent1"/>
-          </a:effectRef>
-          <a:fontRef idx="minor">
-            <a:schemeClr val="lt1"/>
-          </a:fontRef>
-        </p:style>
-        <p:txBody>
-          <a:bodyPr rtlCol="0" anchor="ctr"/>
-          <a:lstStyle/>
-          <a:p>
-            <a:pPr algn="ctr"/>
-            <a:r>
-              <a:rPr lang="en-US" dirty="0" err="1">
-                <a:latin typeface="Consolas" panose="020B0609020204030204" pitchFamily="49" charset="0"/>
-                <a:cs typeface="Consolas" panose="020B0609020204030204" pitchFamily="49" charset="0"/>
-              </a:rPr>
-              <a:t>chardonnay.csv</a:t>
-            </a:r>
-            <a:endParaRPr lang="en-US" dirty="0">
-              <a:latin typeface="Consolas" panose="020B0609020204030204" pitchFamily="49" charset="0"/>
-              <a:cs typeface="Consolas" panose="020B0609020204030204" pitchFamily="49" charset="0"/>
-            </a:endParaRPr>
-          </a:p>
-        </p:txBody>
-      </p:sp>
-      <p:sp>
-        <p:nvSpPr>
-          <p:cNvPr id="10" name="Rectangle 9">
-            <a:extLst>
-              <a:ext uri="{FF2B5EF4-FFF2-40B4-BE49-F238E27FC236}">
-                <a16:creationId xmlns:a16="http://schemas.microsoft.com/office/drawing/2014/main" id="{338F636B-5BD3-CE41-BEB4-F10FC5907974}"/>
-              </a:ext>
-            </a:extLst>
-          </p:cNvPr>
-          <p:cNvSpPr/>
-          <p:nvPr/>
-        </p:nvSpPr>
-        <p:spPr>
-          <a:xfrm>
-            <a:off x="1363026" y="4177485"/>
-            <a:ext cx="2266406" cy="457200"/>
-          </a:xfrm>
-          <a:prstGeom prst="rect">
-            <a:avLst/>
-          </a:prstGeom>
-          <a:solidFill>
-            <a:schemeClr val="accent2"/>
-          </a:solidFill>
-        </p:spPr>
-        <p:style>
-          <a:lnRef idx="2">
-            <a:schemeClr val="accent1">
-              <a:shade val="50000"/>
-            </a:schemeClr>
-          </a:lnRef>
-          <a:fillRef idx="1">
-            <a:schemeClr val="accent1"/>
-          </a:fillRef>
-          <a:effectRef idx="0">
-            <a:schemeClr val="accent1"/>
-          </a:effectRef>
-          <a:fontRef idx="minor">
-            <a:schemeClr val="lt1"/>
-          </a:fontRef>
-        </p:style>
-        <p:txBody>
-          <a:bodyPr rtlCol="0" anchor="ctr"/>
-          <a:lstStyle/>
-          <a:p>
-            <a:pPr algn="ctr"/>
-            <a:r>
-              <a:rPr lang="en-US" dirty="0" err="1">
-                <a:latin typeface="Consolas" panose="020B0609020204030204" pitchFamily="49" charset="0"/>
-                <a:cs typeface="Consolas" panose="020B0609020204030204" pitchFamily="49" charset="0"/>
-              </a:rPr>
-              <a:t>coffee.csv</a:t>
-            </a:r>
-            <a:endParaRPr lang="en-US" dirty="0">
-              <a:latin typeface="Consolas" panose="020B0609020204030204" pitchFamily="49" charset="0"/>
-              <a:cs typeface="Consolas" panose="020B0609020204030204" pitchFamily="49" charset="0"/>
-            </a:endParaRPr>
-          </a:p>
-        </p:txBody>
-      </p:sp>
-      <p:cxnSp>
-        <p:nvCxnSpPr>
-          <p:cNvPr id="13" name="Elbow Connector 12">
-            <a:extLst>
-              <a:ext uri="{FF2B5EF4-FFF2-40B4-BE49-F238E27FC236}">
-                <a16:creationId xmlns:a16="http://schemas.microsoft.com/office/drawing/2014/main" id="{1F63A65B-ED2E-8F4E-AC5D-852FF21F2EF4}"/>
-              </a:ext>
-            </a:extLst>
-          </p:cNvPr>
-          <p:cNvCxnSpPr>
-            <a:stCxn id="8" idx="2"/>
-            <a:endCxn id="9" idx="1"/>
-          </p:cNvCxnSpPr>
-          <p:nvPr/>
-        </p:nvCxnSpPr>
-        <p:spPr>
-          <a:xfrm rot="16200000" flipH="1">
-            <a:off x="728529" y="2609438"/>
-            <a:ext cx="618302" cy="650693"/>
-          </a:xfrm>
-          <a:prstGeom prst="bentConnector2">
-            <a:avLst/>
-          </a:prstGeom>
-          <a:ln>
-            <a:tailEnd type="triangle"/>
-          </a:ln>
-        </p:spPr>
-        <p:style>
-          <a:lnRef idx="1">
-            <a:schemeClr val="accent1"/>
-          </a:lnRef>
-          <a:fillRef idx="0">
-            <a:schemeClr val="accent1"/>
-          </a:fillRef>
-          <a:effectRef idx="0">
-            <a:schemeClr val="accent1"/>
-          </a:effectRef>
-          <a:fontRef idx="minor">
-            <a:schemeClr val="tx1"/>
-          </a:fontRef>
-        </p:style>
-      </p:cxnSp>
-      <p:cxnSp>
-        <p:nvCxnSpPr>
-          <p:cNvPr id="14" name="Elbow Connector 13">
-            <a:extLst>
-              <a:ext uri="{FF2B5EF4-FFF2-40B4-BE49-F238E27FC236}">
-                <a16:creationId xmlns:a16="http://schemas.microsoft.com/office/drawing/2014/main" id="{F1344C7D-C6C9-5248-9745-631A6B23598C}"/>
-              </a:ext>
-            </a:extLst>
-          </p:cNvPr>
-          <p:cNvCxnSpPr>
-            <a:cxnSpLocks/>
-            <a:stCxn id="8" idx="2"/>
-            <a:endCxn id="10" idx="1"/>
-          </p:cNvCxnSpPr>
-          <p:nvPr/>
-        </p:nvCxnSpPr>
-        <p:spPr>
-          <a:xfrm rot="16200000" flipH="1">
-            <a:off x="147455" y="3190513"/>
-            <a:ext cx="1780451" cy="650692"/>
-          </a:xfrm>
-          <a:prstGeom prst="bentConnector2">
-            <a:avLst/>
-          </a:prstGeom>
-          <a:ln>
-            <a:solidFill>
-              <a:schemeClr val="accent2"/>
-            </a:solidFill>
-            <a:tailEnd type="triangle"/>
-          </a:ln>
-        </p:spPr>
-        <p:style>
-          <a:lnRef idx="1">
-            <a:schemeClr val="accent1"/>
-          </a:lnRef>
-          <a:fillRef idx="0">
-            <a:schemeClr val="accent1"/>
-          </a:fillRef>
-          <a:effectRef idx="0">
-            <a:schemeClr val="accent1"/>
-          </a:effectRef>
-          <a:fontRef idx="minor">
-            <a:schemeClr val="tx1"/>
-          </a:fontRef>
-        </p:style>
-      </p:cxnSp>
-      <p:sp>
-        <p:nvSpPr>
-          <p:cNvPr id="36" name="TextBox 35">
-            <a:extLst>
-              <a:ext uri="{FF2B5EF4-FFF2-40B4-BE49-F238E27FC236}">
-                <a16:creationId xmlns:a16="http://schemas.microsoft.com/office/drawing/2014/main" id="{13CA6F69-59CE-3140-9A5D-42AD56F418A6}"/>
-              </a:ext>
-            </a:extLst>
-          </p:cNvPr>
-          <p:cNvSpPr txBox="1"/>
-          <p:nvPr/>
-        </p:nvSpPr>
-        <p:spPr>
-          <a:xfrm>
-            <a:off x="3629432" y="2932477"/>
-            <a:ext cx="5514568" cy="1815882"/>
-          </a:xfrm>
-          <a:prstGeom prst="rect">
-            <a:avLst/>
-          </a:prstGeom>
-          <a:noFill/>
-        </p:spPr>
-        <p:txBody>
-          <a:bodyPr wrap="square">
-            <a:spAutoFit/>
-          </a:bodyPr>
-          <a:lstStyle/>
-          <a:p>
-            <a:r>
-              <a:rPr lang="en-US" sz="1400" dirty="0">
-                <a:latin typeface="Consolas" panose="020B0609020204030204" pitchFamily="49" charset="0"/>
-                <a:cs typeface="Consolas" panose="020B0609020204030204" pitchFamily="49" charset="0"/>
-              </a:rPr>
-              <a:t>for(</a:t>
-            </a:r>
-            <a:r>
-              <a:rPr lang="en-US" sz="1400" dirty="0" err="1">
-                <a:latin typeface="Consolas" panose="020B0609020204030204" pitchFamily="49" charset="0"/>
-                <a:cs typeface="Consolas" panose="020B0609020204030204" pitchFamily="49" charset="0"/>
-              </a:rPr>
-              <a:t>i</a:t>
-            </a:r>
-            <a:r>
-              <a:rPr lang="en-US" sz="1400" dirty="0">
-                <a:latin typeface="Consolas" panose="020B0609020204030204" pitchFamily="49" charset="0"/>
-                <a:cs typeface="Consolas" panose="020B0609020204030204" pitchFamily="49" charset="0"/>
-              </a:rPr>
-              <a:t> in 1:length(</a:t>
-            </a:r>
-            <a:r>
-              <a:rPr lang="en-US" sz="1400" dirty="0" err="1">
-                <a:latin typeface="Consolas" panose="020B0609020204030204" pitchFamily="49" charset="0"/>
-                <a:cs typeface="Consolas" panose="020B0609020204030204" pitchFamily="49" charset="0"/>
-              </a:rPr>
-              <a:t>txtLst</a:t>
-            </a:r>
-            <a:r>
-              <a:rPr lang="en-US" sz="1400" dirty="0">
-                <a:latin typeface="Consolas" panose="020B0609020204030204" pitchFamily="49" charset="0"/>
-                <a:cs typeface="Consolas" panose="020B0609020204030204" pitchFamily="49" charset="0"/>
-              </a:rPr>
-              <a:t>)){</a:t>
-            </a:r>
-          </a:p>
-          <a:p>
-            <a:r>
-              <a:rPr lang="en-US" sz="1400" dirty="0">
-                <a:latin typeface="Consolas" panose="020B0609020204030204" pitchFamily="49" charset="0"/>
-                <a:cs typeface="Consolas" panose="020B0609020204030204" pitchFamily="49" charset="0"/>
-              </a:rPr>
-              <a:t>  print(paste('working on',</a:t>
-            </a:r>
-            <a:r>
-              <a:rPr lang="en-US" sz="1400" dirty="0" err="1">
-                <a:latin typeface="Consolas" panose="020B0609020204030204" pitchFamily="49" charset="0"/>
-                <a:cs typeface="Consolas" panose="020B0609020204030204" pitchFamily="49" charset="0"/>
-              </a:rPr>
-              <a:t>i</a:t>
-            </a:r>
-            <a:r>
-              <a:rPr lang="en-US" sz="1400" dirty="0">
-                <a:latin typeface="Consolas" panose="020B0609020204030204" pitchFamily="49" charset="0"/>
-                <a:cs typeface="Consolas" panose="020B0609020204030204" pitchFamily="49" charset="0"/>
-              </a:rPr>
-              <a:t>, 'of', length(</a:t>
-            </a:r>
-            <a:r>
-              <a:rPr lang="en-US" sz="1400" dirty="0" err="1">
-                <a:latin typeface="Consolas" panose="020B0609020204030204" pitchFamily="49" charset="0"/>
-                <a:cs typeface="Consolas" panose="020B0609020204030204" pitchFamily="49" charset="0"/>
-              </a:rPr>
-              <a:t>txtLst</a:t>
-            </a:r>
-            <a:r>
-              <a:rPr lang="en-US" sz="1400" dirty="0">
-                <a:latin typeface="Consolas" panose="020B0609020204030204" pitchFamily="49" charset="0"/>
-                <a:cs typeface="Consolas" panose="020B0609020204030204" pitchFamily="49" charset="0"/>
-              </a:rPr>
-              <a:t>)))</a:t>
-            </a:r>
-          </a:p>
-          <a:p>
-            <a:r>
-              <a:rPr lang="en-US" sz="1400" dirty="0">
-                <a:latin typeface="Consolas" panose="020B0609020204030204" pitchFamily="49" charset="0"/>
-                <a:cs typeface="Consolas" panose="020B0609020204030204" pitchFamily="49" charset="0"/>
-              </a:rPr>
-              <a:t>  </a:t>
-            </a:r>
-            <a:r>
-              <a:rPr lang="en-US" sz="1400" dirty="0" err="1">
-                <a:latin typeface="Consolas" panose="020B0609020204030204" pitchFamily="49" charset="0"/>
-                <a:cs typeface="Consolas" panose="020B0609020204030204" pitchFamily="49" charset="0"/>
-              </a:rPr>
-              <a:t>tmp</a:t>
-            </a:r>
-            <a:r>
-              <a:rPr lang="en-US" sz="1400" dirty="0">
-                <a:latin typeface="Consolas" panose="020B0609020204030204" pitchFamily="49" charset="0"/>
-                <a:cs typeface="Consolas" panose="020B0609020204030204" pitchFamily="49" charset="0"/>
-              </a:rPr>
-              <a:t> &lt;- paste(</a:t>
-            </a:r>
-            <a:r>
-              <a:rPr lang="en-US" sz="1400" dirty="0" err="1">
-                <a:latin typeface="Consolas" panose="020B0609020204030204" pitchFamily="49" charset="0"/>
-                <a:cs typeface="Consolas" panose="020B0609020204030204" pitchFamily="49" charset="0"/>
-              </a:rPr>
-              <a:t>txtLst</a:t>
-            </a:r>
-            <a:r>
-              <a:rPr lang="en-US" sz="1400" dirty="0">
-                <a:latin typeface="Consolas" panose="020B0609020204030204" pitchFamily="49" charset="0"/>
-                <a:cs typeface="Consolas" panose="020B0609020204030204" pitchFamily="49" charset="0"/>
-              </a:rPr>
-              <a:t>[[</a:t>
-            </a:r>
-            <a:r>
-              <a:rPr lang="en-US" sz="1400" dirty="0" err="1">
-                <a:latin typeface="Consolas" panose="020B0609020204030204" pitchFamily="49" charset="0"/>
-                <a:cs typeface="Consolas" panose="020B0609020204030204" pitchFamily="49" charset="0"/>
-              </a:rPr>
-              <a:t>i</a:t>
-            </a:r>
-            <a:r>
-              <a:rPr lang="en-US" sz="1400" dirty="0">
-                <a:latin typeface="Consolas" panose="020B0609020204030204" pitchFamily="49" charset="0"/>
-                <a:cs typeface="Consolas" panose="020B0609020204030204" pitchFamily="49" charset="0"/>
-              </a:rPr>
-              <a:t>]]$text, collapse = ' ')</a:t>
-            </a:r>
-          </a:p>
-          <a:p>
-            <a:r>
-              <a:rPr lang="en-US" sz="1400" dirty="0">
-                <a:latin typeface="Consolas" panose="020B0609020204030204" pitchFamily="49" charset="0"/>
-                <a:cs typeface="Consolas" panose="020B0609020204030204" pitchFamily="49" charset="0"/>
-              </a:rPr>
-              <a:t>  </a:t>
-            </a:r>
-            <a:r>
-              <a:rPr lang="en-US" sz="1400" dirty="0" err="1">
-                <a:latin typeface="Consolas" panose="020B0609020204030204" pitchFamily="49" charset="0"/>
-                <a:cs typeface="Consolas" panose="020B0609020204030204" pitchFamily="49" charset="0"/>
-              </a:rPr>
-              <a:t>tmp</a:t>
-            </a:r>
-            <a:r>
-              <a:rPr lang="en-US" sz="1400" dirty="0">
-                <a:latin typeface="Consolas" panose="020B0609020204030204" pitchFamily="49" charset="0"/>
-                <a:cs typeface="Consolas" panose="020B0609020204030204" pitchFamily="49" charset="0"/>
-              </a:rPr>
-              <a:t> &lt;- </a:t>
-            </a:r>
-            <a:r>
-              <a:rPr lang="en-US" sz="1400" dirty="0" err="1">
-                <a:latin typeface="Consolas" panose="020B0609020204030204" pitchFamily="49" charset="0"/>
-                <a:cs typeface="Consolas" panose="020B0609020204030204" pitchFamily="49" charset="0"/>
-              </a:rPr>
-              <a:t>VCorpus</a:t>
-            </a:r>
-            <a:r>
-              <a:rPr lang="en-US" sz="1400" dirty="0">
-                <a:latin typeface="Consolas" panose="020B0609020204030204" pitchFamily="49" charset="0"/>
-                <a:cs typeface="Consolas" panose="020B0609020204030204" pitchFamily="49" charset="0"/>
-              </a:rPr>
-              <a:t>(</a:t>
-            </a:r>
-            <a:r>
-              <a:rPr lang="en-US" sz="1400" dirty="0" err="1">
-                <a:latin typeface="Consolas" panose="020B0609020204030204" pitchFamily="49" charset="0"/>
-                <a:cs typeface="Consolas" panose="020B0609020204030204" pitchFamily="49" charset="0"/>
-              </a:rPr>
-              <a:t>VectorSource</a:t>
-            </a:r>
-            <a:r>
-              <a:rPr lang="en-US" sz="1400" dirty="0">
-                <a:latin typeface="Consolas" panose="020B0609020204030204" pitchFamily="49" charset="0"/>
-                <a:cs typeface="Consolas" panose="020B0609020204030204" pitchFamily="49" charset="0"/>
-              </a:rPr>
-              <a:t>(</a:t>
-            </a:r>
-            <a:r>
-              <a:rPr lang="en-US" sz="1400" dirty="0" err="1">
-                <a:latin typeface="Consolas" panose="020B0609020204030204" pitchFamily="49" charset="0"/>
-                <a:cs typeface="Consolas" panose="020B0609020204030204" pitchFamily="49" charset="0"/>
-              </a:rPr>
-              <a:t>tmp</a:t>
-            </a:r>
-            <a:r>
-              <a:rPr lang="en-US" sz="1400" dirty="0">
-                <a:latin typeface="Consolas" panose="020B0609020204030204" pitchFamily="49" charset="0"/>
-                <a:cs typeface="Consolas" panose="020B0609020204030204" pitchFamily="49" charset="0"/>
-              </a:rPr>
-              <a:t>))</a:t>
-            </a:r>
-          </a:p>
-          <a:p>
-            <a:r>
-              <a:rPr lang="en-US" sz="1400" dirty="0">
-                <a:latin typeface="Consolas" panose="020B0609020204030204" pitchFamily="49" charset="0"/>
-                <a:cs typeface="Consolas" panose="020B0609020204030204" pitchFamily="49" charset="0"/>
-              </a:rPr>
-              <a:t>  </a:t>
-            </a:r>
-            <a:r>
-              <a:rPr lang="en-US" sz="1400" dirty="0" err="1">
-                <a:latin typeface="Consolas" panose="020B0609020204030204" pitchFamily="49" charset="0"/>
-                <a:cs typeface="Consolas" panose="020B0609020204030204" pitchFamily="49" charset="0"/>
-              </a:rPr>
-              <a:t>tmp</a:t>
-            </a:r>
-            <a:r>
-              <a:rPr lang="en-US" sz="1400" dirty="0">
-                <a:latin typeface="Consolas" panose="020B0609020204030204" pitchFamily="49" charset="0"/>
-                <a:cs typeface="Consolas" panose="020B0609020204030204" pitchFamily="49" charset="0"/>
-              </a:rPr>
-              <a:t> &lt;- </a:t>
-            </a:r>
-            <a:r>
-              <a:rPr lang="en-US" sz="1400" dirty="0" err="1">
-                <a:latin typeface="Consolas" panose="020B0609020204030204" pitchFamily="49" charset="0"/>
-                <a:cs typeface="Consolas" panose="020B0609020204030204" pitchFamily="49" charset="0"/>
-              </a:rPr>
-              <a:t>cleanCorpus</a:t>
-            </a:r>
-            <a:r>
-              <a:rPr lang="en-US" sz="1400" dirty="0">
-                <a:latin typeface="Consolas" panose="020B0609020204030204" pitchFamily="49" charset="0"/>
-                <a:cs typeface="Consolas" panose="020B0609020204030204" pitchFamily="49" charset="0"/>
-              </a:rPr>
-              <a:t>(</a:t>
-            </a:r>
-            <a:r>
-              <a:rPr lang="en-US" sz="1400" dirty="0" err="1">
-                <a:latin typeface="Consolas" panose="020B0609020204030204" pitchFamily="49" charset="0"/>
-                <a:cs typeface="Consolas" panose="020B0609020204030204" pitchFamily="49" charset="0"/>
-              </a:rPr>
-              <a:t>tmp</a:t>
-            </a:r>
-            <a:r>
-              <a:rPr lang="en-US" sz="1400" dirty="0">
-                <a:latin typeface="Consolas" panose="020B0609020204030204" pitchFamily="49" charset="0"/>
-                <a:cs typeface="Consolas" panose="020B0609020204030204" pitchFamily="49" charset="0"/>
-              </a:rPr>
-              <a:t>, stops)</a:t>
-            </a:r>
-          </a:p>
-          <a:p>
-            <a:r>
-              <a:rPr lang="en-US" sz="1400" dirty="0">
-                <a:latin typeface="Consolas" panose="020B0609020204030204" pitchFamily="49" charset="0"/>
-                <a:cs typeface="Consolas" panose="020B0609020204030204" pitchFamily="49" charset="0"/>
-              </a:rPr>
-              <a:t>  </a:t>
-            </a:r>
-            <a:r>
-              <a:rPr lang="en-US" sz="1400" dirty="0" err="1">
-                <a:latin typeface="Consolas" panose="020B0609020204030204" pitchFamily="49" charset="0"/>
-                <a:cs typeface="Consolas" panose="020B0609020204030204" pitchFamily="49" charset="0"/>
-              </a:rPr>
-              <a:t>tmp</a:t>
-            </a:r>
-            <a:r>
-              <a:rPr lang="en-US" sz="1400" dirty="0">
-                <a:latin typeface="Consolas" panose="020B0609020204030204" pitchFamily="49" charset="0"/>
-                <a:cs typeface="Consolas" panose="020B0609020204030204" pitchFamily="49" charset="0"/>
-              </a:rPr>
-              <a:t> &lt;- </a:t>
-            </a:r>
-            <a:r>
-              <a:rPr lang="en-US" sz="1400" dirty="0" err="1">
-                <a:latin typeface="Consolas" panose="020B0609020204030204" pitchFamily="49" charset="0"/>
-                <a:cs typeface="Consolas" panose="020B0609020204030204" pitchFamily="49" charset="0"/>
-              </a:rPr>
-              <a:t>sapply</a:t>
-            </a:r>
-            <a:r>
-              <a:rPr lang="en-US" sz="1400" dirty="0">
-                <a:latin typeface="Consolas" panose="020B0609020204030204" pitchFamily="49" charset="0"/>
-                <a:cs typeface="Consolas" panose="020B0609020204030204" pitchFamily="49" charset="0"/>
-              </a:rPr>
-              <a:t>(</a:t>
-            </a:r>
-            <a:r>
-              <a:rPr lang="en-US" sz="1400" dirty="0" err="1">
-                <a:latin typeface="Consolas" panose="020B0609020204030204" pitchFamily="49" charset="0"/>
-                <a:cs typeface="Consolas" panose="020B0609020204030204" pitchFamily="49" charset="0"/>
-              </a:rPr>
-              <a:t>tmp</a:t>
-            </a:r>
-            <a:r>
-              <a:rPr lang="en-US" sz="1400" dirty="0">
-                <a:latin typeface="Consolas" panose="020B0609020204030204" pitchFamily="49" charset="0"/>
-                <a:cs typeface="Consolas" panose="020B0609020204030204" pitchFamily="49" charset="0"/>
-              </a:rPr>
-              <a:t>, content)</a:t>
-            </a:r>
-          </a:p>
-          <a:p>
-            <a:r>
-              <a:rPr lang="en-US" sz="1400" dirty="0">
-                <a:latin typeface="Consolas" panose="020B0609020204030204" pitchFamily="49" charset="0"/>
-                <a:cs typeface="Consolas" panose="020B0609020204030204" pitchFamily="49" charset="0"/>
-              </a:rPr>
-              <a:t>  </a:t>
-            </a:r>
-            <a:r>
-              <a:rPr lang="en-US" sz="1400" dirty="0" err="1">
-                <a:latin typeface="Consolas" panose="020B0609020204030204" pitchFamily="49" charset="0"/>
-                <a:cs typeface="Consolas" panose="020B0609020204030204" pitchFamily="49" charset="0"/>
-              </a:rPr>
-              <a:t>txtLst</a:t>
-            </a:r>
-            <a:r>
-              <a:rPr lang="en-US" sz="1400" dirty="0">
-                <a:latin typeface="Consolas" panose="020B0609020204030204" pitchFamily="49" charset="0"/>
-                <a:cs typeface="Consolas" panose="020B0609020204030204" pitchFamily="49" charset="0"/>
-              </a:rPr>
-              <a:t>[[</a:t>
-            </a:r>
-            <a:r>
-              <a:rPr lang="en-US" sz="1400" dirty="0" err="1">
-                <a:latin typeface="Consolas" panose="020B0609020204030204" pitchFamily="49" charset="0"/>
-                <a:cs typeface="Consolas" panose="020B0609020204030204" pitchFamily="49" charset="0"/>
-              </a:rPr>
-              <a:t>i</a:t>
-            </a:r>
-            <a:r>
-              <a:rPr lang="en-US" sz="1400" dirty="0">
-                <a:latin typeface="Consolas" panose="020B0609020204030204" pitchFamily="49" charset="0"/>
-                <a:cs typeface="Consolas" panose="020B0609020204030204" pitchFamily="49" charset="0"/>
-              </a:rPr>
-              <a:t>]] &lt;- </a:t>
-            </a:r>
-            <a:r>
-              <a:rPr lang="en-US" sz="1400" dirty="0" err="1">
-                <a:latin typeface="Consolas" panose="020B0609020204030204" pitchFamily="49" charset="0"/>
-                <a:cs typeface="Consolas" panose="020B0609020204030204" pitchFamily="49" charset="0"/>
-              </a:rPr>
-              <a:t>tmp</a:t>
-            </a:r>
-            <a:endParaRPr lang="en-US" sz="1400" dirty="0">
-              <a:latin typeface="Consolas" panose="020B0609020204030204" pitchFamily="49" charset="0"/>
-              <a:cs typeface="Consolas" panose="020B0609020204030204" pitchFamily="49" charset="0"/>
-            </a:endParaRPr>
-          </a:p>
-          <a:p>
-            <a:r>
-              <a:rPr lang="en-US" sz="1400">
-                <a:latin typeface="Consolas" panose="020B0609020204030204" pitchFamily="49" charset="0"/>
-                <a:cs typeface="Consolas" panose="020B0609020204030204" pitchFamily="49" charset="0"/>
-              </a:rPr>
-              <a:t>}</a:t>
-            </a:r>
-            <a:endParaRPr lang="en-US" sz="1400" dirty="0">
-              <a:latin typeface="Consolas" panose="020B0609020204030204" pitchFamily="49" charset="0"/>
-              <a:cs typeface="Consolas" panose="020B0609020204030204" pitchFamily="49" charset="0"/>
-            </a:endParaRPr>
-          </a:p>
-        </p:txBody>
-      </p:sp>
-      <p:sp>
-        <p:nvSpPr>
-          <p:cNvPr id="37" name="TextBox 36">
-            <a:extLst>
-              <a:ext uri="{FF2B5EF4-FFF2-40B4-BE49-F238E27FC236}">
-                <a16:creationId xmlns:a16="http://schemas.microsoft.com/office/drawing/2014/main" id="{02E765F2-4230-E44F-A7EE-6E0C3D583447}"/>
-              </a:ext>
-            </a:extLst>
-          </p:cNvPr>
-          <p:cNvSpPr txBox="1"/>
-          <p:nvPr/>
-        </p:nvSpPr>
-        <p:spPr>
-          <a:xfrm>
-            <a:off x="3865463" y="2168434"/>
-            <a:ext cx="5216897" cy="738664"/>
-          </a:xfrm>
-          <a:prstGeom prst="rect">
-            <a:avLst/>
-          </a:prstGeom>
-          <a:solidFill>
-            <a:schemeClr val="accent6"/>
-          </a:solidFill>
-        </p:spPr>
-        <p:txBody>
-          <a:bodyPr wrap="square" rtlCol="0">
-            <a:spAutoFit/>
-          </a:bodyPr>
-          <a:lstStyle/>
-          <a:p>
-            <a:pPr algn="ctr"/>
-            <a:r>
-              <a:rPr lang="en-US" sz="1400" dirty="0" err="1">
-                <a:solidFill>
-                  <a:schemeClr val="bg1"/>
-                </a:solidFill>
-                <a:cs typeface="Consolas" panose="020B0609020204030204" pitchFamily="49" charset="0"/>
-              </a:rPr>
-              <a:t>i</a:t>
-            </a:r>
-            <a:r>
-              <a:rPr lang="en-US" sz="1400" dirty="0">
-                <a:solidFill>
-                  <a:schemeClr val="bg1"/>
-                </a:solidFill>
-                <a:cs typeface="Consolas" panose="020B0609020204030204" pitchFamily="49" charset="0"/>
-              </a:rPr>
-              <a:t> &lt;- 1 the first time through…</a:t>
-            </a:r>
-          </a:p>
-          <a:p>
-            <a:pPr algn="ctr"/>
-            <a:r>
-              <a:rPr lang="en-US" sz="1400" dirty="0">
-                <a:solidFill>
-                  <a:schemeClr val="bg1"/>
-                </a:solidFill>
-                <a:cs typeface="Consolas" panose="020B0609020204030204" pitchFamily="49" charset="0"/>
-              </a:rPr>
-              <a:t>Referring to the first list data frame..</a:t>
-            </a:r>
-          </a:p>
-          <a:p>
-            <a:pPr algn="ctr"/>
-            <a:r>
-              <a:rPr lang="en-US" sz="1400" dirty="0">
-                <a:solidFill>
-                  <a:schemeClr val="bg1"/>
-                </a:solidFill>
-                <a:cs typeface="Consolas" panose="020B0609020204030204" pitchFamily="49" charset="0"/>
-              </a:rPr>
-              <a:t>Then 2 and so on</a:t>
-            </a:r>
-          </a:p>
-        </p:txBody>
-      </p:sp>
-    </p:spTree>
-    <p:extLst>
-      <p:ext uri="{BB962C8B-B14F-4D97-AF65-F5344CB8AC3E}">
-        <p14:creationId xmlns:p14="http://schemas.microsoft.com/office/powerpoint/2010/main" val="1264397571"/>
-      </p:ext>
-    </p:extLst>
-  </p:cSld>
-  <p:clrMapOvr>
-    <a:masterClrMapping/>
-  </p:clrMapOvr>
-</p:sld>
-</file>
-
-<file path=ppt/slides/slide15.xml><?xml version="1.0" encoding="utf-8"?>
-<p:sld xmlns:a="http://schemas.openxmlformats.org/drawingml/2006/main" xmlns:r="http://schemas.openxmlformats.org/officeDocument/2006/relationships" xmlns:p="http://schemas.openxmlformats.org/presentationml/2006/main">
-  <p:cSld>
-    <p:spTree>
-      <p:nvGrpSpPr>
-        <p:cNvPr id="1" name=""/>
-        <p:cNvGrpSpPr/>
-        <p:nvPr/>
-      </p:nvGrpSpPr>
-      <p:grpSpPr>
-        <a:xfrm>
-          <a:off x="0" y="0"/>
-          <a:ext cx="0" cy="0"/>
-          <a:chOff x="0" y="0"/>
-          <a:chExt cx="0" cy="0"/>
-        </a:xfrm>
-      </p:grpSpPr>
-      <p:sp>
-        <p:nvSpPr>
           <p:cNvPr id="2" name="Date Placeholder 1"/>
           <p:cNvSpPr>
             <a:spLocks noGrp="1"/>
@@ -9601,7 +7103,7 @@
             <a:fld id="{6700A58B-DD98-43D0-B791-721480A02982}" type="datetime1">
               <a:rPr lang="en-US" smtClean="0"/>
               <a:pPr/>
-              <a:t>4/18/22</a:t>
+              <a:t>11/25/24</a:t>
             </a:fld>
             <a:endParaRPr lang="en-US"/>
           </a:p>
@@ -9778,7 +7280,7 @@
             <a:fld id="{37290FF7-652B-4475-AEAB-8B1A5D23AE09}" type="slidenum">
               <a:rPr lang="en-US" smtClean="0"/>
               <a:pPr/>
-              <a:t>15</a:t>
+              <a:t>13</a:t>
             </a:fld>
             <a:endParaRPr lang="en-US"/>
           </a:p>
@@ -10815,55 +8317,6 @@
           </p:txBody>
         </p:sp>
       </p:grpSp>
-      <p:sp>
-        <p:nvSpPr>
-          <p:cNvPr id="18" name="Rectangle 17">
-            <a:extLst>
-              <a:ext uri="{FF2B5EF4-FFF2-40B4-BE49-F238E27FC236}">
-                <a16:creationId xmlns:a16="http://schemas.microsoft.com/office/drawing/2014/main" id="{A8CE1D7E-F7B7-1346-856F-966F0B0F0274}"/>
-              </a:ext>
-            </a:extLst>
-          </p:cNvPr>
-          <p:cNvSpPr/>
-          <p:nvPr/>
-        </p:nvSpPr>
-        <p:spPr>
-          <a:xfrm>
-            <a:off x="288146" y="5493211"/>
-            <a:ext cx="8398654" cy="646332"/>
-          </a:xfrm>
-          <a:prstGeom prst="rect">
-            <a:avLst/>
-          </a:prstGeom>
-        </p:spPr>
-        <p:style>
-          <a:lnRef idx="2">
-            <a:schemeClr val="accent1">
-              <a:shade val="50000"/>
-            </a:schemeClr>
-          </a:lnRef>
-          <a:fillRef idx="1">
-            <a:schemeClr val="accent1"/>
-          </a:fillRef>
-          <a:effectRef idx="0">
-            <a:schemeClr val="accent1"/>
-          </a:effectRef>
-          <a:fontRef idx="minor">
-            <a:schemeClr val="lt1"/>
-          </a:fontRef>
-        </p:style>
-        <p:txBody>
-          <a:bodyPr rtlCol="0" anchor="ctr"/>
-          <a:lstStyle/>
-          <a:p>
-            <a:pPr algn="ctr"/>
-            <a:r>
-              <a:rPr lang="en-US" dirty="0"/>
-              <a:t>When you collapse, all the information for a subject is considered one document.</a:t>
-            </a:r>
-          </a:p>
-        </p:txBody>
-      </p:sp>
     </p:spTree>
     <p:extLst>
       <p:ext uri="{BB962C8B-B14F-4D97-AF65-F5344CB8AC3E}">
@@ -10877,7 +8330,7 @@
 </p:sld>
 </file>
 
-<file path=ppt/slides/slide16.xml><?xml version="1.0" encoding="utf-8"?>
+<file path=ppt/slides/slide14.xml><?xml version="1.0" encoding="utf-8"?>
 <p:sld xmlns:a="http://schemas.openxmlformats.org/drawingml/2006/main" xmlns:r="http://schemas.openxmlformats.org/officeDocument/2006/relationships" xmlns:p="http://schemas.openxmlformats.org/presentationml/2006/main">
   <p:cSld>
     <p:spTree>
@@ -10912,7 +8365,7 @@
             <a:fld id="{6700A58B-DD98-43D0-B791-721480A02982}" type="datetime1">
               <a:rPr lang="en-US" smtClean="0"/>
               <a:pPr/>
-              <a:t>4/18/22</a:t>
+              <a:t>11/25/24</a:t>
             </a:fld>
             <a:endParaRPr lang="en-US"/>
           </a:p>
@@ -10935,7 +8388,7 @@
           <a:p>
             <a:r>
               <a:rPr lang="en-US"/>
-              <a:t>Manipulating multiple corpora</a:t>
+              <a:t>The new WC will examine inner and disjoins</a:t>
             </a:r>
             <a:endParaRPr lang="en-US" dirty="0"/>
           </a:p>
@@ -11089,1338 +8542,7 @@
             <a:fld id="{37290FF7-652B-4475-AEAB-8B1A5D23AE09}" type="slidenum">
               <a:rPr lang="en-US" smtClean="0"/>
               <a:pPr/>
-              <a:t>16</a:t>
-            </a:fld>
-            <a:endParaRPr lang="en-US"/>
-          </a:p>
-        </p:txBody>
-      </p:sp>
-      <p:pic>
-        <p:nvPicPr>
-          <p:cNvPr id="6" name="Picture 2" descr="Image result for document icon"/>
-          <p:cNvPicPr>
-            <a:picLocks noChangeAspect="1" noChangeArrowheads="1"/>
-          </p:cNvPicPr>
-          <p:nvPr/>
-        </p:nvPicPr>
-        <p:blipFill>
-          <a:blip r:embed="rId2" cstate="print">
-            <a:extLst>
-              <a:ext uri="{28A0092B-C50C-407E-A947-70E740481C1C}">
-                <a14:useLocalDpi xmlns:a14="http://schemas.microsoft.com/office/drawing/2010/main" val="0"/>
-              </a:ext>
-            </a:extLst>
-          </a:blip>
-          <a:srcRect/>
-          <a:stretch>
-            <a:fillRect/>
-          </a:stretch>
-        </p:blipFill>
-        <p:spPr bwMode="auto">
-          <a:xfrm>
-            <a:off x="6683560" y="1682660"/>
-            <a:ext cx="946096" cy="946096"/>
-          </a:xfrm>
-          <a:prstGeom prst="rect">
-            <a:avLst/>
-          </a:prstGeom>
-          <a:noFill/>
-          <a:extLst>
-            <a:ext uri="{909E8E84-426E-40DD-AFC4-6F175D3DCCD1}">
-              <a14:hiddenFill xmlns:a14="http://schemas.microsoft.com/office/drawing/2010/main">
-                <a:solidFill>
-                  <a:srgbClr val="FFFFFF"/>
-                </a:solidFill>
-              </a14:hiddenFill>
-            </a:ext>
-          </a:extLst>
-        </p:spPr>
-      </p:pic>
-      <p:sp>
-        <p:nvSpPr>
-          <p:cNvPr id="7" name="TextBox 6"/>
-          <p:cNvSpPr txBox="1"/>
-          <p:nvPr/>
-        </p:nvSpPr>
-        <p:spPr>
-          <a:xfrm>
-            <a:off x="7463651" y="1864431"/>
-            <a:ext cx="1080407" cy="646331"/>
-          </a:xfrm>
-          <a:prstGeom prst="rect">
-            <a:avLst/>
-          </a:prstGeom>
-          <a:noFill/>
-        </p:spPr>
-        <p:txBody>
-          <a:bodyPr wrap="square" rtlCol="0">
-            <a:spAutoFit/>
-          </a:bodyPr>
-          <a:lstStyle/>
-          <a:p>
-            <a:pPr algn="ctr"/>
-            <a:r>
-              <a:rPr lang="en-US" sz="1200" u="sng" dirty="0"/>
-              <a:t>Everything known about Chardonnay</a:t>
-            </a:r>
-          </a:p>
-        </p:txBody>
-      </p:sp>
-      <p:sp>
-        <p:nvSpPr>
-          <p:cNvPr id="8" name="TextBox 7"/>
-          <p:cNvSpPr txBox="1"/>
-          <p:nvPr/>
-        </p:nvSpPr>
-        <p:spPr>
-          <a:xfrm>
-            <a:off x="288146" y="1245022"/>
-            <a:ext cx="2729145" cy="369332"/>
-          </a:xfrm>
-          <a:prstGeom prst="rect">
-            <a:avLst/>
-          </a:prstGeom>
-          <a:noFill/>
-        </p:spPr>
-        <p:txBody>
-          <a:bodyPr wrap="none" rtlCol="0">
-            <a:spAutoFit/>
-          </a:bodyPr>
-          <a:lstStyle/>
-          <a:p>
-            <a:r>
-              <a:rPr lang="en-US" b="1" u="sng" dirty="0"/>
-              <a:t>chardonnay – 1000 Tweets</a:t>
-            </a:r>
-          </a:p>
-        </p:txBody>
-      </p:sp>
-      <p:grpSp>
-        <p:nvGrpSpPr>
-          <p:cNvPr id="9" name="Group 8"/>
-          <p:cNvGrpSpPr/>
-          <p:nvPr/>
-        </p:nvGrpSpPr>
-        <p:grpSpPr>
-          <a:xfrm>
-            <a:off x="-1" y="1599580"/>
-            <a:ext cx="3008243" cy="825575"/>
-            <a:chOff x="2393494" y="2948152"/>
-            <a:chExt cx="3008243" cy="825575"/>
-          </a:xfrm>
-        </p:grpSpPr>
-        <p:grpSp>
-          <p:nvGrpSpPr>
-            <p:cNvPr id="10" name="Group 9"/>
-            <p:cNvGrpSpPr/>
-            <p:nvPr/>
-          </p:nvGrpSpPr>
-          <p:grpSpPr>
-            <a:xfrm>
-              <a:off x="2511573" y="3074532"/>
-              <a:ext cx="2736003" cy="572814"/>
-              <a:chOff x="2538396" y="3039060"/>
-              <a:chExt cx="2736003" cy="572814"/>
-            </a:xfrm>
-          </p:grpSpPr>
-          <p:pic>
-            <p:nvPicPr>
-              <p:cNvPr id="12" name="Picture 2" descr="Image result for document icon"/>
-              <p:cNvPicPr>
-                <a:picLocks noChangeAspect="1" noChangeArrowheads="1"/>
-              </p:cNvPicPr>
-              <p:nvPr/>
-            </p:nvPicPr>
-            <p:blipFill>
-              <a:blip r:embed="rId2" cstate="print">
-                <a:extLst>
-                  <a:ext uri="{28A0092B-C50C-407E-A947-70E740481C1C}">
-                    <a14:useLocalDpi xmlns:a14="http://schemas.microsoft.com/office/drawing/2010/main" val="0"/>
-                  </a:ext>
-                </a:extLst>
-              </a:blip>
-              <a:srcRect/>
-              <a:stretch>
-                <a:fillRect/>
-              </a:stretch>
-            </p:blipFill>
-            <p:spPr bwMode="auto">
-              <a:xfrm>
-                <a:off x="3066941" y="3039060"/>
-                <a:ext cx="572814" cy="572814"/>
-              </a:xfrm>
-              <a:prstGeom prst="rect">
-                <a:avLst/>
-              </a:prstGeom>
-              <a:noFill/>
-              <a:extLst>
-                <a:ext uri="{909E8E84-426E-40DD-AFC4-6F175D3DCCD1}">
-                  <a14:hiddenFill xmlns:a14="http://schemas.microsoft.com/office/drawing/2010/main">
-                    <a:solidFill>
-                      <a:srgbClr val="FFFFFF"/>
-                    </a:solidFill>
-                  </a14:hiddenFill>
-                </a:ext>
-              </a:extLst>
-            </p:spPr>
-          </p:pic>
-          <p:pic>
-            <p:nvPicPr>
-              <p:cNvPr id="13" name="Picture 2" descr="Image result for document icon"/>
-              <p:cNvPicPr>
-                <a:picLocks noChangeAspect="1" noChangeArrowheads="1"/>
-              </p:cNvPicPr>
-              <p:nvPr/>
-            </p:nvPicPr>
-            <p:blipFill>
-              <a:blip r:embed="rId2" cstate="print">
-                <a:extLst>
-                  <a:ext uri="{28A0092B-C50C-407E-A947-70E740481C1C}">
-                    <a14:useLocalDpi xmlns:a14="http://schemas.microsoft.com/office/drawing/2010/main" val="0"/>
-                  </a:ext>
-                </a:extLst>
-              </a:blip>
-              <a:srcRect/>
-              <a:stretch>
-                <a:fillRect/>
-              </a:stretch>
-            </p:blipFill>
-            <p:spPr bwMode="auto">
-              <a:xfrm>
-                <a:off x="2538396" y="3039060"/>
-                <a:ext cx="572814" cy="572814"/>
-              </a:xfrm>
-              <a:prstGeom prst="rect">
-                <a:avLst/>
-              </a:prstGeom>
-              <a:noFill/>
-              <a:extLst>
-                <a:ext uri="{909E8E84-426E-40DD-AFC4-6F175D3DCCD1}">
-                  <a14:hiddenFill xmlns:a14="http://schemas.microsoft.com/office/drawing/2010/main">
-                    <a:solidFill>
-                      <a:srgbClr val="FFFFFF"/>
-                    </a:solidFill>
-                  </a14:hiddenFill>
-                </a:ext>
-              </a:extLst>
-            </p:spPr>
-          </p:pic>
-          <p:pic>
-            <p:nvPicPr>
-              <p:cNvPr id="14" name="Picture 2" descr="Image result for document icon"/>
-              <p:cNvPicPr>
-                <a:picLocks noChangeAspect="1" noChangeArrowheads="1"/>
-              </p:cNvPicPr>
-              <p:nvPr/>
-            </p:nvPicPr>
-            <p:blipFill>
-              <a:blip r:embed="rId2" cstate="print">
-                <a:extLst>
-                  <a:ext uri="{28A0092B-C50C-407E-A947-70E740481C1C}">
-                    <a14:useLocalDpi xmlns:a14="http://schemas.microsoft.com/office/drawing/2010/main" val="0"/>
-                  </a:ext>
-                </a:extLst>
-              </a:blip>
-              <a:srcRect/>
-              <a:stretch>
-                <a:fillRect/>
-              </a:stretch>
-            </p:blipFill>
-            <p:spPr bwMode="auto">
-              <a:xfrm>
-                <a:off x="4701585" y="3039060"/>
-                <a:ext cx="572814" cy="572814"/>
-              </a:xfrm>
-              <a:prstGeom prst="rect">
-                <a:avLst/>
-              </a:prstGeom>
-              <a:noFill/>
-              <a:extLst>
-                <a:ext uri="{909E8E84-426E-40DD-AFC4-6F175D3DCCD1}">
-                  <a14:hiddenFill xmlns:a14="http://schemas.microsoft.com/office/drawing/2010/main">
-                    <a:solidFill>
-                      <a:srgbClr val="FFFFFF"/>
-                    </a:solidFill>
-                  </a14:hiddenFill>
-                </a:ext>
-              </a:extLst>
-            </p:spPr>
-          </p:pic>
-          <p:pic>
-            <p:nvPicPr>
-              <p:cNvPr id="15" name="Picture 2" descr="Image result for document icon"/>
-              <p:cNvPicPr>
-                <a:picLocks noChangeAspect="1" noChangeArrowheads="1"/>
-              </p:cNvPicPr>
-              <p:nvPr/>
-            </p:nvPicPr>
-            <p:blipFill>
-              <a:blip r:embed="rId2" cstate="print">
-                <a:extLst>
-                  <a:ext uri="{28A0092B-C50C-407E-A947-70E740481C1C}">
-                    <a14:useLocalDpi xmlns:a14="http://schemas.microsoft.com/office/drawing/2010/main" val="0"/>
-                  </a:ext>
-                </a:extLst>
-              </a:blip>
-              <a:srcRect/>
-              <a:stretch>
-                <a:fillRect/>
-              </a:stretch>
-            </p:blipFill>
-            <p:spPr bwMode="auto">
-              <a:xfrm>
-                <a:off x="4186293" y="3039060"/>
-                <a:ext cx="572814" cy="572814"/>
-              </a:xfrm>
-              <a:prstGeom prst="rect">
-                <a:avLst/>
-              </a:prstGeom>
-              <a:noFill/>
-              <a:extLst>
-                <a:ext uri="{909E8E84-426E-40DD-AFC4-6F175D3DCCD1}">
-                  <a14:hiddenFill xmlns:a14="http://schemas.microsoft.com/office/drawing/2010/main">
-                    <a:solidFill>
-                      <a:srgbClr val="FFFFFF"/>
-                    </a:solidFill>
-                  </a14:hiddenFill>
-                </a:ext>
-              </a:extLst>
-            </p:spPr>
-          </p:pic>
-          <p:pic>
-            <p:nvPicPr>
-              <p:cNvPr id="16" name="Picture 2" descr="Image result for document icon"/>
-              <p:cNvPicPr>
-                <a:picLocks noChangeAspect="1" noChangeArrowheads="1"/>
-              </p:cNvPicPr>
-              <p:nvPr/>
-            </p:nvPicPr>
-            <p:blipFill>
-              <a:blip r:embed="rId2" cstate="print">
-                <a:extLst>
-                  <a:ext uri="{28A0092B-C50C-407E-A947-70E740481C1C}">
-                    <a14:useLocalDpi xmlns:a14="http://schemas.microsoft.com/office/drawing/2010/main" val="0"/>
-                  </a:ext>
-                </a:extLst>
-              </a:blip>
-              <a:srcRect/>
-              <a:stretch>
-                <a:fillRect/>
-              </a:stretch>
-            </p:blipFill>
-            <p:spPr bwMode="auto">
-              <a:xfrm>
-                <a:off x="3626617" y="3039060"/>
-                <a:ext cx="572814" cy="572814"/>
-              </a:xfrm>
-              <a:prstGeom prst="rect">
-                <a:avLst/>
-              </a:prstGeom>
-              <a:noFill/>
-              <a:extLst>
-                <a:ext uri="{909E8E84-426E-40DD-AFC4-6F175D3DCCD1}">
-                  <a14:hiddenFill xmlns:a14="http://schemas.microsoft.com/office/drawing/2010/main">
-                    <a:solidFill>
-                      <a:srgbClr val="FFFFFF"/>
-                    </a:solidFill>
-                  </a14:hiddenFill>
-                </a:ext>
-              </a:extLst>
-            </p:spPr>
-          </p:pic>
-        </p:grpSp>
-        <p:sp>
-          <p:nvSpPr>
-            <p:cNvPr id="11" name="Rounded Rectangle 10"/>
-            <p:cNvSpPr/>
-            <p:nvPr/>
-          </p:nvSpPr>
-          <p:spPr>
-            <a:xfrm>
-              <a:off x="2393494" y="2948152"/>
-              <a:ext cx="3008243" cy="825575"/>
-            </a:xfrm>
-            <a:prstGeom prst="roundRect">
-              <a:avLst/>
-            </a:prstGeom>
-            <a:noFill/>
-            <a:ln>
-              <a:solidFill>
-                <a:srgbClr val="FFC000"/>
-              </a:solidFill>
-            </a:ln>
-          </p:spPr>
-          <p:style>
-            <a:lnRef idx="2">
-              <a:schemeClr val="accent1">
-                <a:shade val="50000"/>
-              </a:schemeClr>
-            </a:lnRef>
-            <a:fillRef idx="1">
-              <a:schemeClr val="accent1"/>
-            </a:fillRef>
-            <a:effectRef idx="0">
-              <a:schemeClr val="accent1"/>
-            </a:effectRef>
-            <a:fontRef idx="minor">
-              <a:schemeClr val="lt1"/>
-            </a:fontRef>
-          </p:style>
-          <p:txBody>
-            <a:bodyPr rtlCol="0" anchor="ctr"/>
-            <a:lstStyle/>
-            <a:p>
-              <a:pPr algn="ctr"/>
-              <a:endParaRPr lang="en-US"/>
-            </a:p>
-          </p:txBody>
-        </p:sp>
-      </p:grpSp>
-      <p:sp>
-        <p:nvSpPr>
-          <p:cNvPr id="17" name="TextBox 16"/>
-          <p:cNvSpPr txBox="1"/>
-          <p:nvPr/>
-        </p:nvSpPr>
-        <p:spPr>
-          <a:xfrm>
-            <a:off x="292955" y="3187610"/>
-            <a:ext cx="2040430" cy="369332"/>
-          </a:xfrm>
-          <a:prstGeom prst="rect">
-            <a:avLst/>
-          </a:prstGeom>
-          <a:noFill/>
-        </p:spPr>
-        <p:txBody>
-          <a:bodyPr wrap="none" rtlCol="0">
-            <a:spAutoFit/>
-          </a:bodyPr>
-          <a:lstStyle/>
-          <a:p>
-            <a:r>
-              <a:rPr lang="en-US" b="1" u="sng" dirty="0"/>
-              <a:t>beer – 1000 Tweets</a:t>
-            </a:r>
-          </a:p>
-        </p:txBody>
-      </p:sp>
-      <p:sp>
-        <p:nvSpPr>
-          <p:cNvPr id="27" name="Right Arrow 26"/>
-          <p:cNvSpPr/>
-          <p:nvPr/>
-        </p:nvSpPr>
-        <p:spPr>
-          <a:xfrm>
-            <a:off x="3151392" y="1647844"/>
-            <a:ext cx="3058511" cy="693683"/>
-          </a:xfrm>
-          <a:prstGeom prst="rightArrow">
-            <a:avLst/>
-          </a:prstGeom>
-          <a:solidFill>
-            <a:schemeClr val="accent6">
-              <a:lumMod val="60000"/>
-              <a:lumOff val="40000"/>
-            </a:schemeClr>
-          </a:solidFill>
-          <a:ln>
-            <a:noFill/>
-          </a:ln>
-        </p:spPr>
-        <p:style>
-          <a:lnRef idx="2">
-            <a:schemeClr val="accent1">
-              <a:shade val="50000"/>
-            </a:schemeClr>
-          </a:lnRef>
-          <a:fillRef idx="1">
-            <a:schemeClr val="accent1"/>
-          </a:fillRef>
-          <a:effectRef idx="0">
-            <a:schemeClr val="accent1"/>
-          </a:effectRef>
-          <a:fontRef idx="minor">
-            <a:schemeClr val="lt1"/>
-          </a:fontRef>
-        </p:style>
-        <p:txBody>
-          <a:bodyPr rtlCol="0" anchor="ctr"/>
-          <a:lstStyle/>
-          <a:p>
-            <a:pPr algn="ctr"/>
-            <a:r>
-              <a:rPr lang="en-US" dirty="0"/>
-              <a:t>Clean &amp; Collapse</a:t>
-            </a:r>
-          </a:p>
-        </p:txBody>
-      </p:sp>
-      <p:sp>
-        <p:nvSpPr>
-          <p:cNvPr id="28" name="Right Arrow 27"/>
-          <p:cNvSpPr/>
-          <p:nvPr/>
-        </p:nvSpPr>
-        <p:spPr>
-          <a:xfrm>
-            <a:off x="3124888" y="3567127"/>
-            <a:ext cx="3058511" cy="693683"/>
-          </a:xfrm>
-          <a:prstGeom prst="rightArrow">
-            <a:avLst/>
-          </a:prstGeom>
-          <a:solidFill>
-            <a:schemeClr val="accent6">
-              <a:lumMod val="60000"/>
-              <a:lumOff val="40000"/>
-            </a:schemeClr>
-          </a:solidFill>
-          <a:ln>
-            <a:noFill/>
-          </a:ln>
-        </p:spPr>
-        <p:style>
-          <a:lnRef idx="2">
-            <a:schemeClr val="accent1">
-              <a:shade val="50000"/>
-            </a:schemeClr>
-          </a:lnRef>
-          <a:fillRef idx="1">
-            <a:schemeClr val="accent1"/>
-          </a:fillRef>
-          <a:effectRef idx="0">
-            <a:schemeClr val="accent1"/>
-          </a:effectRef>
-          <a:fontRef idx="minor">
-            <a:schemeClr val="lt1"/>
-          </a:fontRef>
-        </p:style>
-        <p:txBody>
-          <a:bodyPr rtlCol="0" anchor="ctr"/>
-          <a:lstStyle/>
-          <a:p>
-            <a:pPr algn="ctr"/>
-            <a:r>
-              <a:rPr lang="en-US" dirty="0"/>
-              <a:t>Clean &amp; Collapse</a:t>
-            </a:r>
-          </a:p>
-        </p:txBody>
-      </p:sp>
-      <p:sp>
-        <p:nvSpPr>
-          <p:cNvPr id="29" name="Rounded Rectangle 28"/>
-          <p:cNvSpPr/>
-          <p:nvPr/>
-        </p:nvSpPr>
-        <p:spPr>
-          <a:xfrm>
-            <a:off x="6738823" y="1612599"/>
-            <a:ext cx="1749972" cy="3038914"/>
-          </a:xfrm>
-          <a:prstGeom prst="roundRect">
-            <a:avLst/>
-          </a:prstGeom>
-          <a:noFill/>
-          <a:ln>
-            <a:solidFill>
-              <a:srgbClr val="FFC000"/>
-            </a:solidFill>
-          </a:ln>
-        </p:spPr>
-        <p:style>
-          <a:lnRef idx="2">
-            <a:schemeClr val="accent1">
-              <a:shade val="50000"/>
-            </a:schemeClr>
-          </a:lnRef>
-          <a:fillRef idx="1">
-            <a:schemeClr val="accent1"/>
-          </a:fillRef>
-          <a:effectRef idx="0">
-            <a:schemeClr val="accent1"/>
-          </a:effectRef>
-          <a:fontRef idx="minor">
-            <a:schemeClr val="lt1"/>
-          </a:fontRef>
-        </p:style>
-        <p:txBody>
-          <a:bodyPr rtlCol="0" anchor="ctr"/>
-          <a:lstStyle/>
-          <a:p>
-            <a:pPr algn="ctr"/>
-            <a:endParaRPr lang="en-US"/>
-          </a:p>
-        </p:txBody>
-      </p:sp>
-      <p:pic>
-        <p:nvPicPr>
-          <p:cNvPr id="30" name="Picture 2" descr="Image result for document icon"/>
-          <p:cNvPicPr>
-            <a:picLocks noChangeAspect="1" noChangeArrowheads="1"/>
-          </p:cNvPicPr>
-          <p:nvPr/>
-        </p:nvPicPr>
-        <p:blipFill>
-          <a:blip r:embed="rId2" cstate="print">
-            <a:extLst>
-              <a:ext uri="{28A0092B-C50C-407E-A947-70E740481C1C}">
-                <a14:useLocalDpi xmlns:a14="http://schemas.microsoft.com/office/drawing/2010/main" val="0"/>
-              </a:ext>
-            </a:extLst>
-          </a:blip>
-          <a:srcRect/>
-          <a:stretch>
-            <a:fillRect/>
-          </a:stretch>
-        </p:blipFill>
-        <p:spPr bwMode="auto">
-          <a:xfrm>
-            <a:off x="6695053" y="3486135"/>
-            <a:ext cx="946096" cy="946096"/>
-          </a:xfrm>
-          <a:prstGeom prst="rect">
-            <a:avLst/>
-          </a:prstGeom>
-          <a:noFill/>
-          <a:extLst>
-            <a:ext uri="{909E8E84-426E-40DD-AFC4-6F175D3DCCD1}">
-              <a14:hiddenFill xmlns:a14="http://schemas.microsoft.com/office/drawing/2010/main">
-                <a:solidFill>
-                  <a:srgbClr val="FFFFFF"/>
-                </a:solidFill>
-              </a14:hiddenFill>
-            </a:ext>
-          </a:extLst>
-        </p:spPr>
-      </p:pic>
-      <p:cxnSp>
-        <p:nvCxnSpPr>
-          <p:cNvPr id="31" name="Straight Connector 30">
-            <a:extLst>
-              <a:ext uri="{FF2B5EF4-FFF2-40B4-BE49-F238E27FC236}">
-                <a16:creationId xmlns:a16="http://schemas.microsoft.com/office/drawing/2014/main" id="{2EC3254C-1925-7F41-8A43-DBAC6D44A709}"/>
-              </a:ext>
-            </a:extLst>
-          </p:cNvPr>
-          <p:cNvCxnSpPr/>
-          <p:nvPr/>
-        </p:nvCxnSpPr>
-        <p:spPr>
-          <a:xfrm>
-            <a:off x="6798363" y="6549885"/>
-            <a:ext cx="0" cy="182880"/>
-          </a:xfrm>
-          <a:prstGeom prst="line">
-            <a:avLst/>
-          </a:prstGeom>
-          <a:ln>
-            <a:solidFill>
-              <a:schemeClr val="bg1">
-                <a:lumMod val="85000"/>
-              </a:schemeClr>
-            </a:solidFill>
-          </a:ln>
-        </p:spPr>
-        <p:style>
-          <a:lnRef idx="1">
-            <a:schemeClr val="accent1"/>
-          </a:lnRef>
-          <a:fillRef idx="0">
-            <a:schemeClr val="accent1"/>
-          </a:fillRef>
-          <a:effectRef idx="0">
-            <a:schemeClr val="accent1"/>
-          </a:effectRef>
-          <a:fontRef idx="minor">
-            <a:schemeClr val="tx1"/>
-          </a:fontRef>
-        </p:style>
-      </p:cxnSp>
-      <p:cxnSp>
-        <p:nvCxnSpPr>
-          <p:cNvPr id="32" name="Straight Connector 31">
-            <a:extLst>
-              <a:ext uri="{FF2B5EF4-FFF2-40B4-BE49-F238E27FC236}">
-                <a16:creationId xmlns:a16="http://schemas.microsoft.com/office/drawing/2014/main" id="{CD7B3A5F-49B5-1648-A77E-C5C4D988FD47}"/>
-              </a:ext>
-            </a:extLst>
-          </p:cNvPr>
-          <p:cNvCxnSpPr/>
-          <p:nvPr/>
-        </p:nvCxnSpPr>
-        <p:spPr>
-          <a:xfrm>
-            <a:off x="7076661" y="4664763"/>
-            <a:ext cx="182880" cy="0"/>
-          </a:xfrm>
-          <a:prstGeom prst="line">
-            <a:avLst/>
-          </a:prstGeom>
-          <a:ln>
-            <a:solidFill>
-              <a:schemeClr val="bg1">
-                <a:lumMod val="85000"/>
-              </a:schemeClr>
-            </a:solidFill>
-          </a:ln>
-        </p:spPr>
-        <p:style>
-          <a:lnRef idx="1">
-            <a:schemeClr val="accent1"/>
-          </a:lnRef>
-          <a:fillRef idx="0">
-            <a:schemeClr val="accent1"/>
-          </a:fillRef>
-          <a:effectRef idx="0">
-            <a:schemeClr val="accent1"/>
-          </a:effectRef>
-          <a:fontRef idx="minor">
-            <a:schemeClr val="tx1"/>
-          </a:fontRef>
-        </p:style>
-      </p:cxnSp>
-      <p:grpSp>
-        <p:nvGrpSpPr>
-          <p:cNvPr id="39" name="Group 38">
-            <a:extLst>
-              <a:ext uri="{FF2B5EF4-FFF2-40B4-BE49-F238E27FC236}">
-                <a16:creationId xmlns:a16="http://schemas.microsoft.com/office/drawing/2014/main" id="{D73FE44A-9F88-734F-8D23-FFB10CFA7D60}"/>
-              </a:ext>
-            </a:extLst>
-          </p:cNvPr>
-          <p:cNvGrpSpPr/>
-          <p:nvPr/>
-        </p:nvGrpSpPr>
-        <p:grpSpPr>
-          <a:xfrm>
-            <a:off x="0" y="3527766"/>
-            <a:ext cx="3008243" cy="825575"/>
-            <a:chOff x="2393494" y="2948152"/>
-            <a:chExt cx="3008243" cy="825575"/>
-          </a:xfrm>
-        </p:grpSpPr>
-        <p:grpSp>
-          <p:nvGrpSpPr>
-            <p:cNvPr id="40" name="Group 39">
-              <a:extLst>
-                <a:ext uri="{FF2B5EF4-FFF2-40B4-BE49-F238E27FC236}">
-                  <a16:creationId xmlns:a16="http://schemas.microsoft.com/office/drawing/2014/main" id="{67D4849A-1539-984E-9B85-8F70502119D9}"/>
-                </a:ext>
-              </a:extLst>
-            </p:cNvPr>
-            <p:cNvGrpSpPr/>
-            <p:nvPr/>
-          </p:nvGrpSpPr>
-          <p:grpSpPr>
-            <a:xfrm>
-              <a:off x="2511573" y="3074532"/>
-              <a:ext cx="2736003" cy="572814"/>
-              <a:chOff x="2538396" y="3039060"/>
-              <a:chExt cx="2736003" cy="572814"/>
-            </a:xfrm>
-          </p:grpSpPr>
-          <p:pic>
-            <p:nvPicPr>
-              <p:cNvPr id="42" name="Picture 2" descr="Image result for document icon">
-                <a:extLst>
-                  <a:ext uri="{FF2B5EF4-FFF2-40B4-BE49-F238E27FC236}">
-                    <a16:creationId xmlns:a16="http://schemas.microsoft.com/office/drawing/2014/main" id="{E8F73898-D105-984F-A07C-C1875831E915}"/>
-                  </a:ext>
-                </a:extLst>
-              </p:cNvPr>
-              <p:cNvPicPr>
-                <a:picLocks noChangeAspect="1" noChangeArrowheads="1"/>
-              </p:cNvPicPr>
-              <p:nvPr/>
-            </p:nvPicPr>
-            <p:blipFill>
-              <a:blip r:embed="rId2" cstate="print">
-                <a:extLst>
-                  <a:ext uri="{28A0092B-C50C-407E-A947-70E740481C1C}">
-                    <a14:useLocalDpi xmlns:a14="http://schemas.microsoft.com/office/drawing/2010/main" val="0"/>
-                  </a:ext>
-                </a:extLst>
-              </a:blip>
-              <a:srcRect/>
-              <a:stretch>
-                <a:fillRect/>
-              </a:stretch>
-            </p:blipFill>
-            <p:spPr bwMode="auto">
-              <a:xfrm>
-                <a:off x="3066941" y="3039060"/>
-                <a:ext cx="572814" cy="572814"/>
-              </a:xfrm>
-              <a:prstGeom prst="rect">
-                <a:avLst/>
-              </a:prstGeom>
-              <a:noFill/>
-              <a:extLst>
-                <a:ext uri="{909E8E84-426E-40DD-AFC4-6F175D3DCCD1}">
-                  <a14:hiddenFill xmlns:a14="http://schemas.microsoft.com/office/drawing/2010/main">
-                    <a:solidFill>
-                      <a:srgbClr val="FFFFFF"/>
-                    </a:solidFill>
-                  </a14:hiddenFill>
-                </a:ext>
-              </a:extLst>
-            </p:spPr>
-          </p:pic>
-          <p:pic>
-            <p:nvPicPr>
-              <p:cNvPr id="43" name="Picture 2" descr="Image result for document icon">
-                <a:extLst>
-                  <a:ext uri="{FF2B5EF4-FFF2-40B4-BE49-F238E27FC236}">
-                    <a16:creationId xmlns:a16="http://schemas.microsoft.com/office/drawing/2014/main" id="{EFB51C31-6582-6C48-ADE8-54D7BE0C1CE1}"/>
-                  </a:ext>
-                </a:extLst>
-              </p:cNvPr>
-              <p:cNvPicPr>
-                <a:picLocks noChangeAspect="1" noChangeArrowheads="1"/>
-              </p:cNvPicPr>
-              <p:nvPr/>
-            </p:nvPicPr>
-            <p:blipFill>
-              <a:blip r:embed="rId2" cstate="print">
-                <a:extLst>
-                  <a:ext uri="{28A0092B-C50C-407E-A947-70E740481C1C}">
-                    <a14:useLocalDpi xmlns:a14="http://schemas.microsoft.com/office/drawing/2010/main" val="0"/>
-                  </a:ext>
-                </a:extLst>
-              </a:blip>
-              <a:srcRect/>
-              <a:stretch>
-                <a:fillRect/>
-              </a:stretch>
-            </p:blipFill>
-            <p:spPr bwMode="auto">
-              <a:xfrm>
-                <a:off x="2538396" y="3039060"/>
-                <a:ext cx="572814" cy="572814"/>
-              </a:xfrm>
-              <a:prstGeom prst="rect">
-                <a:avLst/>
-              </a:prstGeom>
-              <a:noFill/>
-              <a:extLst>
-                <a:ext uri="{909E8E84-426E-40DD-AFC4-6F175D3DCCD1}">
-                  <a14:hiddenFill xmlns:a14="http://schemas.microsoft.com/office/drawing/2010/main">
-                    <a:solidFill>
-                      <a:srgbClr val="FFFFFF"/>
-                    </a:solidFill>
-                  </a14:hiddenFill>
-                </a:ext>
-              </a:extLst>
-            </p:spPr>
-          </p:pic>
-          <p:pic>
-            <p:nvPicPr>
-              <p:cNvPr id="44" name="Picture 2" descr="Image result for document icon">
-                <a:extLst>
-                  <a:ext uri="{FF2B5EF4-FFF2-40B4-BE49-F238E27FC236}">
-                    <a16:creationId xmlns:a16="http://schemas.microsoft.com/office/drawing/2014/main" id="{0C71A069-BF77-AC46-ACFD-392DA1ED3715}"/>
-                  </a:ext>
-                </a:extLst>
-              </p:cNvPr>
-              <p:cNvPicPr>
-                <a:picLocks noChangeAspect="1" noChangeArrowheads="1"/>
-              </p:cNvPicPr>
-              <p:nvPr/>
-            </p:nvPicPr>
-            <p:blipFill>
-              <a:blip r:embed="rId2" cstate="print">
-                <a:extLst>
-                  <a:ext uri="{28A0092B-C50C-407E-A947-70E740481C1C}">
-                    <a14:useLocalDpi xmlns:a14="http://schemas.microsoft.com/office/drawing/2010/main" val="0"/>
-                  </a:ext>
-                </a:extLst>
-              </a:blip>
-              <a:srcRect/>
-              <a:stretch>
-                <a:fillRect/>
-              </a:stretch>
-            </p:blipFill>
-            <p:spPr bwMode="auto">
-              <a:xfrm>
-                <a:off x="4701585" y="3039060"/>
-                <a:ext cx="572814" cy="572814"/>
-              </a:xfrm>
-              <a:prstGeom prst="rect">
-                <a:avLst/>
-              </a:prstGeom>
-              <a:noFill/>
-              <a:extLst>
-                <a:ext uri="{909E8E84-426E-40DD-AFC4-6F175D3DCCD1}">
-                  <a14:hiddenFill xmlns:a14="http://schemas.microsoft.com/office/drawing/2010/main">
-                    <a:solidFill>
-                      <a:srgbClr val="FFFFFF"/>
-                    </a:solidFill>
-                  </a14:hiddenFill>
-                </a:ext>
-              </a:extLst>
-            </p:spPr>
-          </p:pic>
-          <p:pic>
-            <p:nvPicPr>
-              <p:cNvPr id="45" name="Picture 2" descr="Image result for document icon">
-                <a:extLst>
-                  <a:ext uri="{FF2B5EF4-FFF2-40B4-BE49-F238E27FC236}">
-                    <a16:creationId xmlns:a16="http://schemas.microsoft.com/office/drawing/2014/main" id="{13C7D2AF-2006-AC47-87B0-02A4E90D693B}"/>
-                  </a:ext>
-                </a:extLst>
-              </p:cNvPr>
-              <p:cNvPicPr>
-                <a:picLocks noChangeAspect="1" noChangeArrowheads="1"/>
-              </p:cNvPicPr>
-              <p:nvPr/>
-            </p:nvPicPr>
-            <p:blipFill>
-              <a:blip r:embed="rId2" cstate="print">
-                <a:extLst>
-                  <a:ext uri="{28A0092B-C50C-407E-A947-70E740481C1C}">
-                    <a14:useLocalDpi xmlns:a14="http://schemas.microsoft.com/office/drawing/2010/main" val="0"/>
-                  </a:ext>
-                </a:extLst>
-              </a:blip>
-              <a:srcRect/>
-              <a:stretch>
-                <a:fillRect/>
-              </a:stretch>
-            </p:blipFill>
-            <p:spPr bwMode="auto">
-              <a:xfrm>
-                <a:off x="4186293" y="3039060"/>
-                <a:ext cx="572814" cy="572814"/>
-              </a:xfrm>
-              <a:prstGeom prst="rect">
-                <a:avLst/>
-              </a:prstGeom>
-              <a:noFill/>
-              <a:extLst>
-                <a:ext uri="{909E8E84-426E-40DD-AFC4-6F175D3DCCD1}">
-                  <a14:hiddenFill xmlns:a14="http://schemas.microsoft.com/office/drawing/2010/main">
-                    <a:solidFill>
-                      <a:srgbClr val="FFFFFF"/>
-                    </a:solidFill>
-                  </a14:hiddenFill>
-                </a:ext>
-              </a:extLst>
-            </p:spPr>
-          </p:pic>
-          <p:pic>
-            <p:nvPicPr>
-              <p:cNvPr id="46" name="Picture 2" descr="Image result for document icon">
-                <a:extLst>
-                  <a:ext uri="{FF2B5EF4-FFF2-40B4-BE49-F238E27FC236}">
-                    <a16:creationId xmlns:a16="http://schemas.microsoft.com/office/drawing/2014/main" id="{C95E6A5F-5399-AA49-B02B-E59FEA5E1A29}"/>
-                  </a:ext>
-                </a:extLst>
-              </p:cNvPr>
-              <p:cNvPicPr>
-                <a:picLocks noChangeAspect="1" noChangeArrowheads="1"/>
-              </p:cNvPicPr>
-              <p:nvPr/>
-            </p:nvPicPr>
-            <p:blipFill>
-              <a:blip r:embed="rId2" cstate="print">
-                <a:extLst>
-                  <a:ext uri="{28A0092B-C50C-407E-A947-70E740481C1C}">
-                    <a14:useLocalDpi xmlns:a14="http://schemas.microsoft.com/office/drawing/2010/main" val="0"/>
-                  </a:ext>
-                </a:extLst>
-              </a:blip>
-              <a:srcRect/>
-              <a:stretch>
-                <a:fillRect/>
-              </a:stretch>
-            </p:blipFill>
-            <p:spPr bwMode="auto">
-              <a:xfrm>
-                <a:off x="3626617" y="3039060"/>
-                <a:ext cx="572814" cy="572814"/>
-              </a:xfrm>
-              <a:prstGeom prst="rect">
-                <a:avLst/>
-              </a:prstGeom>
-              <a:noFill/>
-              <a:extLst>
-                <a:ext uri="{909E8E84-426E-40DD-AFC4-6F175D3DCCD1}">
-                  <a14:hiddenFill xmlns:a14="http://schemas.microsoft.com/office/drawing/2010/main">
-                    <a:solidFill>
-                      <a:srgbClr val="FFFFFF"/>
-                    </a:solidFill>
-                  </a14:hiddenFill>
-                </a:ext>
-              </a:extLst>
-            </p:spPr>
-          </p:pic>
-        </p:grpSp>
-        <p:sp>
-          <p:nvSpPr>
-            <p:cNvPr id="41" name="Rounded Rectangle 40">
-              <a:extLst>
-                <a:ext uri="{FF2B5EF4-FFF2-40B4-BE49-F238E27FC236}">
-                  <a16:creationId xmlns:a16="http://schemas.microsoft.com/office/drawing/2014/main" id="{71EDE7D1-6797-9149-A68F-D69F9135976A}"/>
-                </a:ext>
-              </a:extLst>
-            </p:cNvPr>
-            <p:cNvSpPr/>
-            <p:nvPr/>
-          </p:nvSpPr>
-          <p:spPr>
-            <a:xfrm>
-              <a:off x="2393494" y="2948152"/>
-              <a:ext cx="3008243" cy="825575"/>
-            </a:xfrm>
-            <a:prstGeom prst="roundRect">
-              <a:avLst/>
-            </a:prstGeom>
-            <a:noFill/>
-            <a:ln>
-              <a:solidFill>
-                <a:srgbClr val="FFC000"/>
-              </a:solidFill>
-            </a:ln>
-          </p:spPr>
-          <p:style>
-            <a:lnRef idx="2">
-              <a:schemeClr val="accent1">
-                <a:shade val="50000"/>
-              </a:schemeClr>
-            </a:lnRef>
-            <a:fillRef idx="1">
-              <a:schemeClr val="accent1"/>
-            </a:fillRef>
-            <a:effectRef idx="0">
-              <a:schemeClr val="accent1"/>
-            </a:effectRef>
-            <a:fontRef idx="minor">
-              <a:schemeClr val="lt1"/>
-            </a:fontRef>
-          </p:style>
-          <p:txBody>
-            <a:bodyPr rtlCol="0" anchor="ctr"/>
-            <a:lstStyle/>
-            <a:p>
-              <a:pPr algn="ctr"/>
-              <a:endParaRPr lang="en-US"/>
-            </a:p>
-          </p:txBody>
-        </p:sp>
-      </p:grpSp>
-      <p:sp>
-        <p:nvSpPr>
-          <p:cNvPr id="18" name="Rectangle 17">
-            <a:extLst>
-              <a:ext uri="{FF2B5EF4-FFF2-40B4-BE49-F238E27FC236}">
-                <a16:creationId xmlns:a16="http://schemas.microsoft.com/office/drawing/2014/main" id="{A8CE1D7E-F7B7-1346-856F-966F0B0F0274}"/>
-              </a:ext>
-            </a:extLst>
-          </p:cNvPr>
-          <p:cNvSpPr/>
-          <p:nvPr/>
-        </p:nvSpPr>
-        <p:spPr>
-          <a:xfrm>
-            <a:off x="288146" y="5493211"/>
-            <a:ext cx="8398654" cy="646332"/>
-          </a:xfrm>
-          <a:prstGeom prst="rect">
-            <a:avLst/>
-          </a:prstGeom>
-        </p:spPr>
-        <p:style>
-          <a:lnRef idx="2">
-            <a:schemeClr val="accent1">
-              <a:shade val="50000"/>
-            </a:schemeClr>
-          </a:lnRef>
-          <a:fillRef idx="1">
-            <a:schemeClr val="accent1"/>
-          </a:fillRef>
-          <a:effectRef idx="0">
-            <a:schemeClr val="accent1"/>
-          </a:effectRef>
-          <a:fontRef idx="minor">
-            <a:schemeClr val="lt1"/>
-          </a:fontRef>
-        </p:style>
-        <p:txBody>
-          <a:bodyPr rtlCol="0" anchor="ctr"/>
-          <a:lstStyle/>
-          <a:p>
-            <a:pPr algn="ctr"/>
-            <a:r>
-              <a:rPr lang="en-US" dirty="0"/>
-              <a:t>We now have 2 documents, not 2000.  Document 1 is everything we know about chardonnay and document 2 is everything we know about beer.</a:t>
-            </a:r>
-          </a:p>
-        </p:txBody>
-      </p:sp>
-      <p:sp>
-        <p:nvSpPr>
-          <p:cNvPr id="33" name="TextBox 32">
-            <a:extLst>
-              <a:ext uri="{FF2B5EF4-FFF2-40B4-BE49-F238E27FC236}">
-                <a16:creationId xmlns:a16="http://schemas.microsoft.com/office/drawing/2014/main" id="{5C9C7D55-EE49-EF49-8AB6-26BB4A3BE7F2}"/>
-              </a:ext>
-            </a:extLst>
-          </p:cNvPr>
-          <p:cNvSpPr txBox="1"/>
-          <p:nvPr/>
-        </p:nvSpPr>
-        <p:spPr>
-          <a:xfrm>
-            <a:off x="7452158" y="3667906"/>
-            <a:ext cx="1080407" cy="646331"/>
-          </a:xfrm>
-          <a:prstGeom prst="rect">
-            <a:avLst/>
-          </a:prstGeom>
-          <a:noFill/>
-        </p:spPr>
-        <p:txBody>
-          <a:bodyPr wrap="square" rtlCol="0">
-            <a:spAutoFit/>
-          </a:bodyPr>
-          <a:lstStyle/>
-          <a:p>
-            <a:pPr algn="ctr"/>
-            <a:r>
-              <a:rPr lang="en-US" sz="1200" u="sng" dirty="0"/>
-              <a:t>Everything known about Beer</a:t>
-            </a:r>
-          </a:p>
-        </p:txBody>
-      </p:sp>
-    </p:spTree>
-    <p:extLst>
-      <p:ext uri="{BB962C8B-B14F-4D97-AF65-F5344CB8AC3E}">
-        <p14:creationId xmlns:p14="http://schemas.microsoft.com/office/powerpoint/2010/main" val="3856199520"/>
-      </p:ext>
-    </p:extLst>
-  </p:cSld>
-  <p:clrMapOvr>
-    <a:masterClrMapping/>
-  </p:clrMapOvr>
-</p:sld>
-</file>
-
-<file path=ppt/slides/slide17.xml><?xml version="1.0" encoding="utf-8"?>
-<p:sld xmlns:a="http://schemas.openxmlformats.org/drawingml/2006/main" xmlns:r="http://schemas.openxmlformats.org/officeDocument/2006/relationships" xmlns:p="http://schemas.openxmlformats.org/presentationml/2006/main">
-  <p:cSld>
-    <p:spTree>
-      <p:nvGrpSpPr>
-        <p:cNvPr id="1" name=""/>
-        <p:cNvGrpSpPr/>
-        <p:nvPr/>
-      </p:nvGrpSpPr>
-      <p:grpSpPr>
-        <a:xfrm>
-          <a:off x="0" y="0"/>
-          <a:ext cx="0" cy="0"/>
-          <a:chOff x="0" y="0"/>
-          <a:chExt cx="0" cy="0"/>
-        </a:xfrm>
-      </p:grpSpPr>
-      <p:sp>
-        <p:nvSpPr>
-          <p:cNvPr id="2" name="Date Placeholder 1"/>
-          <p:cNvSpPr>
-            <a:spLocks noGrp="1"/>
-          </p:cNvSpPr>
-          <p:nvPr>
-            <p:ph type="dt" sz="half" idx="10"/>
-          </p:nvPr>
-        </p:nvSpPr>
-        <p:spPr/>
-        <p:txBody>
-          <a:bodyPr/>
-          <a:lstStyle/>
-          <a:p>
-            <a:fld id="{6700A58B-DD98-43D0-B791-721480A02982}" type="datetime1">
-              <a:rPr lang="en-US" smtClean="0"/>
-              <a:pPr/>
-              <a:t>4/18/22</a:t>
-            </a:fld>
-            <a:endParaRPr lang="en-US"/>
-          </a:p>
-        </p:txBody>
-      </p:sp>
-      <p:sp>
-        <p:nvSpPr>
-          <p:cNvPr id="3" name="Title 2"/>
-          <p:cNvSpPr>
-            <a:spLocks noGrp="1"/>
-          </p:cNvSpPr>
-          <p:nvPr>
-            <p:ph type="title"/>
-          </p:nvPr>
-        </p:nvSpPr>
-        <p:spPr/>
-        <p:txBody>
-          <a:bodyPr/>
-          <a:lstStyle/>
-          <a:p>
-            <a:r>
-              <a:rPr lang="en-US" dirty="0"/>
-              <a:t>The new WC will examine inner and disjoints</a:t>
-            </a:r>
-          </a:p>
-        </p:txBody>
-      </p:sp>
-      <p:sp>
-        <p:nvSpPr>
-          <p:cNvPr id="5" name="Footer Placeholder 4"/>
-          <p:cNvSpPr>
-            <a:spLocks noGrp="1"/>
-          </p:cNvSpPr>
-          <p:nvPr>
-            <p:ph type="ftr" sz="quarter" idx="3"/>
-          </p:nvPr>
-        </p:nvSpPr>
-        <p:spPr/>
-        <p:txBody>
-          <a:bodyPr/>
-          <a:lstStyle/>
-          <a:p>
-            <a:r>
-              <a:rPr lang="en-US"/>
-              <a:t>Kwartler</a:t>
-            </a:r>
-            <a:endParaRPr lang="en-US" dirty="0"/>
-          </a:p>
-        </p:txBody>
-      </p:sp>
-      <p:sp>
-        <p:nvSpPr>
-          <p:cNvPr id="4" name="Slide Number Placeholder 3"/>
-          <p:cNvSpPr>
-            <a:spLocks noGrp="1"/>
-          </p:cNvSpPr>
-          <p:nvPr>
-            <p:ph type="sldNum" sz="quarter" idx="4"/>
-          </p:nvPr>
-        </p:nvSpPr>
-        <p:spPr>
-          <a:xfrm>
-            <a:off x="7245743" y="6356351"/>
-            <a:ext cx="857250" cy="365125"/>
-          </a:xfrm>
-          <a:prstGeom prst="rect">
-            <a:avLst/>
-          </a:prstGeom>
-        </p:spPr>
-        <p:txBody>
-          <a:bodyPr/>
-          <a:lstStyle>
-            <a:defPPr>
-              <a:defRPr lang="en-US"/>
-            </a:defPPr>
-            <a:lvl1pPr marL="0" algn="l" defTabSz="914400" rtl="0" eaLnBrk="1" latinLnBrk="0" hangingPunct="1">
-              <a:lnSpc>
-                <a:spcPct val="200000"/>
-              </a:lnSpc>
-              <a:defRPr lang="en-US" sz="900" kern="1200" smtClean="0">
-                <a:solidFill>
-                  <a:schemeClr val="tx1">
-                    <a:tint val="75000"/>
-                  </a:schemeClr>
-                </a:solidFill>
-                <a:latin typeface="+mn-lt"/>
-                <a:ea typeface="+mn-ea"/>
-                <a:cs typeface="+mn-cs"/>
-              </a:defRPr>
-            </a:lvl1pPr>
-            <a:lvl2pPr marL="457200" algn="l" defTabSz="914400" rtl="0" eaLnBrk="1" latinLnBrk="0" hangingPunct="1">
-              <a:defRPr sz="1800" kern="1200">
-                <a:solidFill>
-                  <a:schemeClr val="tx1"/>
-                </a:solidFill>
-                <a:latin typeface="+mn-lt"/>
-                <a:ea typeface="+mn-ea"/>
-                <a:cs typeface="+mn-cs"/>
-              </a:defRPr>
-            </a:lvl2pPr>
-            <a:lvl3pPr marL="914400" algn="l" defTabSz="914400" rtl="0" eaLnBrk="1" latinLnBrk="0" hangingPunct="1">
-              <a:defRPr sz="1800" kern="1200">
-                <a:solidFill>
-                  <a:schemeClr val="tx1"/>
-                </a:solidFill>
-                <a:latin typeface="+mn-lt"/>
-                <a:ea typeface="+mn-ea"/>
-                <a:cs typeface="+mn-cs"/>
-              </a:defRPr>
-            </a:lvl3pPr>
-            <a:lvl4pPr marL="1371600" algn="l" defTabSz="914400" rtl="0" eaLnBrk="1" latinLnBrk="0" hangingPunct="1">
-              <a:defRPr sz="1800" kern="1200">
-                <a:solidFill>
-                  <a:schemeClr val="tx1"/>
-                </a:solidFill>
-                <a:latin typeface="+mn-lt"/>
-                <a:ea typeface="+mn-ea"/>
-                <a:cs typeface="+mn-cs"/>
-              </a:defRPr>
-            </a:lvl4pPr>
-            <a:lvl5pPr marL="1828800" algn="l" defTabSz="914400" rtl="0" eaLnBrk="1" latinLnBrk="0" hangingPunct="1">
-              <a:defRPr sz="1800" kern="1200">
-                <a:solidFill>
-                  <a:schemeClr val="tx1"/>
-                </a:solidFill>
-                <a:latin typeface="+mn-lt"/>
-                <a:ea typeface="+mn-ea"/>
-                <a:cs typeface="+mn-cs"/>
-              </a:defRPr>
-            </a:lvl5pPr>
-            <a:lvl6pPr marL="2286000" algn="l" defTabSz="914400" rtl="0" eaLnBrk="1" latinLnBrk="0" hangingPunct="1">
-              <a:defRPr sz="1800" kern="1200">
-                <a:solidFill>
-                  <a:schemeClr val="tx1"/>
-                </a:solidFill>
-                <a:latin typeface="+mn-lt"/>
-                <a:ea typeface="+mn-ea"/>
-                <a:cs typeface="+mn-cs"/>
-              </a:defRPr>
-            </a:lvl6pPr>
-            <a:lvl7pPr marL="2743200" algn="l" defTabSz="914400" rtl="0" eaLnBrk="1" latinLnBrk="0" hangingPunct="1">
-              <a:defRPr sz="1800" kern="1200">
-                <a:solidFill>
-                  <a:schemeClr val="tx1"/>
-                </a:solidFill>
-                <a:latin typeface="+mn-lt"/>
-                <a:ea typeface="+mn-ea"/>
-                <a:cs typeface="+mn-cs"/>
-              </a:defRPr>
-            </a:lvl7pPr>
-            <a:lvl8pPr marL="3200400" algn="l" defTabSz="914400" rtl="0" eaLnBrk="1" latinLnBrk="0" hangingPunct="1">
-              <a:defRPr sz="1800" kern="1200">
-                <a:solidFill>
-                  <a:schemeClr val="tx1"/>
-                </a:solidFill>
-                <a:latin typeface="+mn-lt"/>
-                <a:ea typeface="+mn-ea"/>
-                <a:cs typeface="+mn-cs"/>
-              </a:defRPr>
-            </a:lvl8pPr>
-            <a:lvl9pPr marL="3657600" algn="l" defTabSz="914400" rtl="0" eaLnBrk="1" latinLnBrk="0" hangingPunct="1">
-              <a:defRPr sz="1800" kern="1200">
-                <a:solidFill>
-                  <a:schemeClr val="tx1"/>
-                </a:solidFill>
-                <a:latin typeface="+mn-lt"/>
-                <a:ea typeface="+mn-ea"/>
-                <a:cs typeface="+mn-cs"/>
-              </a:defRPr>
-            </a:lvl9pPr>
-          </a:lstStyle>
-          <a:p>
-            <a:fld id="{37290FF7-652B-4475-AEAB-8B1A5D23AE09}" type="slidenum">
-              <a:rPr lang="en-US" smtClean="0"/>
-              <a:pPr/>
-              <a:t>17</a:t>
+              <a:t>14</a:t>
             </a:fld>
             <a:endParaRPr lang="en-US"/>
           </a:p>
@@ -12709,55 +8831,6 @@
           </a:fontRef>
         </p:style>
       </p:cxnSp>
-      <p:sp>
-        <p:nvSpPr>
-          <p:cNvPr id="16" name="Rectangle 15">
-            <a:extLst>
-              <a:ext uri="{FF2B5EF4-FFF2-40B4-BE49-F238E27FC236}">
-                <a16:creationId xmlns:a16="http://schemas.microsoft.com/office/drawing/2014/main" id="{2637ECE0-3FA6-4C46-8696-995FF35B0E7C}"/>
-              </a:ext>
-            </a:extLst>
-          </p:cNvPr>
-          <p:cNvSpPr/>
-          <p:nvPr/>
-        </p:nvSpPr>
-        <p:spPr>
-          <a:xfrm>
-            <a:off x="288146" y="5493211"/>
-            <a:ext cx="8398654" cy="646332"/>
-          </a:xfrm>
-          <a:prstGeom prst="rect">
-            <a:avLst/>
-          </a:prstGeom>
-        </p:spPr>
-        <p:style>
-          <a:lnRef idx="2">
-            <a:schemeClr val="accent1">
-              <a:shade val="50000"/>
-            </a:schemeClr>
-          </a:lnRef>
-          <a:fillRef idx="1">
-            <a:schemeClr val="accent1"/>
-          </a:fillRef>
-          <a:effectRef idx="0">
-            <a:schemeClr val="accent1"/>
-          </a:effectRef>
-          <a:fontRef idx="minor">
-            <a:schemeClr val="lt1"/>
-          </a:fontRef>
-        </p:style>
-        <p:txBody>
-          <a:bodyPr rtlCol="0" anchor="ctr"/>
-          <a:lstStyle/>
-          <a:p>
-            <a:pPr algn="ctr"/>
-            <a:r>
-              <a:rPr lang="en-US" dirty="0"/>
-              <a:t>The collapses documents can be examined using set theory.  “inner join”, “outer join”</a:t>
-            </a:r>
-          </a:p>
-        </p:txBody>
-      </p:sp>
     </p:spTree>
     <p:extLst>
       <p:ext uri="{BB962C8B-B14F-4D97-AF65-F5344CB8AC3E}">
@@ -12771,7 +8844,7 @@
 </p:sld>
 </file>
 
-<file path=ppt/slides/slide18.xml><?xml version="1.0" encoding="utf-8"?>
+<file path=ppt/slides/slide15.xml><?xml version="1.0" encoding="utf-8"?>
 <p:sld xmlns:a="http://schemas.openxmlformats.org/drawingml/2006/main" xmlns:r="http://schemas.openxmlformats.org/officeDocument/2006/relationships" xmlns:p="http://schemas.openxmlformats.org/presentationml/2006/main">
   <p:cSld>
     <p:spTree>
@@ -12806,7 +8879,7 @@
             <a:fld id="{6700A58B-DD98-43D0-B791-721480A02982}" type="datetime1">
               <a:rPr lang="en-US" smtClean="0"/>
               <a:pPr/>
-              <a:t>4/18/22</a:t>
+              <a:t>11/25/24</a:t>
             </a:fld>
             <a:endParaRPr lang="en-US"/>
           </a:p>
@@ -12983,7 +9056,7 @@
             <a:fld id="{37290FF7-652B-4475-AEAB-8B1A5D23AE09}" type="slidenum">
               <a:rPr lang="en-US" smtClean="0"/>
               <a:pPr/>
-              <a:t>18</a:t>
+              <a:t>15</a:t>
             </a:fld>
             <a:endParaRPr lang="en-US"/>
           </a:p>
@@ -13431,7 +9504,7 @@
 </p:sld>
 </file>
 
-<file path=ppt/slides/slide19.xml><?xml version="1.0" encoding="utf-8"?>
+<file path=ppt/slides/slide16.xml><?xml version="1.0" encoding="utf-8"?>
 <p:sld xmlns:a="http://schemas.openxmlformats.org/drawingml/2006/main" xmlns:r="http://schemas.openxmlformats.org/officeDocument/2006/relationships" xmlns:p="http://schemas.openxmlformats.org/presentationml/2006/main">
   <p:cSld>
     <p:spTree>
@@ -13471,7 +9544,7 @@
           <a:p>
             <a:fld id="{6700A58B-DD98-43D0-B791-721480A02982}" type="datetime1">
               <a:rPr lang="en-US" smtClean="0"/>
-              <a:t>4/18/22</a:t>
+              <a:t>11/25/24</a:t>
             </a:fld>
             <a:endParaRPr lang="en-US"/>
           </a:p>
@@ -13528,7 +9601,7 @@
           <a:p>
             <a:fld id="{37290FF7-652B-4475-AEAB-8B1A5D23AE09}" type="slidenum">
               <a:rPr lang="en-US" smtClean="0"/>
-              <a:t>19</a:t>
+              <a:t>16</a:t>
             </a:fld>
             <a:endParaRPr lang="en-US"/>
           </a:p>
@@ -13667,7 +9740,7 @@
 </p:sld>
 </file>
 
-<file path=ppt/slides/slide2.xml><?xml version="1.0" encoding="utf-8"?>
+<file path=ppt/slides/slide17.xml><?xml version="1.0" encoding="utf-8"?>
 <p:sld xmlns:a="http://schemas.openxmlformats.org/drawingml/2006/main" xmlns:r="http://schemas.openxmlformats.org/officeDocument/2006/relationships" xmlns:p="http://schemas.openxmlformats.org/presentationml/2006/main">
   <p:cSld>
     <p:spTree>
@@ -13686,124 +9759,6 @@
       </p:grpSpPr>
       <p:sp>
         <p:nvSpPr>
-          <p:cNvPr id="11" name="Rectangle 10">
-            <a:extLst>
-              <a:ext uri="{FF2B5EF4-FFF2-40B4-BE49-F238E27FC236}">
-                <a16:creationId xmlns:a16="http://schemas.microsoft.com/office/drawing/2014/main" id="{C246B7D1-453D-487B-B491-889C15C460F6}"/>
-              </a:ext>
-            </a:extLst>
-          </p:cNvPr>
-          <p:cNvSpPr/>
-          <p:nvPr/>
-        </p:nvSpPr>
-        <p:spPr>
-          <a:xfrm>
-            <a:off x="512916" y="2025076"/>
-            <a:ext cx="8118168" cy="3176852"/>
-          </a:xfrm>
-          <a:prstGeom prst="rect">
-            <a:avLst/>
-          </a:prstGeom>
-          <a:solidFill>
-            <a:schemeClr val="bg1"/>
-          </a:solidFill>
-          <a:ln w="9525">
-            <a:solidFill>
-              <a:schemeClr val="bg2"/>
-            </a:solidFill>
-          </a:ln>
-        </p:spPr>
-        <p:style>
-          <a:lnRef idx="2">
-            <a:schemeClr val="accent1">
-              <a:shade val="50000"/>
-            </a:schemeClr>
-          </a:lnRef>
-          <a:fillRef idx="1">
-            <a:schemeClr val="accent1"/>
-          </a:fillRef>
-          <a:effectRef idx="0">
-            <a:schemeClr val="accent1"/>
-          </a:effectRef>
-          <a:fontRef idx="minor">
-            <a:schemeClr val="lt1"/>
-          </a:fontRef>
-        </p:style>
-        <p:txBody>
-          <a:bodyPr lIns="88900" tIns="88900" rIns="88900" bIns="88900" rtlCol="0" anchor="t" anchorCtr="0"/>
-          <a:lstStyle/>
-          <a:p>
-            <a:pPr defTabSz="457200"/>
-            <a:endParaRPr lang="en-US" sz="1000" dirty="0">
-              <a:solidFill>
-                <a:schemeClr val="tx2"/>
-              </a:solidFill>
-            </a:endParaRPr>
-          </a:p>
-        </p:txBody>
-      </p:sp>
-      <p:sp>
-        <p:nvSpPr>
-          <p:cNvPr id="12" name="Rectangle 11">
-            <a:extLst>
-              <a:ext uri="{FF2B5EF4-FFF2-40B4-BE49-F238E27FC236}">
-                <a16:creationId xmlns:a16="http://schemas.microsoft.com/office/drawing/2014/main" id="{2C95F845-8979-407C-9F4E-6FBCB9476B2D}"/>
-              </a:ext>
-            </a:extLst>
-          </p:cNvPr>
-          <p:cNvSpPr/>
-          <p:nvPr/>
-        </p:nvSpPr>
-        <p:spPr>
-          <a:xfrm>
-            <a:off x="512916" y="1656073"/>
-            <a:ext cx="8118168" cy="365760"/>
-          </a:xfrm>
-          <a:prstGeom prst="rect">
-            <a:avLst/>
-          </a:prstGeom>
-          <a:solidFill>
-            <a:schemeClr val="accent3"/>
-          </a:solidFill>
-          <a:ln w="9525">
-            <a:solidFill>
-              <a:schemeClr val="accent3"/>
-            </a:solidFill>
-          </a:ln>
-        </p:spPr>
-        <p:style>
-          <a:lnRef idx="2">
-            <a:schemeClr val="accent1">
-              <a:shade val="50000"/>
-            </a:schemeClr>
-          </a:lnRef>
-          <a:fillRef idx="1">
-            <a:schemeClr val="accent1"/>
-          </a:fillRef>
-          <a:effectRef idx="0">
-            <a:schemeClr val="accent1"/>
-          </a:effectRef>
-          <a:fontRef idx="minor">
-            <a:schemeClr val="lt1"/>
-          </a:fontRef>
-        </p:style>
-        <p:txBody>
-          <a:bodyPr lIns="88900" tIns="88900" rIns="88900" bIns="88900" rtlCol="0" anchor="ctr"/>
-          <a:lstStyle/>
-          <a:p>
-            <a:r>
-              <a:rPr lang="en-US" sz="1200" b="1" dirty="0">
-                <a:solidFill>
-                  <a:schemeClr val="bg1"/>
-                </a:solidFill>
-              </a:rPr>
-              <a:t>“Text mining is so fun.  So do text mining!</a:t>
-            </a:r>
-          </a:p>
-        </p:txBody>
-      </p:sp>
-      <p:sp>
-        <p:nvSpPr>
           <p:cNvPr id="2" name="Date Placeholder 1"/>
           <p:cNvSpPr>
             <a:spLocks noGrp="1"/>
@@ -13820,7 +9775,7 @@
             <a:fld id="{6700A58B-DD98-43D0-B791-721480A02982}" type="datetime1">
               <a:rPr lang="en-US" smtClean="0"/>
               <a:pPr/>
-              <a:t>4/18/22</a:t>
+              <a:t>11/25/24</a:t>
             </a:fld>
             <a:endParaRPr lang="en-US"/>
           </a:p>
@@ -13836,16 +9791,20 @@
             <p:ph type="title"/>
           </p:nvPr>
         </p:nvSpPr>
-        <p:spPr/>
+        <p:spPr>
+          <a:xfrm>
+            <a:off x="189185" y="97108"/>
+            <a:ext cx="8734097" cy="591477"/>
+          </a:xfrm>
+        </p:spPr>
         <p:txBody>
           <a:bodyPr/>
           <a:lstStyle/>
           <a:p>
             <a:r>
-              <a:rPr lang="en-US"/>
-              <a:t>Unigram Tokenization</a:t>
-            </a:r>
-            <a:endParaRPr lang="en-US" dirty="0"/>
+              <a:rPr lang="en-US" dirty="0"/>
+              <a:t>Introducing TF-IDF Term Frequency Inverse Document Frequency</a:t>
+            </a:r>
           </a:p>
         </p:txBody>
       </p:sp>
@@ -13997,476 +9956,7 @@
             <a:fld id="{37290FF7-652B-4475-AEAB-8B1A5D23AE09}" type="slidenum">
               <a:rPr lang="en-US" smtClean="0"/>
               <a:pPr/>
-              <a:t>2</a:t>
-            </a:fld>
-            <a:endParaRPr lang="en-US"/>
-          </a:p>
-        </p:txBody>
-      </p:sp>
-      <p:sp>
-        <p:nvSpPr>
-          <p:cNvPr id="7" name="TextBox 6">
-            <a:extLst>
-              <a:ext uri="{FF2B5EF4-FFF2-40B4-BE49-F238E27FC236}">
-                <a16:creationId xmlns:a16="http://schemas.microsoft.com/office/drawing/2014/main" id="{B99349F3-A8F2-4D17-B849-7F8115A13DC7}"/>
-              </a:ext>
-            </a:extLst>
-          </p:cNvPr>
-          <p:cNvSpPr txBox="1"/>
-          <p:nvPr/>
-        </p:nvSpPr>
-        <p:spPr>
-          <a:xfrm>
-            <a:off x="440250" y="5196043"/>
-            <a:ext cx="1890261" cy="276999"/>
-          </a:xfrm>
-          <a:prstGeom prst="rect">
-            <a:avLst/>
-          </a:prstGeom>
-          <a:noFill/>
-        </p:spPr>
-        <p:txBody>
-          <a:bodyPr wrap="none" rtlCol="0">
-            <a:spAutoFit/>
-          </a:bodyPr>
-          <a:lstStyle/>
-          <a:p>
-            <a:pPr defTabSz="457200"/>
-            <a:r>
-              <a:rPr lang="en-US" sz="1200" i="1" kern="1200" dirty="0">
-                <a:solidFill>
-                  <a:prstClr val="black"/>
-                </a:solidFill>
-                <a:latin typeface="Arial Unicode MS" panose="020B0604020202020204" pitchFamily="34" charset="-128"/>
-                <a:ea typeface="Arial Unicode MS" panose="020B0604020202020204" pitchFamily="34" charset="-128"/>
-                <a:cs typeface="Arial Unicode MS" panose="020B0604020202020204" pitchFamily="34" charset="-128"/>
-              </a:rPr>
-              <a:t>*with common </a:t>
-            </a:r>
-            <a:r>
-              <a:rPr lang="en-US" sz="1200" i="1" kern="1200" dirty="0" err="1">
-                <a:solidFill>
-                  <a:prstClr val="black"/>
-                </a:solidFill>
-                <a:latin typeface="Arial Unicode MS" panose="020B0604020202020204" pitchFamily="34" charset="-128"/>
-                <a:ea typeface="Arial Unicode MS" panose="020B0604020202020204" pitchFamily="34" charset="-128"/>
-                <a:cs typeface="Arial Unicode MS" panose="020B0604020202020204" pitchFamily="34" charset="-128"/>
-              </a:rPr>
-              <a:t>stopwords</a:t>
-            </a:r>
-            <a:endParaRPr lang="en-US" sz="1200" i="1" kern="1200" dirty="0">
-              <a:solidFill>
-                <a:prstClr val="black"/>
-              </a:solidFill>
-              <a:latin typeface="Arial Unicode MS" panose="020B0604020202020204" pitchFamily="34" charset="-128"/>
-              <a:ea typeface="Arial Unicode MS" panose="020B0604020202020204" pitchFamily="34" charset="-128"/>
-              <a:cs typeface="Arial Unicode MS" panose="020B0604020202020204" pitchFamily="34" charset="-128"/>
-            </a:endParaRPr>
-          </a:p>
-        </p:txBody>
-      </p:sp>
-      <p:pic>
-        <p:nvPicPr>
-          <p:cNvPr id="10" name="Picture 9">
-            <a:extLst>
-              <a:ext uri="{FF2B5EF4-FFF2-40B4-BE49-F238E27FC236}">
-                <a16:creationId xmlns:a16="http://schemas.microsoft.com/office/drawing/2014/main" id="{352C3F10-AE75-4FEA-BD93-24F01EF1F0F8}"/>
-              </a:ext>
-            </a:extLst>
-          </p:cNvPr>
-          <p:cNvPicPr>
-            <a:picLocks noChangeAspect="1"/>
-          </p:cNvPicPr>
-          <p:nvPr/>
-        </p:nvPicPr>
-        <p:blipFill>
-          <a:blip r:embed="rId2"/>
-          <a:stretch>
-            <a:fillRect/>
-          </a:stretch>
-        </p:blipFill>
-        <p:spPr>
-          <a:xfrm>
-            <a:off x="3249722" y="2513577"/>
-            <a:ext cx="2644556" cy="1830846"/>
-          </a:xfrm>
-          <a:prstGeom prst="rect">
-            <a:avLst/>
-          </a:prstGeom>
-        </p:spPr>
-      </p:pic>
-      <p:sp>
-        <p:nvSpPr>
-          <p:cNvPr id="13" name="TextBox 12">
-            <a:extLst>
-              <a:ext uri="{FF2B5EF4-FFF2-40B4-BE49-F238E27FC236}">
-                <a16:creationId xmlns:a16="http://schemas.microsoft.com/office/drawing/2014/main" id="{A5A3EE36-0573-4214-8E8B-E9BD628BC999}"/>
-              </a:ext>
-            </a:extLst>
-          </p:cNvPr>
-          <p:cNvSpPr txBox="1"/>
-          <p:nvPr/>
-        </p:nvSpPr>
-        <p:spPr>
-          <a:xfrm>
-            <a:off x="512380" y="1198603"/>
-            <a:ext cx="8119241" cy="338554"/>
-          </a:xfrm>
-          <a:prstGeom prst="rect">
-            <a:avLst/>
-          </a:prstGeom>
-          <a:solidFill>
-            <a:schemeClr val="accent6">
-              <a:lumMod val="60000"/>
-              <a:lumOff val="40000"/>
-            </a:schemeClr>
-          </a:solidFill>
-        </p:spPr>
-        <p:txBody>
-          <a:bodyPr wrap="square" rtlCol="0">
-            <a:spAutoFit/>
-          </a:bodyPr>
-          <a:lstStyle/>
-          <a:p>
-            <a:pPr algn="ctr" defTabSz="457200"/>
-            <a:r>
-              <a:rPr lang="en-US" sz="1600" dirty="0">
-                <a:solidFill>
-                  <a:prstClr val="white"/>
-                </a:solidFill>
-                <a:latin typeface="+mj-lt"/>
-                <a:ea typeface="Arial Unicode MS" panose="020B0604020202020204" pitchFamily="34" charset="-128"/>
-                <a:cs typeface="Arial Unicode MS" panose="020B0604020202020204" pitchFamily="34" charset="-128"/>
-              </a:rPr>
-              <a:t>Thus far, we have performed unigram tokenization of terms.</a:t>
-            </a:r>
-            <a:endParaRPr lang="en-US" sz="1600" kern="1200" dirty="0">
-              <a:solidFill>
-                <a:prstClr val="white"/>
-              </a:solidFill>
-              <a:latin typeface="+mj-lt"/>
-              <a:ea typeface="Arial Unicode MS" panose="020B0604020202020204" pitchFamily="34" charset="-128"/>
-              <a:cs typeface="Arial Unicode MS" panose="020B0604020202020204" pitchFamily="34" charset="-128"/>
-            </a:endParaRPr>
-          </a:p>
-        </p:txBody>
-      </p:sp>
-      <p:cxnSp>
-        <p:nvCxnSpPr>
-          <p:cNvPr id="14" name="Straight Connector 13">
-            <a:extLst>
-              <a:ext uri="{FF2B5EF4-FFF2-40B4-BE49-F238E27FC236}">
-                <a16:creationId xmlns:a16="http://schemas.microsoft.com/office/drawing/2014/main" id="{D5EE2E8A-5825-E94E-BAF3-6B45FE58D5A2}"/>
-              </a:ext>
-            </a:extLst>
-          </p:cNvPr>
-          <p:cNvCxnSpPr/>
-          <p:nvPr/>
-        </p:nvCxnSpPr>
-        <p:spPr>
-          <a:xfrm>
-            <a:off x="6798363" y="6549885"/>
-            <a:ext cx="0" cy="182880"/>
-          </a:xfrm>
-          <a:prstGeom prst="line">
-            <a:avLst/>
-          </a:prstGeom>
-          <a:ln>
-            <a:solidFill>
-              <a:schemeClr val="bg1">
-                <a:lumMod val="85000"/>
-              </a:schemeClr>
-            </a:solidFill>
-          </a:ln>
-        </p:spPr>
-        <p:style>
-          <a:lnRef idx="1">
-            <a:schemeClr val="accent1"/>
-          </a:lnRef>
-          <a:fillRef idx="0">
-            <a:schemeClr val="accent1"/>
-          </a:fillRef>
-          <a:effectRef idx="0">
-            <a:schemeClr val="accent1"/>
-          </a:effectRef>
-          <a:fontRef idx="minor">
-            <a:schemeClr val="tx1"/>
-          </a:fontRef>
-        </p:style>
-      </p:cxnSp>
-      <p:cxnSp>
-        <p:nvCxnSpPr>
-          <p:cNvPr id="15" name="Straight Connector 14">
-            <a:extLst>
-              <a:ext uri="{FF2B5EF4-FFF2-40B4-BE49-F238E27FC236}">
-                <a16:creationId xmlns:a16="http://schemas.microsoft.com/office/drawing/2014/main" id="{A9E0A8EA-FC60-D047-B731-CA4FB9098607}"/>
-              </a:ext>
-            </a:extLst>
-          </p:cNvPr>
-          <p:cNvCxnSpPr/>
-          <p:nvPr/>
-        </p:nvCxnSpPr>
-        <p:spPr>
-          <a:xfrm>
-            <a:off x="7076661" y="4664763"/>
-            <a:ext cx="182880" cy="0"/>
-          </a:xfrm>
-          <a:prstGeom prst="line">
-            <a:avLst/>
-          </a:prstGeom>
-          <a:ln>
-            <a:solidFill>
-              <a:schemeClr val="bg1">
-                <a:lumMod val="85000"/>
-              </a:schemeClr>
-            </a:solidFill>
-          </a:ln>
-        </p:spPr>
-        <p:style>
-          <a:lnRef idx="1">
-            <a:schemeClr val="accent1"/>
-          </a:lnRef>
-          <a:fillRef idx="0">
-            <a:schemeClr val="accent1"/>
-          </a:fillRef>
-          <a:effectRef idx="0">
-            <a:schemeClr val="accent1"/>
-          </a:effectRef>
-          <a:fontRef idx="minor">
-            <a:schemeClr val="tx1"/>
-          </a:fontRef>
-        </p:style>
-      </p:cxnSp>
-    </p:spTree>
-    <p:extLst>
-      <p:ext uri="{BB962C8B-B14F-4D97-AF65-F5344CB8AC3E}">
-        <p14:creationId xmlns:p14="http://schemas.microsoft.com/office/powerpoint/2010/main" val="2545044768"/>
-      </p:ext>
-    </p:extLst>
-  </p:cSld>
-  <p:clrMapOvr>
-    <a:masterClrMapping/>
-  </p:clrMapOvr>
-</p:sld>
-</file>
-
-<file path=ppt/slides/slide20.xml><?xml version="1.0" encoding="utf-8"?>
-<p:sld xmlns:a="http://schemas.openxmlformats.org/drawingml/2006/main" xmlns:r="http://schemas.openxmlformats.org/officeDocument/2006/relationships" xmlns:p="http://schemas.openxmlformats.org/presentationml/2006/main">
-  <p:cSld>
-    <p:spTree>
-      <p:nvGrpSpPr>
-        <p:cNvPr id="1" name=""/>
-        <p:cNvGrpSpPr/>
-        <p:nvPr/>
-      </p:nvGrpSpPr>
-      <p:grpSpPr>
-        <a:xfrm>
-          <a:off x="0" y="0"/>
-          <a:ext cx="0" cy="0"/>
-          <a:chOff x="0" y="0"/>
-          <a:chExt cx="0" cy="0"/>
-        </a:xfrm>
-      </p:grpSpPr>
-      <p:sp>
-        <p:nvSpPr>
-          <p:cNvPr id="2" name="Date Placeholder 1"/>
-          <p:cNvSpPr>
-            <a:spLocks noGrp="1"/>
-          </p:cNvSpPr>
-          <p:nvPr>
-            <p:ph type="dt" sz="half" idx="10"/>
-          </p:nvPr>
-        </p:nvSpPr>
-        <p:spPr/>
-        <p:txBody>
-          <a:bodyPr/>
-          <a:lstStyle/>
-          <a:p>
-            <a:fld id="{6700A58B-DD98-43D0-B791-721480A02982}" type="datetime1">
-              <a:rPr lang="en-US" smtClean="0"/>
-              <a:pPr/>
-              <a:t>4/18/22</a:t>
-            </a:fld>
-            <a:endParaRPr lang="en-US"/>
-          </a:p>
-        </p:txBody>
-      </p:sp>
-      <p:sp>
-        <p:nvSpPr>
-          <p:cNvPr id="3" name="Title 2"/>
-          <p:cNvSpPr>
-            <a:spLocks noGrp="1"/>
-          </p:cNvSpPr>
-          <p:nvPr>
-            <p:ph type="title"/>
-          </p:nvPr>
-        </p:nvSpPr>
-        <p:spPr>
-          <a:xfrm>
-            <a:off x="189185" y="97108"/>
-            <a:ext cx="8734097" cy="591477"/>
-          </a:xfrm>
-        </p:spPr>
-        <p:txBody>
-          <a:bodyPr/>
-          <a:lstStyle/>
-          <a:p>
-            <a:r>
-              <a:rPr lang="en-US" dirty="0"/>
-              <a:t>Introducing TF-IDF Term Frequency Inverse Document Frequency</a:t>
-            </a:r>
-          </a:p>
-        </p:txBody>
-      </p:sp>
-      <p:sp>
-        <p:nvSpPr>
-          <p:cNvPr id="5" name="Footer Placeholder 4"/>
-          <p:cNvSpPr>
-            <a:spLocks noGrp="1"/>
-          </p:cNvSpPr>
-          <p:nvPr>
-            <p:ph type="ftr" sz="quarter" idx="3"/>
-          </p:nvPr>
-        </p:nvSpPr>
-        <p:spPr/>
-        <p:txBody>
-          <a:bodyPr/>
-          <a:lstStyle/>
-          <a:p>
-            <a:r>
-              <a:rPr lang="en-US"/>
-              <a:t>Kwartler</a:t>
-            </a:r>
-            <a:endParaRPr lang="en-US" dirty="0"/>
-          </a:p>
-        </p:txBody>
-      </p:sp>
-      <p:sp>
-        <p:nvSpPr>
-          <p:cNvPr id="4" name="Slide Number Placeholder 3"/>
-          <p:cNvSpPr>
-            <a:spLocks noGrp="1"/>
-          </p:cNvSpPr>
-          <p:nvPr>
-            <p:ph type="sldNum" sz="quarter" idx="4"/>
-          </p:nvPr>
-        </p:nvSpPr>
-        <p:spPr>
-          <a:xfrm>
-            <a:off x="7245743" y="6356351"/>
-            <a:ext cx="857250" cy="365125"/>
-          </a:xfrm>
-          <a:prstGeom prst="rect">
-            <a:avLst/>
-          </a:prstGeom>
-        </p:spPr>
-        <p:txBody>
-          <a:bodyPr/>
-          <a:lstStyle>
-            <a:defPPr>
-              <a:defRPr lang="en-US"/>
-            </a:defPPr>
-            <a:lvl1pPr marL="0" algn="l" defTabSz="914400" rtl="0" eaLnBrk="1" latinLnBrk="0" hangingPunct="1">
-              <a:lnSpc>
-                <a:spcPct val="200000"/>
-              </a:lnSpc>
-              <a:defRPr lang="en-US" sz="900" kern="1200" smtClean="0">
-                <a:solidFill>
-                  <a:schemeClr val="tx1">
-                    <a:tint val="75000"/>
-                  </a:schemeClr>
-                </a:solidFill>
-                <a:latin typeface="+mn-lt"/>
-                <a:ea typeface="+mn-ea"/>
-                <a:cs typeface="+mn-cs"/>
-              </a:defRPr>
-            </a:lvl1pPr>
-            <a:lvl2pPr marL="457200" algn="l" defTabSz="914400" rtl="0" eaLnBrk="1" latinLnBrk="0" hangingPunct="1">
-              <a:defRPr sz="1800" kern="1200">
-                <a:solidFill>
-                  <a:schemeClr val="tx1"/>
-                </a:solidFill>
-                <a:latin typeface="+mn-lt"/>
-                <a:ea typeface="+mn-ea"/>
-                <a:cs typeface="+mn-cs"/>
-              </a:defRPr>
-            </a:lvl2pPr>
-            <a:lvl3pPr marL="914400" algn="l" defTabSz="914400" rtl="0" eaLnBrk="1" latinLnBrk="0" hangingPunct="1">
-              <a:defRPr sz="1800" kern="1200">
-                <a:solidFill>
-                  <a:schemeClr val="tx1"/>
-                </a:solidFill>
-                <a:latin typeface="+mn-lt"/>
-                <a:ea typeface="+mn-ea"/>
-                <a:cs typeface="+mn-cs"/>
-              </a:defRPr>
-            </a:lvl3pPr>
-            <a:lvl4pPr marL="1371600" algn="l" defTabSz="914400" rtl="0" eaLnBrk="1" latinLnBrk="0" hangingPunct="1">
-              <a:defRPr sz="1800" kern="1200">
-                <a:solidFill>
-                  <a:schemeClr val="tx1"/>
-                </a:solidFill>
-                <a:latin typeface="+mn-lt"/>
-                <a:ea typeface="+mn-ea"/>
-                <a:cs typeface="+mn-cs"/>
-              </a:defRPr>
-            </a:lvl4pPr>
-            <a:lvl5pPr marL="1828800" algn="l" defTabSz="914400" rtl="0" eaLnBrk="1" latinLnBrk="0" hangingPunct="1">
-              <a:defRPr sz="1800" kern="1200">
-                <a:solidFill>
-                  <a:schemeClr val="tx1"/>
-                </a:solidFill>
-                <a:latin typeface="+mn-lt"/>
-                <a:ea typeface="+mn-ea"/>
-                <a:cs typeface="+mn-cs"/>
-              </a:defRPr>
-            </a:lvl5pPr>
-            <a:lvl6pPr marL="2286000" algn="l" defTabSz="914400" rtl="0" eaLnBrk="1" latinLnBrk="0" hangingPunct="1">
-              <a:defRPr sz="1800" kern="1200">
-                <a:solidFill>
-                  <a:schemeClr val="tx1"/>
-                </a:solidFill>
-                <a:latin typeface="+mn-lt"/>
-                <a:ea typeface="+mn-ea"/>
-                <a:cs typeface="+mn-cs"/>
-              </a:defRPr>
-            </a:lvl6pPr>
-            <a:lvl7pPr marL="2743200" algn="l" defTabSz="914400" rtl="0" eaLnBrk="1" latinLnBrk="0" hangingPunct="1">
-              <a:defRPr sz="1800" kern="1200">
-                <a:solidFill>
-                  <a:schemeClr val="tx1"/>
-                </a:solidFill>
-                <a:latin typeface="+mn-lt"/>
-                <a:ea typeface="+mn-ea"/>
-                <a:cs typeface="+mn-cs"/>
-              </a:defRPr>
-            </a:lvl7pPr>
-            <a:lvl8pPr marL="3200400" algn="l" defTabSz="914400" rtl="0" eaLnBrk="1" latinLnBrk="0" hangingPunct="1">
-              <a:defRPr sz="1800" kern="1200">
-                <a:solidFill>
-                  <a:schemeClr val="tx1"/>
-                </a:solidFill>
-                <a:latin typeface="+mn-lt"/>
-                <a:ea typeface="+mn-ea"/>
-                <a:cs typeface="+mn-cs"/>
-              </a:defRPr>
-            </a:lvl8pPr>
-            <a:lvl9pPr marL="3657600" algn="l" defTabSz="914400" rtl="0" eaLnBrk="1" latinLnBrk="0" hangingPunct="1">
-              <a:defRPr sz="1800" kern="1200">
-                <a:solidFill>
-                  <a:schemeClr val="tx1"/>
-                </a:solidFill>
-                <a:latin typeface="+mn-lt"/>
-                <a:ea typeface="+mn-ea"/>
-                <a:cs typeface="+mn-cs"/>
-              </a:defRPr>
-            </a:lvl9pPr>
-          </a:lstStyle>
-          <a:p>
-            <a:fld id="{37290FF7-652B-4475-AEAB-8B1A5D23AE09}" type="slidenum">
-              <a:rPr lang="en-US" smtClean="0"/>
-              <a:pPr/>
-              <a:t>20</a:t>
+              <a:t>17</a:t>
             </a:fld>
             <a:endParaRPr lang="en-US"/>
           </a:p>
@@ -15235,7 +10725,7 @@
 </p:sld>
 </file>
 
-<file path=ppt/slides/slide21.xml><?xml version="1.0" encoding="utf-8"?>
+<file path=ppt/slides/slide18.xml><?xml version="1.0" encoding="utf-8"?>
 <p:sld xmlns:a="http://schemas.openxmlformats.org/drawingml/2006/main" xmlns:r="http://schemas.openxmlformats.org/officeDocument/2006/relationships" xmlns:p="http://schemas.openxmlformats.org/presentationml/2006/main">
   <p:cSld>
     <p:spTree>
@@ -15270,7 +10760,7 @@
             <a:fld id="{6700A58B-DD98-43D0-B791-721480A02982}" type="datetime1">
               <a:rPr lang="en-US" smtClean="0"/>
               <a:pPr/>
-              <a:t>4/18/22</a:t>
+              <a:t>11/25/24</a:t>
             </a:fld>
             <a:endParaRPr lang="en-US"/>
           </a:p>
@@ -15447,7 +10937,7 @@
             <a:fld id="{37290FF7-652B-4475-AEAB-8B1A5D23AE09}" type="slidenum">
               <a:rPr lang="en-US" smtClean="0"/>
               <a:pPr/>
-              <a:t>21</a:t>
+              <a:t>18</a:t>
             </a:fld>
             <a:endParaRPr lang="en-US"/>
           </a:p>
@@ -15637,7 +11127,7 @@
 </p:sld>
 </file>
 
-<file path=ppt/slides/slide22.xml><?xml version="1.0" encoding="utf-8"?>
+<file path=ppt/slides/slide19.xml><?xml version="1.0" encoding="utf-8"?>
 <p:sld xmlns:a="http://schemas.openxmlformats.org/drawingml/2006/main" xmlns:r="http://schemas.openxmlformats.org/officeDocument/2006/relationships" xmlns:p="http://schemas.openxmlformats.org/presentationml/2006/main">
   <p:cSld>
     <p:spTree>
@@ -15672,7 +11162,7 @@
             <a:fld id="{6700A58B-DD98-43D0-B791-721480A02982}" type="datetime1">
               <a:rPr lang="en-US" smtClean="0"/>
               <a:pPr/>
-              <a:t>4/18/22</a:t>
+              <a:t>11/25/24</a:t>
             </a:fld>
             <a:endParaRPr lang="en-US"/>
           </a:p>
@@ -15849,7 +11339,7 @@
             <a:fld id="{37290FF7-652B-4475-AEAB-8B1A5D23AE09}" type="slidenum">
               <a:rPr lang="en-US" smtClean="0"/>
               <a:pPr/>
-              <a:t>22</a:t>
+              <a:t>19</a:t>
             </a:fld>
             <a:endParaRPr lang="en-US"/>
           </a:p>
@@ -16045,7 +11535,7 @@
 </p:sld>
 </file>
 
-<file path=ppt/slides/slide23.xml><?xml version="1.0" encoding="utf-8"?>
+<file path=ppt/slides/slide2.xml><?xml version="1.0" encoding="utf-8"?>
 <p:sld xmlns:a="http://schemas.openxmlformats.org/drawingml/2006/main" xmlns:r="http://schemas.openxmlformats.org/officeDocument/2006/relationships" xmlns:p="http://schemas.openxmlformats.org/presentationml/2006/main">
   <p:cSld>
     <p:spTree>
@@ -16064,6 +11554,124 @@
       </p:grpSpPr>
       <p:sp>
         <p:nvSpPr>
+          <p:cNvPr id="11" name="Rectangle 10">
+            <a:extLst>
+              <a:ext uri="{FF2B5EF4-FFF2-40B4-BE49-F238E27FC236}">
+                <a16:creationId xmlns:a16="http://schemas.microsoft.com/office/drawing/2014/main" id="{C246B7D1-453D-487B-B491-889C15C460F6}"/>
+              </a:ext>
+            </a:extLst>
+          </p:cNvPr>
+          <p:cNvSpPr/>
+          <p:nvPr/>
+        </p:nvSpPr>
+        <p:spPr>
+          <a:xfrm>
+            <a:off x="512916" y="2025076"/>
+            <a:ext cx="8118168" cy="3176852"/>
+          </a:xfrm>
+          <a:prstGeom prst="rect">
+            <a:avLst/>
+          </a:prstGeom>
+          <a:solidFill>
+            <a:schemeClr val="bg1"/>
+          </a:solidFill>
+          <a:ln w="9525">
+            <a:solidFill>
+              <a:schemeClr val="bg2"/>
+            </a:solidFill>
+          </a:ln>
+        </p:spPr>
+        <p:style>
+          <a:lnRef idx="2">
+            <a:schemeClr val="accent1">
+              <a:shade val="50000"/>
+            </a:schemeClr>
+          </a:lnRef>
+          <a:fillRef idx="1">
+            <a:schemeClr val="accent1"/>
+          </a:fillRef>
+          <a:effectRef idx="0">
+            <a:schemeClr val="accent1"/>
+          </a:effectRef>
+          <a:fontRef idx="minor">
+            <a:schemeClr val="lt1"/>
+          </a:fontRef>
+        </p:style>
+        <p:txBody>
+          <a:bodyPr lIns="88900" tIns="88900" rIns="88900" bIns="88900" rtlCol="0" anchor="t" anchorCtr="0"/>
+          <a:lstStyle/>
+          <a:p>
+            <a:pPr defTabSz="457200"/>
+            <a:endParaRPr lang="en-US" sz="1000" dirty="0">
+              <a:solidFill>
+                <a:schemeClr val="tx2"/>
+              </a:solidFill>
+            </a:endParaRPr>
+          </a:p>
+        </p:txBody>
+      </p:sp>
+      <p:sp>
+        <p:nvSpPr>
+          <p:cNvPr id="12" name="Rectangle 11">
+            <a:extLst>
+              <a:ext uri="{FF2B5EF4-FFF2-40B4-BE49-F238E27FC236}">
+                <a16:creationId xmlns:a16="http://schemas.microsoft.com/office/drawing/2014/main" id="{2C95F845-8979-407C-9F4E-6FBCB9476B2D}"/>
+              </a:ext>
+            </a:extLst>
+          </p:cNvPr>
+          <p:cNvSpPr/>
+          <p:nvPr/>
+        </p:nvSpPr>
+        <p:spPr>
+          <a:xfrm>
+            <a:off x="512916" y="1656073"/>
+            <a:ext cx="8118168" cy="365760"/>
+          </a:xfrm>
+          <a:prstGeom prst="rect">
+            <a:avLst/>
+          </a:prstGeom>
+          <a:solidFill>
+            <a:schemeClr val="accent3"/>
+          </a:solidFill>
+          <a:ln w="9525">
+            <a:solidFill>
+              <a:schemeClr val="accent3"/>
+            </a:solidFill>
+          </a:ln>
+        </p:spPr>
+        <p:style>
+          <a:lnRef idx="2">
+            <a:schemeClr val="accent1">
+              <a:shade val="50000"/>
+            </a:schemeClr>
+          </a:lnRef>
+          <a:fillRef idx="1">
+            <a:schemeClr val="accent1"/>
+          </a:fillRef>
+          <a:effectRef idx="0">
+            <a:schemeClr val="accent1"/>
+          </a:effectRef>
+          <a:fontRef idx="minor">
+            <a:schemeClr val="lt1"/>
+          </a:fontRef>
+        </p:style>
+        <p:txBody>
+          <a:bodyPr lIns="88900" tIns="88900" rIns="88900" bIns="88900" rtlCol="0" anchor="ctr"/>
+          <a:lstStyle/>
+          <a:p>
+            <a:r>
+              <a:rPr lang="en-US" sz="1200" b="1" dirty="0">
+                <a:solidFill>
+                  <a:schemeClr val="bg1"/>
+                </a:solidFill>
+              </a:rPr>
+              <a:t>“Text mining is so fun.  So do text mining!</a:t>
+            </a:r>
+          </a:p>
+        </p:txBody>
+      </p:sp>
+      <p:sp>
+        <p:nvSpPr>
           <p:cNvPr id="2" name="Date Placeholder 1"/>
           <p:cNvSpPr>
             <a:spLocks noGrp="1"/>
@@ -16080,7 +11688,7 @@
             <a:fld id="{6700A58B-DD98-43D0-B791-721480A02982}" type="datetime1">
               <a:rPr lang="en-US" smtClean="0"/>
               <a:pPr/>
-              <a:t>4/18/22</a:t>
+              <a:t>11/25/24</a:t>
             </a:fld>
             <a:endParaRPr lang="en-US"/>
           </a:p>
@@ -16103,7 +11711,7 @@
           <a:p>
             <a:r>
               <a:rPr lang="en-US"/>
-              <a:t>Original Term Frequency</a:t>
+              <a:t>Unigram Tokenization</a:t>
             </a:r>
             <a:endParaRPr lang="en-US" dirty="0"/>
           </a:p>
@@ -16257,7 +11865,472 @@
             <a:fld id="{37290FF7-652B-4475-AEAB-8B1A5D23AE09}" type="slidenum">
               <a:rPr lang="en-US" smtClean="0"/>
               <a:pPr/>
-              <a:t>23</a:t>
+              <a:t>2</a:t>
+            </a:fld>
+            <a:endParaRPr lang="en-US"/>
+          </a:p>
+        </p:txBody>
+      </p:sp>
+      <p:sp>
+        <p:nvSpPr>
+          <p:cNvPr id="7" name="TextBox 6">
+            <a:extLst>
+              <a:ext uri="{FF2B5EF4-FFF2-40B4-BE49-F238E27FC236}">
+                <a16:creationId xmlns:a16="http://schemas.microsoft.com/office/drawing/2014/main" id="{B99349F3-A8F2-4D17-B849-7F8115A13DC7}"/>
+              </a:ext>
+            </a:extLst>
+          </p:cNvPr>
+          <p:cNvSpPr txBox="1"/>
+          <p:nvPr/>
+        </p:nvSpPr>
+        <p:spPr>
+          <a:xfrm>
+            <a:off x="440250" y="5196043"/>
+            <a:ext cx="1890261" cy="276999"/>
+          </a:xfrm>
+          <a:prstGeom prst="rect">
+            <a:avLst/>
+          </a:prstGeom>
+          <a:noFill/>
+        </p:spPr>
+        <p:txBody>
+          <a:bodyPr wrap="none" rtlCol="0">
+            <a:spAutoFit/>
+          </a:bodyPr>
+          <a:lstStyle/>
+          <a:p>
+            <a:pPr defTabSz="457200"/>
+            <a:r>
+              <a:rPr lang="en-US" sz="1200" i="1" kern="1200" dirty="0">
+                <a:solidFill>
+                  <a:prstClr val="black"/>
+                </a:solidFill>
+                <a:latin typeface="Arial Unicode MS" panose="020B0604020202020204" pitchFamily="34" charset="-128"/>
+                <a:ea typeface="Arial Unicode MS" panose="020B0604020202020204" pitchFamily="34" charset="-128"/>
+                <a:cs typeface="Arial Unicode MS" panose="020B0604020202020204" pitchFamily="34" charset="-128"/>
+              </a:rPr>
+              <a:t>*with common </a:t>
+            </a:r>
+            <a:r>
+              <a:rPr lang="en-US" sz="1200" i="1" kern="1200" dirty="0" err="1">
+                <a:solidFill>
+                  <a:prstClr val="black"/>
+                </a:solidFill>
+                <a:latin typeface="Arial Unicode MS" panose="020B0604020202020204" pitchFamily="34" charset="-128"/>
+                <a:ea typeface="Arial Unicode MS" panose="020B0604020202020204" pitchFamily="34" charset="-128"/>
+                <a:cs typeface="Arial Unicode MS" panose="020B0604020202020204" pitchFamily="34" charset="-128"/>
+              </a:rPr>
+              <a:t>stopwords</a:t>
+            </a:r>
+            <a:endParaRPr lang="en-US" sz="1200" i="1" kern="1200" dirty="0">
+              <a:solidFill>
+                <a:prstClr val="black"/>
+              </a:solidFill>
+              <a:latin typeface="Arial Unicode MS" panose="020B0604020202020204" pitchFamily="34" charset="-128"/>
+              <a:ea typeface="Arial Unicode MS" panose="020B0604020202020204" pitchFamily="34" charset="-128"/>
+              <a:cs typeface="Arial Unicode MS" panose="020B0604020202020204" pitchFamily="34" charset="-128"/>
+            </a:endParaRPr>
+          </a:p>
+        </p:txBody>
+      </p:sp>
+      <p:pic>
+        <p:nvPicPr>
+          <p:cNvPr id="10" name="Picture 9">
+            <a:extLst>
+              <a:ext uri="{FF2B5EF4-FFF2-40B4-BE49-F238E27FC236}">
+                <a16:creationId xmlns:a16="http://schemas.microsoft.com/office/drawing/2014/main" id="{352C3F10-AE75-4FEA-BD93-24F01EF1F0F8}"/>
+              </a:ext>
+            </a:extLst>
+          </p:cNvPr>
+          <p:cNvPicPr>
+            <a:picLocks noChangeAspect="1"/>
+          </p:cNvPicPr>
+          <p:nvPr/>
+        </p:nvPicPr>
+        <p:blipFill>
+          <a:blip r:embed="rId2"/>
+          <a:stretch>
+            <a:fillRect/>
+          </a:stretch>
+        </p:blipFill>
+        <p:spPr>
+          <a:xfrm>
+            <a:off x="3249722" y="2513577"/>
+            <a:ext cx="2644556" cy="1830846"/>
+          </a:xfrm>
+          <a:prstGeom prst="rect">
+            <a:avLst/>
+          </a:prstGeom>
+        </p:spPr>
+      </p:pic>
+      <p:sp>
+        <p:nvSpPr>
+          <p:cNvPr id="13" name="TextBox 12">
+            <a:extLst>
+              <a:ext uri="{FF2B5EF4-FFF2-40B4-BE49-F238E27FC236}">
+                <a16:creationId xmlns:a16="http://schemas.microsoft.com/office/drawing/2014/main" id="{A5A3EE36-0573-4214-8E8B-E9BD628BC999}"/>
+              </a:ext>
+            </a:extLst>
+          </p:cNvPr>
+          <p:cNvSpPr txBox="1"/>
+          <p:nvPr/>
+        </p:nvSpPr>
+        <p:spPr>
+          <a:xfrm>
+            <a:off x="512380" y="1198603"/>
+            <a:ext cx="8119241" cy="338554"/>
+          </a:xfrm>
+          <a:prstGeom prst="rect">
+            <a:avLst/>
+          </a:prstGeom>
+          <a:solidFill>
+            <a:schemeClr val="accent6">
+              <a:lumMod val="60000"/>
+              <a:lumOff val="40000"/>
+            </a:schemeClr>
+          </a:solidFill>
+        </p:spPr>
+        <p:txBody>
+          <a:bodyPr wrap="square" rtlCol="0">
+            <a:spAutoFit/>
+          </a:bodyPr>
+          <a:lstStyle/>
+          <a:p>
+            <a:pPr algn="ctr" defTabSz="457200"/>
+            <a:r>
+              <a:rPr lang="en-US" sz="1600" dirty="0">
+                <a:solidFill>
+                  <a:prstClr val="white"/>
+                </a:solidFill>
+                <a:latin typeface="+mj-lt"/>
+                <a:ea typeface="Arial Unicode MS" panose="020B0604020202020204" pitchFamily="34" charset="-128"/>
+                <a:cs typeface="Arial Unicode MS" panose="020B0604020202020204" pitchFamily="34" charset="-128"/>
+              </a:rPr>
+              <a:t>Thus far, we have performed unigram tokenization of terms.</a:t>
+            </a:r>
+            <a:endParaRPr lang="en-US" sz="1600" kern="1200" dirty="0">
+              <a:solidFill>
+                <a:prstClr val="white"/>
+              </a:solidFill>
+              <a:latin typeface="+mj-lt"/>
+              <a:ea typeface="Arial Unicode MS" panose="020B0604020202020204" pitchFamily="34" charset="-128"/>
+              <a:cs typeface="Arial Unicode MS" panose="020B0604020202020204" pitchFamily="34" charset="-128"/>
+            </a:endParaRPr>
+          </a:p>
+        </p:txBody>
+      </p:sp>
+      <p:cxnSp>
+        <p:nvCxnSpPr>
+          <p:cNvPr id="14" name="Straight Connector 13">
+            <a:extLst>
+              <a:ext uri="{FF2B5EF4-FFF2-40B4-BE49-F238E27FC236}">
+                <a16:creationId xmlns:a16="http://schemas.microsoft.com/office/drawing/2014/main" id="{D5EE2E8A-5825-E94E-BAF3-6B45FE58D5A2}"/>
+              </a:ext>
+            </a:extLst>
+          </p:cNvPr>
+          <p:cNvCxnSpPr/>
+          <p:nvPr/>
+        </p:nvCxnSpPr>
+        <p:spPr>
+          <a:xfrm>
+            <a:off x="6798363" y="6549885"/>
+            <a:ext cx="0" cy="182880"/>
+          </a:xfrm>
+          <a:prstGeom prst="line">
+            <a:avLst/>
+          </a:prstGeom>
+          <a:ln>
+            <a:solidFill>
+              <a:schemeClr val="bg1">
+                <a:lumMod val="85000"/>
+              </a:schemeClr>
+            </a:solidFill>
+          </a:ln>
+        </p:spPr>
+        <p:style>
+          <a:lnRef idx="1">
+            <a:schemeClr val="accent1"/>
+          </a:lnRef>
+          <a:fillRef idx="0">
+            <a:schemeClr val="accent1"/>
+          </a:fillRef>
+          <a:effectRef idx="0">
+            <a:schemeClr val="accent1"/>
+          </a:effectRef>
+          <a:fontRef idx="minor">
+            <a:schemeClr val="tx1"/>
+          </a:fontRef>
+        </p:style>
+      </p:cxnSp>
+      <p:cxnSp>
+        <p:nvCxnSpPr>
+          <p:cNvPr id="15" name="Straight Connector 14">
+            <a:extLst>
+              <a:ext uri="{FF2B5EF4-FFF2-40B4-BE49-F238E27FC236}">
+                <a16:creationId xmlns:a16="http://schemas.microsoft.com/office/drawing/2014/main" id="{A9E0A8EA-FC60-D047-B731-CA4FB9098607}"/>
+              </a:ext>
+            </a:extLst>
+          </p:cNvPr>
+          <p:cNvCxnSpPr/>
+          <p:nvPr/>
+        </p:nvCxnSpPr>
+        <p:spPr>
+          <a:xfrm>
+            <a:off x="7076661" y="4664763"/>
+            <a:ext cx="182880" cy="0"/>
+          </a:xfrm>
+          <a:prstGeom prst="line">
+            <a:avLst/>
+          </a:prstGeom>
+          <a:ln>
+            <a:solidFill>
+              <a:schemeClr val="bg1">
+                <a:lumMod val="85000"/>
+              </a:schemeClr>
+            </a:solidFill>
+          </a:ln>
+        </p:spPr>
+        <p:style>
+          <a:lnRef idx="1">
+            <a:schemeClr val="accent1"/>
+          </a:lnRef>
+          <a:fillRef idx="0">
+            <a:schemeClr val="accent1"/>
+          </a:fillRef>
+          <a:effectRef idx="0">
+            <a:schemeClr val="accent1"/>
+          </a:effectRef>
+          <a:fontRef idx="minor">
+            <a:schemeClr val="tx1"/>
+          </a:fontRef>
+        </p:style>
+      </p:cxnSp>
+    </p:spTree>
+    <p:extLst>
+      <p:ext uri="{BB962C8B-B14F-4D97-AF65-F5344CB8AC3E}">
+        <p14:creationId xmlns:p14="http://schemas.microsoft.com/office/powerpoint/2010/main" val="2545044768"/>
+      </p:ext>
+    </p:extLst>
+  </p:cSld>
+  <p:clrMapOvr>
+    <a:masterClrMapping/>
+  </p:clrMapOvr>
+</p:sld>
+</file>
+
+<file path=ppt/slides/slide20.xml><?xml version="1.0" encoding="utf-8"?>
+<p:sld xmlns:a="http://schemas.openxmlformats.org/drawingml/2006/main" xmlns:r="http://schemas.openxmlformats.org/officeDocument/2006/relationships" xmlns:p="http://schemas.openxmlformats.org/presentationml/2006/main">
+  <p:cSld>
+    <p:spTree>
+      <p:nvGrpSpPr>
+        <p:cNvPr id="1" name=""/>
+        <p:cNvGrpSpPr/>
+        <p:nvPr/>
+      </p:nvGrpSpPr>
+      <p:grpSpPr>
+        <a:xfrm>
+          <a:off x="0" y="0"/>
+          <a:ext cx="0" cy="0"/>
+          <a:chOff x="0" y="0"/>
+          <a:chExt cx="0" cy="0"/>
+        </a:xfrm>
+      </p:grpSpPr>
+      <p:sp>
+        <p:nvSpPr>
+          <p:cNvPr id="2" name="Date Placeholder 1"/>
+          <p:cNvSpPr>
+            <a:spLocks noGrp="1"/>
+          </p:cNvSpPr>
+          <p:nvPr>
+            <p:ph type="dt" sz="half" idx="10"/>
+          </p:nvPr>
+        </p:nvSpPr>
+        <p:spPr/>
+        <p:txBody>
+          <a:bodyPr/>
+          <a:lstStyle/>
+          <a:p>
+            <a:fld id="{6700A58B-DD98-43D0-B791-721480A02982}" type="datetime1">
+              <a:rPr lang="en-US" smtClean="0"/>
+              <a:pPr/>
+              <a:t>11/25/24</a:t>
+            </a:fld>
+            <a:endParaRPr lang="en-US"/>
+          </a:p>
+        </p:txBody>
+      </p:sp>
+      <p:sp>
+        <p:nvSpPr>
+          <p:cNvPr id="3" name="Title 2"/>
+          <p:cNvSpPr>
+            <a:spLocks noGrp="1"/>
+          </p:cNvSpPr>
+          <p:nvPr>
+            <p:ph type="title"/>
+          </p:nvPr>
+        </p:nvSpPr>
+        <p:spPr/>
+        <p:txBody>
+          <a:bodyPr/>
+          <a:lstStyle/>
+          <a:p>
+            <a:r>
+              <a:rPr lang="en-US"/>
+              <a:t>Original Term Frequency</a:t>
+            </a:r>
+            <a:endParaRPr lang="en-US" dirty="0"/>
+          </a:p>
+        </p:txBody>
+      </p:sp>
+      <p:sp>
+        <p:nvSpPr>
+          <p:cNvPr id="5" name="Footer Placeholder 4"/>
+          <p:cNvSpPr>
+            <a:spLocks noGrp="1"/>
+          </p:cNvSpPr>
+          <p:nvPr>
+            <p:ph type="ftr" sz="quarter" idx="3"/>
+          </p:nvPr>
+        </p:nvSpPr>
+        <p:spPr/>
+        <p:txBody>
+          <a:bodyPr/>
+          <a:lstStyle/>
+          <a:p>
+            <a:r>
+              <a:rPr lang="en-US"/>
+              <a:t>Kwartler</a:t>
+            </a:r>
+            <a:endParaRPr lang="en-US" dirty="0"/>
+          </a:p>
+        </p:txBody>
+      </p:sp>
+      <p:sp>
+        <p:nvSpPr>
+          <p:cNvPr id="4" name="Slide Number Placeholder 3"/>
+          <p:cNvSpPr>
+            <a:spLocks noGrp="1"/>
+          </p:cNvSpPr>
+          <p:nvPr>
+            <p:ph type="sldNum" sz="quarter" idx="4"/>
+          </p:nvPr>
+        </p:nvSpPr>
+        <p:spPr>
+          <a:xfrm>
+            <a:off x="7245743" y="6356351"/>
+            <a:ext cx="857250" cy="365125"/>
+          </a:xfrm>
+          <a:prstGeom prst="rect">
+            <a:avLst/>
+          </a:prstGeom>
+        </p:spPr>
+        <p:txBody>
+          <a:bodyPr/>
+          <a:lstStyle>
+            <a:defPPr>
+              <a:defRPr lang="en-US"/>
+            </a:defPPr>
+            <a:lvl1pPr marL="0" algn="l" defTabSz="914400" rtl="0" eaLnBrk="1" latinLnBrk="0" hangingPunct="1">
+              <a:lnSpc>
+                <a:spcPct val="200000"/>
+              </a:lnSpc>
+              <a:defRPr lang="en-US" sz="900" kern="1200" smtClean="0">
+                <a:solidFill>
+                  <a:schemeClr val="tx1">
+                    <a:tint val="75000"/>
+                  </a:schemeClr>
+                </a:solidFill>
+                <a:latin typeface="+mn-lt"/>
+                <a:ea typeface="+mn-ea"/>
+                <a:cs typeface="+mn-cs"/>
+              </a:defRPr>
+            </a:lvl1pPr>
+            <a:lvl2pPr marL="457200" algn="l" defTabSz="914400" rtl="0" eaLnBrk="1" latinLnBrk="0" hangingPunct="1">
+              <a:defRPr sz="1800" kern="1200">
+                <a:solidFill>
+                  <a:schemeClr val="tx1"/>
+                </a:solidFill>
+                <a:latin typeface="+mn-lt"/>
+                <a:ea typeface="+mn-ea"/>
+                <a:cs typeface="+mn-cs"/>
+              </a:defRPr>
+            </a:lvl2pPr>
+            <a:lvl3pPr marL="914400" algn="l" defTabSz="914400" rtl="0" eaLnBrk="1" latinLnBrk="0" hangingPunct="1">
+              <a:defRPr sz="1800" kern="1200">
+                <a:solidFill>
+                  <a:schemeClr val="tx1"/>
+                </a:solidFill>
+                <a:latin typeface="+mn-lt"/>
+                <a:ea typeface="+mn-ea"/>
+                <a:cs typeface="+mn-cs"/>
+              </a:defRPr>
+            </a:lvl3pPr>
+            <a:lvl4pPr marL="1371600" algn="l" defTabSz="914400" rtl="0" eaLnBrk="1" latinLnBrk="0" hangingPunct="1">
+              <a:defRPr sz="1800" kern="1200">
+                <a:solidFill>
+                  <a:schemeClr val="tx1"/>
+                </a:solidFill>
+                <a:latin typeface="+mn-lt"/>
+                <a:ea typeface="+mn-ea"/>
+                <a:cs typeface="+mn-cs"/>
+              </a:defRPr>
+            </a:lvl4pPr>
+            <a:lvl5pPr marL="1828800" algn="l" defTabSz="914400" rtl="0" eaLnBrk="1" latinLnBrk="0" hangingPunct="1">
+              <a:defRPr sz="1800" kern="1200">
+                <a:solidFill>
+                  <a:schemeClr val="tx1"/>
+                </a:solidFill>
+                <a:latin typeface="+mn-lt"/>
+                <a:ea typeface="+mn-ea"/>
+                <a:cs typeface="+mn-cs"/>
+              </a:defRPr>
+            </a:lvl5pPr>
+            <a:lvl6pPr marL="2286000" algn="l" defTabSz="914400" rtl="0" eaLnBrk="1" latinLnBrk="0" hangingPunct="1">
+              <a:defRPr sz="1800" kern="1200">
+                <a:solidFill>
+                  <a:schemeClr val="tx1"/>
+                </a:solidFill>
+                <a:latin typeface="+mn-lt"/>
+                <a:ea typeface="+mn-ea"/>
+                <a:cs typeface="+mn-cs"/>
+              </a:defRPr>
+            </a:lvl6pPr>
+            <a:lvl7pPr marL="2743200" algn="l" defTabSz="914400" rtl="0" eaLnBrk="1" latinLnBrk="0" hangingPunct="1">
+              <a:defRPr sz="1800" kern="1200">
+                <a:solidFill>
+                  <a:schemeClr val="tx1"/>
+                </a:solidFill>
+                <a:latin typeface="+mn-lt"/>
+                <a:ea typeface="+mn-ea"/>
+                <a:cs typeface="+mn-cs"/>
+              </a:defRPr>
+            </a:lvl7pPr>
+            <a:lvl8pPr marL="3200400" algn="l" defTabSz="914400" rtl="0" eaLnBrk="1" latinLnBrk="0" hangingPunct="1">
+              <a:defRPr sz="1800" kern="1200">
+                <a:solidFill>
+                  <a:schemeClr val="tx1"/>
+                </a:solidFill>
+                <a:latin typeface="+mn-lt"/>
+                <a:ea typeface="+mn-ea"/>
+                <a:cs typeface="+mn-cs"/>
+              </a:defRPr>
+            </a:lvl8pPr>
+            <a:lvl9pPr marL="3657600" algn="l" defTabSz="914400" rtl="0" eaLnBrk="1" latinLnBrk="0" hangingPunct="1">
+              <a:defRPr sz="1800" kern="1200">
+                <a:solidFill>
+                  <a:schemeClr val="tx1"/>
+                </a:solidFill>
+                <a:latin typeface="+mn-lt"/>
+                <a:ea typeface="+mn-ea"/>
+                <a:cs typeface="+mn-cs"/>
+              </a:defRPr>
+            </a:lvl9pPr>
+          </a:lstStyle>
+          <a:p>
+            <a:fld id="{37290FF7-652B-4475-AEAB-8B1A5D23AE09}" type="slidenum">
+              <a:rPr lang="en-US" smtClean="0"/>
+              <a:pPr/>
+              <a:t>20</a:t>
             </a:fld>
             <a:endParaRPr lang="en-US"/>
           </a:p>
@@ -16400,7 +12473,7 @@
 </p:sld>
 </file>
 
-<file path=ppt/slides/slide24.xml><?xml version="1.0" encoding="utf-8"?>
+<file path=ppt/slides/slide21.xml><?xml version="1.0" encoding="utf-8"?>
 <p:sld xmlns:a="http://schemas.openxmlformats.org/drawingml/2006/main" xmlns:r="http://schemas.openxmlformats.org/officeDocument/2006/relationships" xmlns:p="http://schemas.openxmlformats.org/presentationml/2006/main">
   <p:cSld>
     <p:spTree>
@@ -16435,7 +12508,7 @@
             <a:fld id="{6700A58B-DD98-43D0-B791-721480A02982}" type="datetime1">
               <a:rPr lang="en-US" smtClean="0"/>
               <a:pPr/>
-              <a:t>4/18/22</a:t>
+              <a:t>11/25/24</a:t>
             </a:fld>
             <a:endParaRPr lang="en-US"/>
           </a:p>
@@ -16612,7 +12685,7 @@
             <a:fld id="{37290FF7-652B-4475-AEAB-8B1A5D23AE09}" type="slidenum">
               <a:rPr lang="en-US" smtClean="0"/>
               <a:pPr/>
-              <a:t>24</a:t>
+              <a:t>21</a:t>
             </a:fld>
             <a:endParaRPr lang="en-US"/>
           </a:p>
@@ -17168,7 +13241,7 @@
 </p:sld>
 </file>
 
-<file path=ppt/slides/slide25.xml><?xml version="1.0" encoding="utf-8"?>
+<file path=ppt/slides/slide22.xml><?xml version="1.0" encoding="utf-8"?>
 <p:sld xmlns:a="http://schemas.openxmlformats.org/drawingml/2006/main" xmlns:r="http://schemas.openxmlformats.org/officeDocument/2006/relationships" xmlns:p="http://schemas.openxmlformats.org/presentationml/2006/main">
   <p:cSld>
     <p:spTree>
@@ -17203,7 +13276,7 @@
             <a:fld id="{6700A58B-DD98-43D0-B791-721480A02982}" type="datetime1">
               <a:rPr lang="en-US" smtClean="0"/>
               <a:pPr/>
-              <a:t>4/18/22</a:t>
+              <a:t>11/25/24</a:t>
             </a:fld>
             <a:endParaRPr lang="en-US"/>
           </a:p>
@@ -17380,7 +13453,7 @@
             <a:fld id="{37290FF7-652B-4475-AEAB-8B1A5D23AE09}" type="slidenum">
               <a:rPr lang="en-US" smtClean="0"/>
               <a:pPr/>
-              <a:t>25</a:t>
+              <a:t>22</a:t>
             </a:fld>
             <a:endParaRPr lang="en-US"/>
           </a:p>
@@ -17889,7 +13962,7 @@
 </p:sld>
 </file>
 
-<file path=ppt/slides/slide26.xml><?xml version="1.0" encoding="utf-8"?>
+<file path=ppt/slides/slide23.xml><?xml version="1.0" encoding="utf-8"?>
 <p:sld xmlns:a="http://schemas.openxmlformats.org/drawingml/2006/main" xmlns:r="http://schemas.openxmlformats.org/officeDocument/2006/relationships" xmlns:p="http://schemas.openxmlformats.org/presentationml/2006/main">
   <p:cSld>
     <p:spTree>
@@ -17924,7 +13997,7 @@
             <a:fld id="{6700A58B-DD98-43D0-B791-721480A02982}" type="datetime1">
               <a:rPr lang="en-US" smtClean="0"/>
               <a:pPr/>
-              <a:t>4/18/22</a:t>
+              <a:t>11/25/24</a:t>
             </a:fld>
             <a:endParaRPr lang="en-US"/>
           </a:p>
@@ -18101,7 +14174,7 @@
             <a:fld id="{37290FF7-652B-4475-AEAB-8B1A5D23AE09}" type="slidenum">
               <a:rPr lang="en-US" smtClean="0"/>
               <a:pPr/>
-              <a:t>26</a:t>
+              <a:t>23</a:t>
             </a:fld>
             <a:endParaRPr lang="en-US"/>
           </a:p>
@@ -18785,7 +14858,7 @@
 </p:sld>
 </file>
 
-<file path=ppt/slides/slide27.xml><?xml version="1.0" encoding="utf-8"?>
+<file path=ppt/slides/slide24.xml><?xml version="1.0" encoding="utf-8"?>
 <p:sld xmlns:a="http://schemas.openxmlformats.org/drawingml/2006/main" xmlns:r="http://schemas.openxmlformats.org/officeDocument/2006/relationships" xmlns:p="http://schemas.openxmlformats.org/presentationml/2006/main">
   <p:cSld>
     <p:spTree>
@@ -18820,7 +14893,7 @@
             <a:fld id="{6700A58B-DD98-43D0-B791-721480A02982}" type="datetime1">
               <a:rPr lang="en-US" smtClean="0"/>
               <a:pPr/>
-              <a:t>4/18/22</a:t>
+              <a:t>11/25/24</a:t>
             </a:fld>
             <a:endParaRPr lang="en-US"/>
           </a:p>
@@ -18997,7 +15070,7 @@
             <a:fld id="{37290FF7-652B-4475-AEAB-8B1A5D23AE09}" type="slidenum">
               <a:rPr lang="en-US" smtClean="0"/>
               <a:pPr/>
-              <a:t>27</a:t>
+              <a:t>24</a:t>
             </a:fld>
             <a:endParaRPr lang="en-US"/>
           </a:p>
@@ -19132,176 +15205,6 @@
 </p:sld>
 </file>
 
-<file path=ppt/slides/slide28.xml><?xml version="1.0" encoding="utf-8"?>
-<p:sld xmlns:a="http://schemas.openxmlformats.org/drawingml/2006/main" xmlns:r="http://schemas.openxmlformats.org/officeDocument/2006/relationships" xmlns:p="http://schemas.openxmlformats.org/presentationml/2006/main">
-  <p:cSld>
-    <p:spTree>
-      <p:nvGrpSpPr>
-        <p:cNvPr id="1" name=""/>
-        <p:cNvGrpSpPr/>
-        <p:nvPr/>
-      </p:nvGrpSpPr>
-      <p:grpSpPr>
-        <a:xfrm>
-          <a:off x="0" y="0"/>
-          <a:ext cx="0" cy="0"/>
-          <a:chOff x="0" y="0"/>
-          <a:chExt cx="0" cy="0"/>
-        </a:xfrm>
-      </p:grpSpPr>
-      <p:sp>
-        <p:nvSpPr>
-          <p:cNvPr id="2" name="Title 1">
-            <a:extLst>
-              <a:ext uri="{FF2B5EF4-FFF2-40B4-BE49-F238E27FC236}">
-                <a16:creationId xmlns:a16="http://schemas.microsoft.com/office/drawing/2014/main" id="{A4EC15FB-B0EC-BF43-B73A-D7DCB15583D6}"/>
-              </a:ext>
-            </a:extLst>
-          </p:cNvPr>
-          <p:cNvSpPr>
-            <a:spLocks noGrp="1"/>
-          </p:cNvSpPr>
-          <p:nvPr>
-            <p:ph type="title"/>
-          </p:nvPr>
-        </p:nvSpPr>
-        <p:spPr/>
-        <p:txBody>
-          <a:bodyPr/>
-          <a:lstStyle/>
-          <a:p>
-            <a:r>
-              <a:rPr lang="en-US" dirty="0"/>
-              <a:t>Break?!</a:t>
-            </a:r>
-          </a:p>
-        </p:txBody>
-      </p:sp>
-      <p:sp>
-        <p:nvSpPr>
-          <p:cNvPr id="3" name="Content Placeholder 2">
-            <a:extLst>
-              <a:ext uri="{FF2B5EF4-FFF2-40B4-BE49-F238E27FC236}">
-                <a16:creationId xmlns:a16="http://schemas.microsoft.com/office/drawing/2014/main" id="{74558ACA-7962-9A43-8440-F256E1929562}"/>
-              </a:ext>
-            </a:extLst>
-          </p:cNvPr>
-          <p:cNvSpPr>
-            <a:spLocks noGrp="1"/>
-          </p:cNvSpPr>
-          <p:nvPr>
-            <p:ph idx="1"/>
-          </p:nvPr>
-        </p:nvSpPr>
-        <p:spPr/>
-        <p:txBody>
-          <a:bodyPr/>
-          <a:lstStyle/>
-          <a:p>
-            <a:endParaRPr lang="en-US"/>
-          </a:p>
-        </p:txBody>
-      </p:sp>
-      <p:sp>
-        <p:nvSpPr>
-          <p:cNvPr id="4" name="Date Placeholder 3">
-            <a:extLst>
-              <a:ext uri="{FF2B5EF4-FFF2-40B4-BE49-F238E27FC236}">
-                <a16:creationId xmlns:a16="http://schemas.microsoft.com/office/drawing/2014/main" id="{E5C57516-1ABE-684C-8BD5-8A146E91DD25}"/>
-              </a:ext>
-            </a:extLst>
-          </p:cNvPr>
-          <p:cNvSpPr>
-            <a:spLocks noGrp="1"/>
-          </p:cNvSpPr>
-          <p:nvPr>
-            <p:ph type="dt" sz="half" idx="10"/>
-          </p:nvPr>
-        </p:nvSpPr>
-        <p:spPr/>
-        <p:txBody>
-          <a:bodyPr/>
-          <a:lstStyle/>
-          <a:p>
-            <a:fld id="{D753EFC8-4232-4598-94F6-94C0EBAFC469}" type="datetime1">
-              <a:rPr lang="en-US" smtClean="0"/>
-              <a:t>4/18/22</a:t>
-            </a:fld>
-            <a:endParaRPr lang="en-US"/>
-          </a:p>
-        </p:txBody>
-      </p:sp>
-      <p:sp>
-        <p:nvSpPr>
-          <p:cNvPr id="5" name="Slide Number Placeholder 4">
-            <a:extLst>
-              <a:ext uri="{FF2B5EF4-FFF2-40B4-BE49-F238E27FC236}">
-                <a16:creationId xmlns:a16="http://schemas.microsoft.com/office/drawing/2014/main" id="{7B41BBC6-D5D2-3A4C-B488-56480EB24FE5}"/>
-              </a:ext>
-            </a:extLst>
-          </p:cNvPr>
-          <p:cNvSpPr>
-            <a:spLocks noGrp="1"/>
-          </p:cNvSpPr>
-          <p:nvPr>
-            <p:ph type="sldNum" sz="quarter" idx="12"/>
-          </p:nvPr>
-        </p:nvSpPr>
-        <p:spPr/>
-        <p:txBody>
-          <a:bodyPr/>
-          <a:lstStyle/>
-          <a:p>
-            <a:fld id="{37290FF7-652B-4475-AEAB-8B1A5D23AE09}" type="slidenum">
-              <a:rPr lang="en-US" smtClean="0"/>
-              <a:t>28</a:t>
-            </a:fld>
-            <a:endParaRPr lang="en-US"/>
-          </a:p>
-        </p:txBody>
-      </p:sp>
-      <p:sp>
-        <p:nvSpPr>
-          <p:cNvPr id="6" name="Footer Placeholder 5">
-            <a:extLst>
-              <a:ext uri="{FF2B5EF4-FFF2-40B4-BE49-F238E27FC236}">
-                <a16:creationId xmlns:a16="http://schemas.microsoft.com/office/drawing/2014/main" id="{CCC13BCF-9B7F-3B4C-AF40-9A4663CECC35}"/>
-              </a:ext>
-            </a:extLst>
-          </p:cNvPr>
-          <p:cNvSpPr>
-            <a:spLocks noGrp="1"/>
-          </p:cNvSpPr>
-          <p:nvPr>
-            <p:ph type="ftr" sz="quarter" idx="3"/>
-          </p:nvPr>
-        </p:nvSpPr>
-        <p:spPr/>
-        <p:txBody>
-          <a:bodyPr/>
-          <a:lstStyle/>
-          <a:p>
-            <a:r>
-              <a:rPr lang="en-US"/>
-              <a:t>Kwartler CSCI S-96</a:t>
-            </a:r>
-            <a:endParaRPr lang="en-US" dirty="0"/>
-          </a:p>
-        </p:txBody>
-      </p:sp>
-    </p:spTree>
-    <p:extLst>
-      <p:ext uri="{BB962C8B-B14F-4D97-AF65-F5344CB8AC3E}">
-        <p14:creationId xmlns:p14="http://schemas.microsoft.com/office/powerpoint/2010/main" val="1180313963"/>
-      </p:ext>
-    </p:extLst>
-  </p:cSld>
-  <p:clrMapOvr>
-    <a:masterClrMapping/>
-  </p:clrMapOvr>
-</p:sld>
-</file>
-
 <file path=ppt/slides/slide3.xml><?xml version="1.0" encoding="utf-8"?>
 <p:sld xmlns:a="http://schemas.openxmlformats.org/drawingml/2006/main" xmlns:r="http://schemas.openxmlformats.org/officeDocument/2006/relationships" xmlns:p="http://schemas.openxmlformats.org/presentationml/2006/main">
   <p:cSld>
@@ -19455,7 +15358,7 @@
             <a:fld id="{6700A58B-DD98-43D0-B791-721480A02982}" type="datetime1">
               <a:rPr lang="en-US" smtClean="0"/>
               <a:pPr/>
-              <a:t>4/18/22</a:t>
+              <a:t>11/25/24</a:t>
             </a:fld>
             <a:endParaRPr lang="en-US"/>
           </a:p>
@@ -20291,7 +16194,7 @@
             <a:fld id="{6700A58B-DD98-43D0-B791-721480A02982}" type="datetime1">
               <a:rPr lang="en-US" smtClean="0"/>
               <a:pPr/>
-              <a:t>4/18/22</a:t>
+              <a:t>11/25/24</a:t>
             </a:fld>
             <a:endParaRPr lang="en-US"/>
           </a:p>
@@ -23381,7 +19284,7 @@
             <a:fld id="{6700A58B-DD98-43D0-B791-721480A02982}" type="datetime1">
               <a:rPr lang="en-US" smtClean="0"/>
               <a:pPr/>
-              <a:t>4/18/22</a:t>
+              <a:t>11/25/24</a:t>
             </a:fld>
             <a:endParaRPr lang="en-US"/>
           </a:p>
@@ -24375,7 +20278,7 @@
             <a:fld id="{6700A58B-DD98-43D0-B791-721480A02982}" type="datetime1">
               <a:rPr lang="en-US" smtClean="0"/>
               <a:pPr/>
-              <a:t>4/18/22</a:t>
+              <a:t>11/25/24</a:t>
             </a:fld>
             <a:endParaRPr lang="en-US"/>
           </a:p>
@@ -25643,7 +21546,7 @@
           <a:p>
             <a:r>
               <a:rPr lang="en-US" dirty="0" err="1"/>
-              <a:t>B_Simple_Wordcloud_revised.R</a:t>
+              <a:t>B_Simple_WordCloud.R</a:t>
             </a:r>
             <a:endParaRPr lang="en-US" dirty="0"/>
           </a:p>
@@ -25760,7 +21663,7 @@
             <a:pPr algn="l"/>
             <a:r>
               <a:rPr lang="en-US" sz="2000" dirty="0" err="1"/>
-              <a:t>D_Simple_Wordcloud_revised.R</a:t>
+              <a:t>B_Simple_WordCloud.R</a:t>
             </a:r>
             <a:endParaRPr lang="en-US" sz="2000" b="1" dirty="0">
               <a:solidFill>
